--- a/JudahAriesakaMagaini/Proposal TA.pptx
+++ b/JudahAriesakaMagaini/Proposal TA.pptx
@@ -5,7 +5,7 @@
     <p:sldMasterId id="2147483648" r:id="rId1"/>
   </p:sldMasterIdLst>
   <p:notesMasterIdLst>
-    <p:notesMasterId r:id="rId10"/>
+    <p:notesMasterId r:id="rId11"/>
   </p:notesMasterIdLst>
   <p:sldIdLst>
     <p:sldId id="256" r:id="rId2"/>
@@ -14,8 +14,9 @@
     <p:sldId id="259" r:id="rId5"/>
     <p:sldId id="265" r:id="rId6"/>
     <p:sldId id="260" r:id="rId7"/>
-    <p:sldId id="262" r:id="rId8"/>
-    <p:sldId id="263" r:id="rId9"/>
+    <p:sldId id="266" r:id="rId8"/>
+    <p:sldId id="262" r:id="rId9"/>
+    <p:sldId id="263" r:id="rId10"/>
   </p:sldIdLst>
   <p:sldSz cx="9144000" cy="5143500" type="screen16x9"/>
   <p:notesSz cx="6858000" cy="9144000"/>
@@ -264,7 +265,7 @@
       </p15:sldGuideLst>
     </p:ext>
     <p:ext uri="http://customooxmlschemas.google.com/">
-      <go:slidesCustomData xmlns="" xmlns:mc="http://schemas.openxmlformats.org/markup-compatibility/2006" xmlns:mv="urn:schemas-microsoft-com:mac:vml" xmlns:c="http://schemas.openxmlformats.org/drawingml/2006/chart" xmlns:dgm="http://schemas.openxmlformats.org/drawingml/2006/diagram" xmlns:o="urn:schemas-microsoft-com:office:office" xmlns:v="urn:schemas-microsoft-com:vml" xmlns:pvml="urn:schemas-microsoft-com:office:powerpoint" xmlns:com="http://schemas.openxmlformats.org/drawingml/2006/compatibility" xmlns:p14="http://schemas.microsoft.com/office/powerpoint/2010/main" xmlns:p15="http://schemas.microsoft.com/office/powerpoint/2012/main" xmlns:ahyp="http://schemas.microsoft.com/office/drawing/2018/hyperlinkcolor" xmlns:go="http://customooxmlschemas.google.com/" r:id="rId14" roundtripDataSignature="AMtx7mioJHnqF79Zjga0KU7iTsQIiSOzeA=="/>
+      <go:slidesCustomData xmlns:go="http://customooxmlschemas.google.com/" xmlns:ahyp="http://schemas.microsoft.com/office/drawing/2018/hyperlinkcolor" xmlns:p15="http://schemas.microsoft.com/office/powerpoint/2012/main" xmlns:p14="http://schemas.microsoft.com/office/powerpoint/2010/main" xmlns:com="http://schemas.openxmlformats.org/drawingml/2006/compatibility" xmlns:pvml="urn:schemas-microsoft-com:office:powerpoint" xmlns:v="urn:schemas-microsoft-com:vml" xmlns:o="urn:schemas-microsoft-com:office:office" xmlns:dgm="http://schemas.openxmlformats.org/drawingml/2006/diagram" xmlns:c="http://schemas.openxmlformats.org/drawingml/2006/chart" xmlns:mv="urn:schemas-microsoft-com:mac:vml" xmlns:mc="http://schemas.openxmlformats.org/markup-compatibility/2006" xmlns="" r:id="rId14" roundtripDataSignature="AMtx7mioJHnqF79Zjga0KU7iTsQIiSOzeA=="/>
     </p:ext>
   </p:extLst>
 </p:presentation>
@@ -1578,6 +1579,133 @@
   <p:cSld>
     <p:spTree>
       <p:nvGrpSpPr>
+        <p:cNvPr id="1" name="Shape 75"/>
+        <p:cNvGrpSpPr/>
+        <p:nvPr/>
+      </p:nvGrpSpPr>
+      <p:grpSpPr>
+        <a:xfrm>
+          <a:off x="0" y="0"/>
+          <a:ext cx="0" cy="0"/>
+          <a:chOff x="0" y="0"/>
+          <a:chExt cx="0" cy="0"/>
+        </a:xfrm>
+      </p:grpSpPr>
+      <p:sp>
+        <p:nvSpPr>
+          <p:cNvPr id="76" name="Google Shape;76;p5:notes"/>
+          <p:cNvSpPr>
+            <a:spLocks noGrp="1" noRot="1" noChangeAspect="1"/>
+          </p:cNvSpPr>
+          <p:nvPr>
+            <p:ph type="sldImg" idx="2"/>
+          </p:nvPr>
+        </p:nvSpPr>
+        <p:spPr>
+          <a:xfrm>
+            <a:off x="381000" y="685800"/>
+            <a:ext cx="6096000" cy="3429000"/>
+          </a:xfrm>
+          <a:custGeom>
+            <a:avLst/>
+            <a:gdLst/>
+            <a:ahLst/>
+            <a:cxnLst/>
+            <a:rect l="l" t="t" r="r" b="b"/>
+            <a:pathLst>
+              <a:path w="120000" h="120000" extrusionOk="0">
+                <a:moveTo>
+                  <a:pt x="0" y="0"/>
+                </a:moveTo>
+                <a:lnTo>
+                  <a:pt x="120000" y="0"/>
+                </a:lnTo>
+                <a:lnTo>
+                  <a:pt x="120000" y="120000"/>
+                </a:lnTo>
+                <a:lnTo>
+                  <a:pt x="0" y="120000"/>
+                </a:lnTo>
+                <a:close/>
+              </a:path>
+            </a:pathLst>
+          </a:custGeom>
+          <a:noFill/>
+          <a:ln w="9525" cap="flat" cmpd="sng">
+            <a:solidFill>
+              <a:srgbClr val="000000"/>
+            </a:solidFill>
+            <a:prstDash val="solid"/>
+            <a:round/>
+            <a:headEnd type="none" w="sm" len="sm"/>
+            <a:tailEnd type="none" w="sm" len="sm"/>
+          </a:ln>
+        </p:spPr>
+      </p:sp>
+      <p:sp>
+        <p:nvSpPr>
+          <p:cNvPr id="77" name="Google Shape;77;p5:notes"/>
+          <p:cNvSpPr txBox="1">
+            <a:spLocks noGrp="1"/>
+          </p:cNvSpPr>
+          <p:nvPr>
+            <p:ph type="body" idx="1"/>
+          </p:nvPr>
+        </p:nvSpPr>
+        <p:spPr>
+          <a:xfrm>
+            <a:off x="685800" y="4343400"/>
+            <a:ext cx="5486400" cy="4114800"/>
+          </a:xfrm>
+          <a:prstGeom prst="rect">
+            <a:avLst/>
+          </a:prstGeom>
+          <a:noFill/>
+          <a:ln>
+            <a:noFill/>
+          </a:ln>
+        </p:spPr>
+        <p:txBody>
+          <a:bodyPr spcFirstLastPara="1" wrap="square" lIns="91425" tIns="91425" rIns="91425" bIns="91425" anchor="t" anchorCtr="0">
+            <a:noAutofit/>
+          </a:bodyPr>
+          <a:lstStyle/>
+          <a:p>
+            <a:pPr marL="0" lvl="0" indent="0" algn="l" rtl="0">
+              <a:lnSpc>
+                <a:spcPct val="100000"/>
+              </a:lnSpc>
+              <a:spcBef>
+                <a:spcPts val="0"/>
+              </a:spcBef>
+              <a:spcAft>
+                <a:spcPts val="0"/>
+              </a:spcAft>
+              <a:buSzPts val="1100"/>
+              <a:buNone/>
+            </a:pPr>
+            <a:endParaRPr/>
+          </a:p>
+        </p:txBody>
+      </p:sp>
+    </p:spTree>
+    <p:extLst>
+      <p:ext uri="{BB962C8B-B14F-4D97-AF65-F5344CB8AC3E}">
+        <p14:creationId xmlns:p14="http://schemas.microsoft.com/office/powerpoint/2010/main" val="71359496"/>
+      </p:ext>
+    </p:extLst>
+  </p:cSld>
+  <p:clrMapOvr>
+    <a:masterClrMapping/>
+  </p:clrMapOvr>
+</p:notes>
+</file>
+
+<file path=ppt/notesSlides/notesSlide8.xml><?xml version="1.0" encoding="utf-8"?>
+<p:notes xmlns:a="http://schemas.openxmlformats.org/drawingml/2006/main" xmlns:r="http://schemas.openxmlformats.org/officeDocument/2006/relationships" xmlns:p="http://schemas.openxmlformats.org/presentationml/2006/main" showMasterSp="0" showMasterPhAnim="0">
+  <p:cSld>
+    <p:spTree>
+      <p:nvGrpSpPr>
         <p:cNvPr id="1" name="Shape 87"/>
         <p:cNvGrpSpPr/>
         <p:nvPr/>
@@ -1695,7 +1823,7 @@
 </p:notes>
 </file>
 
-<file path=ppt/notesSlides/notesSlide8.xml><?xml version="1.0" encoding="utf-8"?>
+<file path=ppt/notesSlides/notesSlide9.xml><?xml version="1.0" encoding="utf-8"?>
 <p:notes xmlns:a="http://schemas.openxmlformats.org/drawingml/2006/main" xmlns:r="http://schemas.openxmlformats.org/officeDocument/2006/relationships" xmlns:p="http://schemas.openxmlformats.org/presentationml/2006/main" showMasterSp="0" showMasterPhAnim="0">
   <p:cSld>
     <p:spTree>
@@ -13434,11 +13562,11 @@
                 <a:spcPts val="0"/>
               </a:spcAft>
               <a:buClrTx/>
-              <a:buSzPts val="1800"/>
+              <a:buSzPct val="100000"/>
               <a:buAutoNum type="arabicPeriod"/>
             </a:pPr>
             <a:r>
-              <a:rPr lang="en-US" sz="1800" dirty="0" err="1">
+              <a:rPr lang="en-US" sz="1200" dirty="0" err="1">
                 <a:solidFill>
                   <a:schemeClr val="tx1"/>
                 </a:solidFill>
@@ -13450,7 +13578,7 @@
               <a:t>Bagaimana</a:t>
             </a:r>
             <a:r>
-              <a:rPr lang="en-US" sz="1800" dirty="0">
+              <a:rPr lang="en-US" sz="1200" dirty="0">
                 <a:solidFill>
                   <a:schemeClr val="tx1"/>
                 </a:solidFill>
@@ -13462,7 +13590,7 @@
               <a:t> </a:t>
             </a:r>
             <a:r>
-              <a:rPr lang="en-US" sz="1800" dirty="0" err="1">
+              <a:rPr lang="en-US" sz="1200" dirty="0" err="1">
                 <a:solidFill>
                   <a:schemeClr val="tx1"/>
                 </a:solidFill>
@@ -13474,7 +13602,7 @@
               <a:t>rancangan</a:t>
             </a:r>
             <a:r>
-              <a:rPr lang="en-US" sz="1800" dirty="0">
+              <a:rPr lang="en-US" sz="1200" dirty="0">
                 <a:solidFill>
                   <a:schemeClr val="tx1"/>
                 </a:solidFill>
@@ -13486,7 +13614,7 @@
               <a:t> </a:t>
             </a:r>
             <a:r>
-              <a:rPr lang="en-US" sz="1800" dirty="0" err="1">
+              <a:rPr lang="en-US" sz="1200" dirty="0" err="1">
                 <a:solidFill>
                   <a:schemeClr val="tx1"/>
                 </a:solidFill>
@@ -13498,7 +13626,7 @@
               <a:t>ontologi</a:t>
             </a:r>
             <a:r>
-              <a:rPr lang="en-US" sz="1800" dirty="0">
+              <a:rPr lang="en-US" sz="1200" dirty="0">
                 <a:solidFill>
                   <a:schemeClr val="tx1"/>
                 </a:solidFill>
@@ -13510,7 +13638,7 @@
               <a:t> yang </a:t>
             </a:r>
             <a:r>
-              <a:rPr lang="en-US" sz="1800" dirty="0" err="1">
+              <a:rPr lang="en-US" sz="1200" dirty="0" err="1">
                 <a:solidFill>
                   <a:schemeClr val="tx1"/>
                 </a:solidFill>
@@ -13522,7 +13650,7 @@
               <a:t>tepat</a:t>
             </a:r>
             <a:r>
-              <a:rPr lang="en-US" sz="1800" dirty="0">
+              <a:rPr lang="en-US" sz="1200" dirty="0">
                 <a:solidFill>
                   <a:schemeClr val="tx1"/>
                 </a:solidFill>
@@ -13534,7 +13662,7 @@
               <a:t> untuk data </a:t>
             </a:r>
             <a:r>
-              <a:rPr lang="en-US" sz="1800" dirty="0" err="1">
+              <a:rPr lang="en-US" sz="1200" dirty="0" err="1">
                 <a:solidFill>
                   <a:schemeClr val="tx1"/>
                 </a:solidFill>
@@ -13546,7 +13674,7 @@
               <a:t>peristiwa</a:t>
             </a:r>
             <a:r>
-              <a:rPr lang="en-US" sz="1800" dirty="0">
+              <a:rPr lang="en-US" sz="1200" dirty="0">
                 <a:solidFill>
                   <a:schemeClr val="tx1"/>
                 </a:solidFill>
@@ -13558,7 +13686,7 @@
               <a:t> dan </a:t>
             </a:r>
             <a:r>
-              <a:rPr lang="en-US" sz="1800" dirty="0" err="1">
+              <a:rPr lang="en-US" sz="1200" dirty="0" err="1">
                 <a:solidFill>
                   <a:schemeClr val="tx1"/>
                 </a:solidFill>
@@ -13570,7 +13698,7 @@
               <a:t>tokoh</a:t>
             </a:r>
             <a:r>
-              <a:rPr lang="en-US" sz="1800" dirty="0">
+              <a:rPr lang="en-US" sz="1200" dirty="0">
                 <a:solidFill>
                   <a:schemeClr val="tx1"/>
                 </a:solidFill>
@@ -13582,7 +13710,7 @@
               <a:t> </a:t>
             </a:r>
             <a:r>
-              <a:rPr lang="en-US" sz="1800" dirty="0" err="1">
+              <a:rPr lang="en-US" sz="1200" dirty="0" err="1">
                 <a:solidFill>
                   <a:schemeClr val="tx1"/>
                 </a:solidFill>
@@ -13594,7 +13722,7 @@
               <a:t>sejarah</a:t>
             </a:r>
             <a:r>
-              <a:rPr lang="en-US" sz="1800" dirty="0">
+              <a:rPr lang="en-US" sz="1200" dirty="0">
                 <a:solidFill>
                   <a:schemeClr val="tx1"/>
                 </a:solidFill>
@@ -13606,7 +13734,7 @@
               <a:t> Indonesia </a:t>
             </a:r>
             <a:r>
-              <a:rPr lang="en-US" dirty="0" err="1">
+              <a:rPr lang="en-US" sz="1200" dirty="0" err="1">
                 <a:solidFill>
                   <a:schemeClr val="tx1"/>
                 </a:solidFill>
@@ -13618,7 +13746,7 @@
               <a:t>selama</a:t>
             </a:r>
             <a:r>
-              <a:rPr lang="en-US" sz="1800" dirty="0">
+              <a:rPr lang="en-US" sz="1200" dirty="0">
                 <a:solidFill>
                   <a:schemeClr val="tx1"/>
                 </a:solidFill>
@@ -13630,7 +13758,7 @@
               <a:t> </a:t>
             </a:r>
             <a:r>
-              <a:rPr lang="en-US" sz="1800" dirty="0" err="1">
+              <a:rPr lang="en-US" sz="1200" dirty="0" err="1">
                 <a:solidFill>
                   <a:schemeClr val="tx1"/>
                 </a:solidFill>
@@ -13642,7 +13770,7 @@
               <a:t>periode</a:t>
             </a:r>
             <a:r>
-              <a:rPr lang="en-US" sz="1800" dirty="0">
+              <a:rPr lang="en-US" sz="1200" dirty="0">
                 <a:solidFill>
                   <a:schemeClr val="tx1"/>
                 </a:solidFill>
@@ -13666,11 +13794,11 @@
                 <a:spcPts val="0"/>
               </a:spcAft>
               <a:buClrTx/>
-              <a:buSzPts val="1800"/>
+              <a:buSzPct val="100000"/>
               <a:buAutoNum type="arabicPeriod"/>
             </a:pPr>
             <a:r>
-              <a:rPr lang="en-US" dirty="0" err="1">
+              <a:rPr lang="en-US" sz="1200" dirty="0" err="1">
                 <a:solidFill>
                   <a:schemeClr val="tx1"/>
                 </a:solidFill>
@@ -13682,7 +13810,7 @@
               <a:t>Bagaimana</a:t>
             </a:r>
             <a:r>
-              <a:rPr lang="en-US" dirty="0">
+              <a:rPr lang="en-US" sz="1200" dirty="0">
                 <a:solidFill>
                   <a:schemeClr val="tx1"/>
                 </a:solidFill>
@@ -13694,7 +13822,7 @@
               <a:t> </a:t>
             </a:r>
             <a:r>
-              <a:rPr lang="en-US" dirty="0" err="1">
+              <a:rPr lang="en-US" sz="1200" dirty="0" err="1">
                 <a:solidFill>
                   <a:schemeClr val="tx1"/>
                 </a:solidFill>
@@ -13706,7 +13834,7 @@
               <a:t>mengubah</a:t>
             </a:r>
             <a:r>
-              <a:rPr lang="en-US" dirty="0">
+              <a:rPr lang="en-US" sz="1200" dirty="0">
                 <a:solidFill>
                   <a:schemeClr val="tx1"/>
                 </a:solidFill>
@@ -13718,7 +13846,7 @@
               <a:t> data </a:t>
             </a:r>
             <a:r>
-              <a:rPr lang="en-US" dirty="0" err="1">
+              <a:rPr lang="en-US" sz="1200" dirty="0" err="1">
                 <a:solidFill>
                   <a:schemeClr val="tx1"/>
                 </a:solidFill>
@@ -13730,7 +13858,7 @@
               <a:t>dari</a:t>
             </a:r>
             <a:r>
-              <a:rPr lang="en-US" dirty="0">
+              <a:rPr lang="en-US" sz="1200" dirty="0">
                 <a:solidFill>
                   <a:schemeClr val="tx1"/>
                 </a:solidFill>
@@ -13742,7 +13870,7 @@
               <a:t> </a:t>
             </a:r>
             <a:r>
-              <a:rPr lang="en-US" dirty="0" err="1">
+              <a:rPr lang="en-US" sz="1200" dirty="0" err="1">
                 <a:solidFill>
                   <a:schemeClr val="tx1"/>
                 </a:solidFill>
@@ -13754,7 +13882,7 @@
               <a:t>berbagai</a:t>
             </a:r>
             <a:r>
-              <a:rPr lang="en-US" dirty="0">
+              <a:rPr lang="en-US" sz="1200" dirty="0">
                 <a:solidFill>
                   <a:schemeClr val="tx1"/>
                 </a:solidFill>
@@ -13766,7 +13894,7 @@
               <a:t> </a:t>
             </a:r>
             <a:r>
-              <a:rPr lang="en-US" dirty="0" err="1">
+              <a:rPr lang="en-US" sz="1200" dirty="0" err="1">
                 <a:solidFill>
                   <a:schemeClr val="tx1"/>
                 </a:solidFill>
@@ -13778,7 +13906,7 @@
               <a:t>sumber</a:t>
             </a:r>
             <a:r>
-              <a:rPr lang="en-US" dirty="0">
+              <a:rPr lang="en-US" sz="1200" dirty="0">
                 <a:solidFill>
                   <a:schemeClr val="tx1"/>
                 </a:solidFill>
@@ -13787,10 +13915,10 @@
                 <a:cs typeface="Times New Roman"/>
                 <a:sym typeface="Times New Roman"/>
               </a:rPr>
-              <a:t> data, </a:t>
-            </a:r>
-            <a:r>
-              <a:rPr lang="en-US" b="1" dirty="0">
+              <a:t> data </a:t>
+            </a:r>
+            <a:r>
+              <a:rPr lang="en-US" sz="1200" dirty="0" err="1">
                 <a:solidFill>
                   <a:schemeClr val="tx1"/>
                 </a:solidFill>
@@ -13799,10 +13927,10 @@
                 <a:cs typeface="Times New Roman"/>
                 <a:sym typeface="Times New Roman"/>
               </a:rPr>
-              <a:t>baik yang </a:t>
-            </a:r>
-            <a:r>
-              <a:rPr lang="en-US" b="1" dirty="0" err="1">
+              <a:t>terstruktur</a:t>
+            </a:r>
+            <a:r>
+              <a:rPr lang="en-US" sz="1200" dirty="0">
                 <a:solidFill>
                   <a:schemeClr val="tx1"/>
                 </a:solidFill>
@@ -13811,10 +13939,10 @@
                 <a:cs typeface="Times New Roman"/>
                 <a:sym typeface="Times New Roman"/>
               </a:rPr>
-              <a:t>terstruktur</a:t>
-            </a:r>
-            <a:r>
-              <a:rPr lang="en-US" b="1" dirty="0">
+              <a:t> ke dalam </a:t>
+            </a:r>
+            <a:r>
+              <a:rPr lang="en-US" sz="1200" dirty="0" err="1">
                 <a:solidFill>
                   <a:schemeClr val="tx1"/>
                 </a:solidFill>
@@ -13823,10 +13951,10 @@
                 <a:cs typeface="Times New Roman"/>
                 <a:sym typeface="Times New Roman"/>
               </a:rPr>
-              <a:t> </a:t>
-            </a:r>
-            <a:r>
-              <a:rPr lang="en-US" b="1" dirty="0" err="1">
+              <a:t>bentuk</a:t>
+            </a:r>
+            <a:r>
+              <a:rPr lang="en-US" sz="1200" dirty="0">
                 <a:solidFill>
                   <a:schemeClr val="tx1"/>
                 </a:solidFill>
@@ -13835,10 +13963,10 @@
                 <a:cs typeface="Times New Roman"/>
                 <a:sym typeface="Times New Roman"/>
               </a:rPr>
-              <a:t>maupun</a:t>
-            </a:r>
-            <a:r>
-              <a:rPr lang="en-US" b="1" dirty="0">
+              <a:t> </a:t>
+            </a:r>
+            <a:r>
+              <a:rPr lang="en-US" sz="1200" i="1" dirty="0">
                 <a:solidFill>
                   <a:schemeClr val="tx1"/>
                 </a:solidFill>
@@ -13847,10 +13975,10 @@
                 <a:cs typeface="Times New Roman"/>
                 <a:sym typeface="Times New Roman"/>
               </a:rPr>
-              <a:t> tidak</a:t>
-            </a:r>
-            <a:r>
-              <a:rPr lang="en-US" dirty="0">
+              <a:t>knowledge graph</a:t>
+            </a:r>
+            <a:r>
+              <a:rPr lang="en-US" sz="1200" dirty="0">
                 <a:solidFill>
                   <a:schemeClr val="tx1"/>
                 </a:solidFill>
@@ -13859,10 +13987,10 @@
                 <a:cs typeface="Times New Roman"/>
                 <a:sym typeface="Times New Roman"/>
               </a:rPr>
-              <a:t>, ke dalam </a:t>
-            </a:r>
-            <a:r>
-              <a:rPr lang="en-US" dirty="0" err="1">
+              <a:t> untuk </a:t>
+            </a:r>
+            <a:r>
+              <a:rPr lang="en-US" sz="1200" dirty="0" err="1">
                 <a:solidFill>
                   <a:schemeClr val="tx1"/>
                 </a:solidFill>
@@ -13871,10 +13999,10 @@
                 <a:cs typeface="Times New Roman"/>
                 <a:sym typeface="Times New Roman"/>
               </a:rPr>
-              <a:t>bentuk</a:t>
-            </a:r>
-            <a:r>
-              <a:rPr lang="en-US" dirty="0">
+              <a:t>mempopulasikan</a:t>
+            </a:r>
+            <a:r>
+              <a:rPr lang="en-US" sz="1200" dirty="0">
                 <a:solidFill>
                   <a:schemeClr val="tx1"/>
                 </a:solidFill>
@@ -13886,7 +14014,7 @@
               <a:t> </a:t>
             </a:r>
             <a:r>
-              <a:rPr lang="en-US" i="1" dirty="0">
+              <a:rPr lang="en-US" sz="1200" dirty="0" err="1">
                 <a:solidFill>
                   <a:schemeClr val="tx1"/>
                 </a:solidFill>
@@ -13895,10 +14023,10 @@
                 <a:cs typeface="Times New Roman"/>
                 <a:sym typeface="Times New Roman"/>
               </a:rPr>
-              <a:t>knowledge graph</a:t>
-            </a:r>
-            <a:r>
-              <a:rPr lang="en-US" dirty="0">
+              <a:t>ontologi</a:t>
+            </a:r>
+            <a:r>
+              <a:rPr lang="en-US" sz="1200" dirty="0">
                 <a:solidFill>
                   <a:schemeClr val="tx1"/>
                 </a:solidFill>
@@ -13907,10 +14035,10 @@
                 <a:cs typeface="Times New Roman"/>
                 <a:sym typeface="Times New Roman"/>
               </a:rPr>
-              <a:t> untuk </a:t>
-            </a:r>
-            <a:r>
-              <a:rPr lang="en-US" dirty="0" err="1">
+              <a:t> yang </a:t>
+            </a:r>
+            <a:r>
+              <a:rPr lang="en-US" sz="1200" dirty="0" err="1">
                 <a:solidFill>
                   <a:schemeClr val="tx1"/>
                 </a:solidFill>
@@ -13919,10 +14047,10 @@
                 <a:cs typeface="Times New Roman"/>
                 <a:sym typeface="Times New Roman"/>
               </a:rPr>
-              <a:t>mempopulasikan</a:t>
-            </a:r>
-            <a:r>
-              <a:rPr lang="en-US" dirty="0">
+              <a:t>telah</a:t>
+            </a:r>
+            <a:r>
+              <a:rPr lang="en-US" sz="1200" dirty="0">
                 <a:solidFill>
                   <a:schemeClr val="tx1"/>
                 </a:solidFill>
@@ -13934,7 +14062,7 @@
               <a:t> </a:t>
             </a:r>
             <a:r>
-              <a:rPr lang="en-US" dirty="0" err="1">
+              <a:rPr lang="en-US" sz="1200" dirty="0" err="1">
                 <a:solidFill>
                   <a:schemeClr val="tx1"/>
                 </a:solidFill>
@@ -13943,10 +14071,10 @@
                 <a:cs typeface="Times New Roman"/>
                 <a:sym typeface="Times New Roman"/>
               </a:rPr>
-              <a:t>ontologi</a:t>
-            </a:r>
-            <a:r>
-              <a:rPr lang="en-US" dirty="0">
+              <a:t>dirancang</a:t>
+            </a:r>
+            <a:r>
+              <a:rPr lang="en-US" sz="1200" dirty="0">
                 <a:solidFill>
                   <a:schemeClr val="tx1"/>
                 </a:solidFill>
@@ -13955,10 +14083,10 @@
                 <a:cs typeface="Times New Roman"/>
                 <a:sym typeface="Times New Roman"/>
               </a:rPr>
-              <a:t> yang </a:t>
-            </a:r>
-            <a:r>
-              <a:rPr lang="en-US" dirty="0" err="1">
+              <a:t> dengan data </a:t>
+            </a:r>
+            <a:r>
+              <a:rPr lang="en-US" sz="1200" dirty="0" err="1">
                 <a:solidFill>
                   <a:schemeClr val="tx1"/>
                 </a:solidFill>
@@ -13967,10 +14095,10 @@
                 <a:cs typeface="Times New Roman"/>
                 <a:sym typeface="Times New Roman"/>
               </a:rPr>
-              <a:t>telah</a:t>
-            </a:r>
-            <a:r>
-              <a:rPr lang="en-US" dirty="0">
+              <a:t>peristiwa</a:t>
+            </a:r>
+            <a:r>
+              <a:rPr lang="en-US" sz="1200" dirty="0">
                 <a:solidFill>
                   <a:schemeClr val="tx1"/>
                 </a:solidFill>
@@ -13979,10 +14107,10 @@
                 <a:cs typeface="Times New Roman"/>
                 <a:sym typeface="Times New Roman"/>
               </a:rPr>
-              <a:t> </a:t>
-            </a:r>
-            <a:r>
-              <a:rPr lang="en-US" dirty="0" err="1">
+              <a:t> dan </a:t>
+            </a:r>
+            <a:r>
+              <a:rPr lang="en-US" sz="1200" dirty="0" err="1">
                 <a:solidFill>
                   <a:schemeClr val="tx1"/>
                 </a:solidFill>
@@ -13991,10 +14119,10 @@
                 <a:cs typeface="Times New Roman"/>
                 <a:sym typeface="Times New Roman"/>
               </a:rPr>
-              <a:t>dirancang</a:t>
-            </a:r>
-            <a:r>
-              <a:rPr lang="en-US" dirty="0">
+              <a:t>tokoh</a:t>
+            </a:r>
+            <a:r>
+              <a:rPr lang="en-US" sz="1200" dirty="0">
                 <a:solidFill>
                   <a:schemeClr val="tx1"/>
                 </a:solidFill>
@@ -14003,10 +14131,10 @@
                 <a:cs typeface="Times New Roman"/>
                 <a:sym typeface="Times New Roman"/>
               </a:rPr>
-              <a:t> dengan data </a:t>
-            </a:r>
-            <a:r>
-              <a:rPr lang="en-US" dirty="0" err="1">
+              <a:t> </a:t>
+            </a:r>
+            <a:r>
+              <a:rPr lang="en-US" sz="1200" dirty="0" err="1">
                 <a:solidFill>
                   <a:schemeClr val="tx1"/>
                 </a:solidFill>
@@ -14015,10 +14143,10 @@
                 <a:cs typeface="Times New Roman"/>
                 <a:sym typeface="Times New Roman"/>
               </a:rPr>
-              <a:t>peristiwa</a:t>
-            </a:r>
-            <a:r>
-              <a:rPr lang="en-US" dirty="0">
+              <a:t>sejarah</a:t>
+            </a:r>
+            <a:r>
+              <a:rPr lang="en-US" sz="1200" dirty="0">
                 <a:solidFill>
                   <a:schemeClr val="tx1"/>
                 </a:solidFill>
@@ -14027,10 +14155,10 @@
                 <a:cs typeface="Times New Roman"/>
                 <a:sym typeface="Times New Roman"/>
               </a:rPr>
-              <a:t> dan </a:t>
-            </a:r>
-            <a:r>
-              <a:rPr lang="en-US" dirty="0" err="1">
+              <a:t> Indonesia </a:t>
+            </a:r>
+            <a:r>
+              <a:rPr lang="en-US" sz="1200" dirty="0" err="1">
                 <a:solidFill>
                   <a:schemeClr val="tx1"/>
                 </a:solidFill>
@@ -14039,10 +14167,10 @@
                 <a:cs typeface="Times New Roman"/>
                 <a:sym typeface="Times New Roman"/>
               </a:rPr>
-              <a:t>tokoh</a:t>
-            </a:r>
-            <a:r>
-              <a:rPr lang="en-US" dirty="0">
+              <a:t>selama</a:t>
+            </a:r>
+            <a:r>
+              <a:rPr lang="en-US" sz="1200" dirty="0">
                 <a:solidFill>
                   <a:schemeClr val="tx1"/>
                 </a:solidFill>
@@ -14054,7 +14182,7 @@
               <a:t> </a:t>
             </a:r>
             <a:r>
-              <a:rPr lang="en-US" dirty="0" err="1">
+              <a:rPr lang="en-US" sz="1200" dirty="0" err="1">
                 <a:solidFill>
                   <a:schemeClr val="tx1"/>
                 </a:solidFill>
@@ -14063,10 +14191,10 @@
                 <a:cs typeface="Times New Roman"/>
                 <a:sym typeface="Times New Roman"/>
               </a:rPr>
-              <a:t>sejarah</a:t>
-            </a:r>
-            <a:r>
-              <a:rPr lang="en-US" dirty="0">
+              <a:t>periode</a:t>
+            </a:r>
+            <a:r>
+              <a:rPr lang="en-US" sz="1200" dirty="0">
                 <a:solidFill>
                   <a:schemeClr val="tx1"/>
                 </a:solidFill>
@@ -14075,10 +14203,26 @@
                 <a:cs typeface="Times New Roman"/>
                 <a:sym typeface="Times New Roman"/>
               </a:rPr>
-              <a:t> Indonesia </a:t>
-            </a:r>
-            <a:r>
-              <a:rPr lang="en-US" dirty="0" err="1">
+              <a:t> Orde Baru?</a:t>
+            </a:r>
+          </a:p>
+          <a:p>
+            <a:pPr marL="342900" lvl="0" algn="l" rtl="0">
+              <a:lnSpc>
+                <a:spcPct val="115000"/>
+              </a:lnSpc>
+              <a:spcBef>
+                <a:spcPts val="0"/>
+              </a:spcBef>
+              <a:spcAft>
+                <a:spcPts val="0"/>
+              </a:spcAft>
+              <a:buClrTx/>
+              <a:buSzPct val="100000"/>
+              <a:buAutoNum type="arabicPeriod"/>
+            </a:pPr>
+            <a:r>
+              <a:rPr lang="en-US" sz="1200" dirty="0" err="1">
                 <a:solidFill>
                   <a:schemeClr val="tx1"/>
                 </a:solidFill>
@@ -14087,10 +14231,10 @@
                 <a:cs typeface="Times New Roman"/>
                 <a:sym typeface="Times New Roman"/>
               </a:rPr>
-              <a:t>selama</a:t>
-            </a:r>
-            <a:r>
-              <a:rPr lang="en-US" dirty="0">
+              <a:t>Bagaimana</a:t>
+            </a:r>
+            <a:r>
+              <a:rPr lang="en-US" sz="1200" dirty="0">
                 <a:solidFill>
                   <a:schemeClr val="tx1"/>
                 </a:solidFill>
@@ -14102,7 +14246,7 @@
               <a:t> </a:t>
             </a:r>
             <a:r>
-              <a:rPr lang="en-US" dirty="0" err="1">
+              <a:rPr lang="en-US" sz="1200" dirty="0" err="1">
                 <a:solidFill>
                   <a:schemeClr val="tx1"/>
                 </a:solidFill>
@@ -14111,10 +14255,10 @@
                 <a:cs typeface="Times New Roman"/>
                 <a:sym typeface="Times New Roman"/>
               </a:rPr>
-              <a:t>periode</a:t>
-            </a:r>
-            <a:r>
-              <a:rPr lang="en-US" dirty="0">
+              <a:t>menyajikan</a:t>
+            </a:r>
+            <a:r>
+              <a:rPr lang="en-US" sz="1200" dirty="0">
                 <a:solidFill>
                   <a:schemeClr val="tx1"/>
                 </a:solidFill>
@@ -14123,26 +14267,10 @@
                 <a:cs typeface="Times New Roman"/>
                 <a:sym typeface="Times New Roman"/>
               </a:rPr>
-              <a:t> Orde Baru?</a:t>
-            </a:r>
-          </a:p>
-          <a:p>
-            <a:pPr marL="342900" lvl="0" algn="l" rtl="0">
-              <a:lnSpc>
-                <a:spcPct val="115000"/>
-              </a:lnSpc>
-              <a:spcBef>
-                <a:spcPts val="0"/>
-              </a:spcBef>
-              <a:spcAft>
-                <a:spcPts val="0"/>
-              </a:spcAft>
-              <a:buClrTx/>
-              <a:buSzPts val="1800"/>
-              <a:buAutoNum type="arabicPeriod"/>
-            </a:pPr>
-            <a:r>
-              <a:rPr lang="en-US" sz="1800" dirty="0" err="1">
+              <a:t> data </a:t>
+            </a:r>
+            <a:r>
+              <a:rPr lang="en-US" sz="1200" dirty="0" err="1">
                 <a:solidFill>
                   <a:schemeClr val="tx1"/>
                 </a:solidFill>
@@ -14151,10 +14279,10 @@
                 <a:cs typeface="Times New Roman"/>
                 <a:sym typeface="Times New Roman"/>
               </a:rPr>
-              <a:t>Bagaimana</a:t>
-            </a:r>
-            <a:r>
-              <a:rPr lang="en-US" sz="1800" dirty="0">
+              <a:t>peristiwa</a:t>
+            </a:r>
+            <a:r>
+              <a:rPr lang="en-US" sz="1200" dirty="0">
                 <a:solidFill>
                   <a:schemeClr val="tx1"/>
                 </a:solidFill>
@@ -14163,10 +14291,10 @@
                 <a:cs typeface="Times New Roman"/>
                 <a:sym typeface="Times New Roman"/>
               </a:rPr>
-              <a:t> </a:t>
-            </a:r>
-            <a:r>
-              <a:rPr lang="en-US" sz="1800" dirty="0" err="1">
+              <a:t> dan </a:t>
+            </a:r>
+            <a:r>
+              <a:rPr lang="en-US" sz="1200" dirty="0" err="1">
                 <a:solidFill>
                   <a:schemeClr val="tx1"/>
                 </a:solidFill>
@@ -14175,10 +14303,10 @@
                 <a:cs typeface="Times New Roman"/>
                 <a:sym typeface="Times New Roman"/>
               </a:rPr>
-              <a:t>menyajikan</a:t>
-            </a:r>
-            <a:r>
-              <a:rPr lang="en-US" sz="1800" dirty="0">
+              <a:t>tokoh</a:t>
+            </a:r>
+            <a:r>
+              <a:rPr lang="en-US" sz="1200" dirty="0">
                 <a:solidFill>
                   <a:schemeClr val="tx1"/>
                 </a:solidFill>
@@ -14187,10 +14315,10 @@
                 <a:cs typeface="Times New Roman"/>
                 <a:sym typeface="Times New Roman"/>
               </a:rPr>
-              <a:t> data </a:t>
-            </a:r>
-            <a:r>
-              <a:rPr lang="en-US" sz="1800" dirty="0" err="1">
+              <a:t> </a:t>
+            </a:r>
+            <a:r>
+              <a:rPr lang="en-US" sz="1200" dirty="0" err="1">
                 <a:solidFill>
                   <a:schemeClr val="tx1"/>
                 </a:solidFill>
@@ -14199,10 +14327,10 @@
                 <a:cs typeface="Times New Roman"/>
                 <a:sym typeface="Times New Roman"/>
               </a:rPr>
-              <a:t>peristiwa</a:t>
-            </a:r>
-            <a:r>
-              <a:rPr lang="en-US" sz="1800" dirty="0">
+              <a:t>sejarah</a:t>
+            </a:r>
+            <a:r>
+              <a:rPr lang="en-US" sz="1200" dirty="0">
                 <a:solidFill>
                   <a:schemeClr val="tx1"/>
                 </a:solidFill>
@@ -14211,10 +14339,10 @@
                 <a:cs typeface="Times New Roman"/>
                 <a:sym typeface="Times New Roman"/>
               </a:rPr>
-              <a:t> dan </a:t>
-            </a:r>
-            <a:r>
-              <a:rPr lang="en-US" sz="1800" dirty="0" err="1">
+              <a:t> Indonesia </a:t>
+            </a:r>
+            <a:r>
+              <a:rPr lang="en-US" sz="1200" dirty="0" err="1">
                 <a:solidFill>
                   <a:schemeClr val="tx1"/>
                 </a:solidFill>
@@ -14223,10 +14351,10 @@
                 <a:cs typeface="Times New Roman"/>
                 <a:sym typeface="Times New Roman"/>
               </a:rPr>
-              <a:t>tokoh</a:t>
-            </a:r>
-            <a:r>
-              <a:rPr lang="en-US" sz="1800" dirty="0">
+              <a:t>selama</a:t>
+            </a:r>
+            <a:r>
+              <a:rPr lang="en-US" sz="1200" dirty="0">
                 <a:solidFill>
                   <a:schemeClr val="tx1"/>
                 </a:solidFill>
@@ -14235,10 +14363,10 @@
                 <a:cs typeface="Times New Roman"/>
                 <a:sym typeface="Times New Roman"/>
               </a:rPr>
-              <a:t> Se</a:t>
-            </a:r>
-            <a:r>
-              <a:rPr lang="en-US" dirty="0">
+              <a:t> </a:t>
+            </a:r>
+            <a:r>
+              <a:rPr lang="en-US" sz="1200" dirty="0" err="1">
                 <a:solidFill>
                   <a:schemeClr val="tx1"/>
                 </a:solidFill>
@@ -14247,10 +14375,10 @@
                 <a:cs typeface="Times New Roman"/>
                 <a:sym typeface="Times New Roman"/>
               </a:rPr>
-              <a:t>jarah Indonesia </a:t>
-            </a:r>
-            <a:r>
-              <a:rPr lang="en-US" dirty="0" err="1">
+              <a:t>periode</a:t>
+            </a:r>
+            <a:r>
+              <a:rPr lang="en-US" sz="1200" dirty="0">
                 <a:solidFill>
                   <a:schemeClr val="tx1"/>
                 </a:solidFill>
@@ -14259,10 +14387,10 @@
                 <a:cs typeface="Times New Roman"/>
                 <a:sym typeface="Times New Roman"/>
               </a:rPr>
-              <a:t>selama</a:t>
-            </a:r>
-            <a:r>
-              <a:rPr lang="en-US" dirty="0">
+              <a:t> Orde Baru </a:t>
+            </a:r>
+            <a:r>
+              <a:rPr lang="en-US" sz="1200" dirty="0" err="1">
                 <a:solidFill>
                   <a:schemeClr val="tx1"/>
                 </a:solidFill>
@@ -14271,10 +14399,10 @@
                 <a:cs typeface="Times New Roman"/>
                 <a:sym typeface="Times New Roman"/>
               </a:rPr>
-              <a:t> </a:t>
-            </a:r>
-            <a:r>
-              <a:rPr lang="en-US" dirty="0" err="1">
+              <a:t>sesuai</a:t>
+            </a:r>
+            <a:r>
+              <a:rPr lang="en-US" sz="1200" dirty="0">
                 <a:solidFill>
                   <a:schemeClr val="tx1"/>
                 </a:solidFill>
@@ -14283,10 +14411,10 @@
                 <a:cs typeface="Times New Roman"/>
                 <a:sym typeface="Times New Roman"/>
               </a:rPr>
-              <a:t>periode</a:t>
-            </a:r>
-            <a:r>
-              <a:rPr lang="en-US" dirty="0">
+              <a:t> dengan </a:t>
+            </a:r>
+            <a:r>
+              <a:rPr lang="en-US" sz="1200" dirty="0" err="1">
                 <a:solidFill>
                   <a:schemeClr val="tx1"/>
                 </a:solidFill>
@@ -14295,10 +14423,10 @@
                 <a:cs typeface="Times New Roman"/>
                 <a:sym typeface="Times New Roman"/>
               </a:rPr>
-              <a:t> Orde Baru </a:t>
-            </a:r>
-            <a:r>
-              <a:rPr lang="en-US" dirty="0" err="1">
+              <a:t>kebutuhan</a:t>
+            </a:r>
+            <a:r>
+              <a:rPr lang="en-US" sz="1200" dirty="0">
                 <a:solidFill>
                   <a:schemeClr val="tx1"/>
                 </a:solidFill>
@@ -14307,10 +14435,10 @@
                 <a:cs typeface="Times New Roman"/>
                 <a:sym typeface="Times New Roman"/>
               </a:rPr>
-              <a:t>sesuai</a:t>
-            </a:r>
-            <a:r>
-              <a:rPr lang="en-US" dirty="0">
+              <a:t> </a:t>
+            </a:r>
+            <a:r>
+              <a:rPr lang="en-US" sz="1200" dirty="0" err="1">
                 <a:solidFill>
                   <a:schemeClr val="tx1"/>
                 </a:solidFill>
@@ -14319,10 +14447,10 @@
                 <a:cs typeface="Times New Roman"/>
                 <a:sym typeface="Times New Roman"/>
               </a:rPr>
-              <a:t> dengan </a:t>
-            </a:r>
-            <a:r>
-              <a:rPr lang="en-US" dirty="0" err="1">
+              <a:t>sejarawan</a:t>
+            </a:r>
+            <a:r>
+              <a:rPr lang="en-US" sz="1200" dirty="0">
                 <a:solidFill>
                   <a:schemeClr val="tx1"/>
                 </a:solidFill>
@@ -14331,45 +14459,25 @@
                 <a:cs typeface="Times New Roman"/>
                 <a:sym typeface="Times New Roman"/>
               </a:rPr>
-              <a:t>kebutuhan</a:t>
-            </a:r>
-            <a:r>
-              <a:rPr lang="en-US" dirty="0">
-                <a:solidFill>
-                  <a:schemeClr val="tx1"/>
-                </a:solidFill>
-                <a:latin typeface="+mn-lt"/>
-                <a:ea typeface="Times New Roman"/>
-                <a:cs typeface="Times New Roman"/>
-                <a:sym typeface="Times New Roman"/>
-              </a:rPr>
-              <a:t> </a:t>
-            </a:r>
-            <a:r>
-              <a:rPr lang="en-US" dirty="0" err="1">
-                <a:solidFill>
-                  <a:schemeClr val="tx1"/>
-                </a:solidFill>
-                <a:latin typeface="+mn-lt"/>
-                <a:ea typeface="Times New Roman"/>
-                <a:cs typeface="Times New Roman"/>
-                <a:sym typeface="Times New Roman"/>
-              </a:rPr>
-              <a:t>sejarawan</a:t>
-            </a:r>
-            <a:r>
-              <a:rPr lang="en-US" dirty="0">
-                <a:solidFill>
-                  <a:schemeClr val="tx1"/>
-                </a:solidFill>
-                <a:latin typeface="+mn-lt"/>
-                <a:ea typeface="Times New Roman"/>
-                <a:cs typeface="Times New Roman"/>
-                <a:sym typeface="Times New Roman"/>
-              </a:rPr>
               <a:t>?</a:t>
             </a:r>
-            <a:endParaRPr lang="en-US" sz="1800" dirty="0">
+          </a:p>
+          <a:p>
+            <a:pPr marL="0" lvl="0" indent="0" algn="l" rtl="0">
+              <a:lnSpc>
+                <a:spcPct val="115000"/>
+              </a:lnSpc>
+              <a:spcBef>
+                <a:spcPts val="0"/>
+              </a:spcBef>
+              <a:spcAft>
+                <a:spcPts val="0"/>
+              </a:spcAft>
+              <a:buClrTx/>
+              <a:buSzPct val="100000"/>
+              <a:buNone/>
+            </a:pPr>
+            <a:endParaRPr lang="en-US" sz="1200" dirty="0">
               <a:solidFill>
                 <a:schemeClr val="tx1"/>
               </a:solidFill>
@@ -14378,6 +14486,226 @@
               <a:cs typeface="Times New Roman"/>
               <a:sym typeface="Times New Roman"/>
             </a:endParaRPr>
+          </a:p>
+          <a:p>
+            <a:pPr marL="0" lvl="0" indent="0" algn="l" rtl="0">
+              <a:lnSpc>
+                <a:spcPct val="115000"/>
+              </a:lnSpc>
+              <a:spcBef>
+                <a:spcPts val="0"/>
+              </a:spcBef>
+              <a:spcAft>
+                <a:spcPts val="0"/>
+              </a:spcAft>
+              <a:buClrTx/>
+              <a:buSzPct val="100000"/>
+              <a:buNone/>
+            </a:pPr>
+            <a:r>
+              <a:rPr lang="en-US" sz="1200" b="1" dirty="0">
+                <a:solidFill>
+                  <a:schemeClr val="tx1"/>
+                </a:solidFill>
+                <a:latin typeface="+mn-lt"/>
+                <a:ea typeface="Times New Roman"/>
+                <a:cs typeface="Times New Roman"/>
+                <a:sym typeface="Times New Roman"/>
+              </a:rPr>
+              <a:t>Ruang </a:t>
+            </a:r>
+            <a:r>
+              <a:rPr lang="en-US" sz="1200" b="1" dirty="0" err="1">
+                <a:solidFill>
+                  <a:schemeClr val="tx1"/>
+                </a:solidFill>
+                <a:latin typeface="+mn-lt"/>
+                <a:ea typeface="Times New Roman"/>
+                <a:cs typeface="Times New Roman"/>
+                <a:sym typeface="Times New Roman"/>
+              </a:rPr>
+              <a:t>lingkup</a:t>
+            </a:r>
+            <a:r>
+              <a:rPr lang="en-US" sz="1200" b="1" dirty="0">
+                <a:solidFill>
+                  <a:schemeClr val="tx1"/>
+                </a:solidFill>
+                <a:latin typeface="+mn-lt"/>
+                <a:ea typeface="Times New Roman"/>
+                <a:cs typeface="Times New Roman"/>
+                <a:sym typeface="Times New Roman"/>
+              </a:rPr>
+              <a:t> </a:t>
+            </a:r>
+            <a:r>
+              <a:rPr lang="en-US" sz="1200" b="1" dirty="0" err="1">
+                <a:solidFill>
+                  <a:schemeClr val="tx1"/>
+                </a:solidFill>
+                <a:latin typeface="+mn-lt"/>
+                <a:ea typeface="Times New Roman"/>
+                <a:cs typeface="Times New Roman"/>
+                <a:sym typeface="Times New Roman"/>
+              </a:rPr>
+              <a:t>penelitian</a:t>
+            </a:r>
+            <a:r>
+              <a:rPr lang="en-US" sz="1200" b="1" dirty="0">
+                <a:solidFill>
+                  <a:schemeClr val="tx1"/>
+                </a:solidFill>
+                <a:latin typeface="+mn-lt"/>
+                <a:ea typeface="Times New Roman"/>
+                <a:cs typeface="Times New Roman"/>
+                <a:sym typeface="Times New Roman"/>
+              </a:rPr>
+              <a:t> </a:t>
+            </a:r>
+            <a:r>
+              <a:rPr lang="en-US" sz="1200" b="1" dirty="0" err="1">
+                <a:solidFill>
+                  <a:schemeClr val="tx1"/>
+                </a:solidFill>
+                <a:latin typeface="+mn-lt"/>
+                <a:ea typeface="Times New Roman"/>
+                <a:cs typeface="Times New Roman"/>
+                <a:sym typeface="Times New Roman"/>
+              </a:rPr>
+              <a:t>tugas</a:t>
+            </a:r>
+            <a:r>
+              <a:rPr lang="en-US" sz="1200" b="1" dirty="0">
+                <a:solidFill>
+                  <a:schemeClr val="tx1"/>
+                </a:solidFill>
+                <a:latin typeface="+mn-lt"/>
+                <a:ea typeface="Times New Roman"/>
+                <a:cs typeface="Times New Roman"/>
+                <a:sym typeface="Times New Roman"/>
+              </a:rPr>
+              <a:t> </a:t>
+            </a:r>
+            <a:r>
+              <a:rPr lang="en-US" sz="1200" b="1" dirty="0" err="1">
+                <a:solidFill>
+                  <a:schemeClr val="tx1"/>
+                </a:solidFill>
+                <a:latin typeface="+mn-lt"/>
+                <a:ea typeface="Times New Roman"/>
+                <a:cs typeface="Times New Roman"/>
+                <a:sym typeface="Times New Roman"/>
+              </a:rPr>
+              <a:t>akhir</a:t>
+            </a:r>
+            <a:r>
+              <a:rPr lang="en-US" sz="1200" b="1" dirty="0">
+                <a:solidFill>
+                  <a:schemeClr val="tx1"/>
+                </a:solidFill>
+                <a:latin typeface="+mn-lt"/>
+                <a:ea typeface="Times New Roman"/>
+                <a:cs typeface="Times New Roman"/>
+                <a:sym typeface="Times New Roman"/>
+              </a:rPr>
+              <a:t> ini </a:t>
+            </a:r>
+            <a:r>
+              <a:rPr lang="en-US" sz="1200" b="1" dirty="0" err="1">
+                <a:solidFill>
+                  <a:schemeClr val="tx1"/>
+                </a:solidFill>
+                <a:latin typeface="+mn-lt"/>
+                <a:ea typeface="Times New Roman"/>
+                <a:cs typeface="Times New Roman"/>
+                <a:sym typeface="Times New Roman"/>
+              </a:rPr>
+              <a:t>terfokus</a:t>
+            </a:r>
+            <a:r>
+              <a:rPr lang="en-US" sz="1200" b="1" dirty="0">
+                <a:solidFill>
+                  <a:schemeClr val="tx1"/>
+                </a:solidFill>
+                <a:latin typeface="+mn-lt"/>
+                <a:ea typeface="Times New Roman"/>
+                <a:cs typeface="Times New Roman"/>
+                <a:sym typeface="Times New Roman"/>
+              </a:rPr>
+              <a:t> pada data </a:t>
+            </a:r>
+            <a:r>
+              <a:rPr lang="en-US" sz="1200" b="1" dirty="0" err="1">
+                <a:solidFill>
+                  <a:schemeClr val="tx1"/>
+                </a:solidFill>
+                <a:latin typeface="+mn-lt"/>
+                <a:ea typeface="Times New Roman"/>
+                <a:cs typeface="Times New Roman"/>
+                <a:sym typeface="Times New Roman"/>
+              </a:rPr>
+              <a:t>sejarah</a:t>
+            </a:r>
+            <a:r>
+              <a:rPr lang="en-US" sz="1200" b="1" dirty="0">
+                <a:solidFill>
+                  <a:schemeClr val="tx1"/>
+                </a:solidFill>
+                <a:latin typeface="+mn-lt"/>
+                <a:ea typeface="Times New Roman"/>
+                <a:cs typeface="Times New Roman"/>
+                <a:sym typeface="Times New Roman"/>
+              </a:rPr>
+              <a:t> Indonesia </a:t>
+            </a:r>
+            <a:r>
+              <a:rPr lang="en-US" sz="1200" b="1" dirty="0" err="1">
+                <a:solidFill>
+                  <a:schemeClr val="tx1"/>
+                </a:solidFill>
+                <a:latin typeface="+mn-lt"/>
+                <a:ea typeface="Times New Roman"/>
+                <a:cs typeface="Times New Roman"/>
+                <a:sym typeface="Times New Roman"/>
+              </a:rPr>
+              <a:t>selama</a:t>
+            </a:r>
+            <a:r>
+              <a:rPr lang="en-US" sz="1200" b="1" dirty="0">
+                <a:solidFill>
+                  <a:schemeClr val="tx1"/>
+                </a:solidFill>
+                <a:latin typeface="+mn-lt"/>
+                <a:ea typeface="Times New Roman"/>
+                <a:cs typeface="Times New Roman"/>
+                <a:sym typeface="Times New Roman"/>
+              </a:rPr>
+              <a:t> </a:t>
+            </a:r>
+            <a:r>
+              <a:rPr lang="en-US" sz="1200" b="1" dirty="0" err="1">
+                <a:solidFill>
+                  <a:schemeClr val="tx1"/>
+                </a:solidFill>
+                <a:latin typeface="+mn-lt"/>
+                <a:ea typeface="Times New Roman"/>
+                <a:cs typeface="Times New Roman"/>
+                <a:sym typeface="Times New Roman"/>
+              </a:rPr>
+              <a:t>periode</a:t>
+            </a:r>
+            <a:r>
+              <a:rPr lang="en-US" sz="1200" b="1" dirty="0">
+                <a:solidFill>
+                  <a:schemeClr val="tx1"/>
+                </a:solidFill>
+                <a:latin typeface="+mn-lt"/>
+                <a:ea typeface="Times New Roman"/>
+                <a:cs typeface="Times New Roman"/>
+                <a:sym typeface="Times New Roman"/>
+              </a:rPr>
+              <a:t> Orde Baru (1966 – 1998)</a:t>
+            </a:r>
           </a:p>
         </p:txBody>
       </p:sp>
@@ -14512,12 +14840,12 @@
                 <a:spcPts val="0"/>
               </a:spcAft>
               <a:buClrTx/>
-              <a:buSzPts val="1800"/>
+              <a:buSzPct val="100000"/>
               <a:buFont typeface="+mj-lt"/>
               <a:buAutoNum type="arabicPeriod"/>
             </a:pPr>
             <a:r>
-              <a:rPr lang="en-US" dirty="0" err="1">
+              <a:rPr lang="en-US" sz="1200" dirty="0" err="1">
                 <a:solidFill>
                   <a:schemeClr val="tx1"/>
                 </a:solidFill>
@@ -14526,7 +14854,7 @@
               <a:t>Mengembangkan</a:t>
             </a:r>
             <a:r>
-              <a:rPr lang="en-US" dirty="0">
+              <a:rPr lang="en-US" sz="1200" dirty="0">
                 <a:solidFill>
                   <a:schemeClr val="tx1"/>
                 </a:solidFill>
@@ -14535,7 +14863,7 @@
               <a:t> </a:t>
             </a:r>
             <a:r>
-              <a:rPr lang="en-US" dirty="0" err="1">
+              <a:rPr lang="en-US" sz="1200" dirty="0" err="1">
                 <a:solidFill>
                   <a:schemeClr val="tx1"/>
                 </a:solidFill>
@@ -14544,7 +14872,7 @@
               <a:t>rancangan</a:t>
             </a:r>
             <a:r>
-              <a:rPr lang="en-US" dirty="0">
+              <a:rPr lang="en-US" sz="1200" dirty="0">
                 <a:solidFill>
                   <a:schemeClr val="tx1"/>
                 </a:solidFill>
@@ -14553,7 +14881,7 @@
               <a:t> </a:t>
             </a:r>
             <a:r>
-              <a:rPr lang="en-US" dirty="0" err="1">
+              <a:rPr lang="en-US" sz="1200" dirty="0" err="1">
                 <a:solidFill>
                   <a:schemeClr val="tx1"/>
                 </a:solidFill>
@@ -14562,7 +14890,7 @@
               <a:t>ontologi</a:t>
             </a:r>
             <a:r>
-              <a:rPr lang="en-US" dirty="0">
+              <a:rPr lang="en-US" sz="1200" dirty="0">
                 <a:solidFill>
                   <a:schemeClr val="tx1"/>
                 </a:solidFill>
@@ -14571,7 +14899,7 @@
               <a:t> untuk data </a:t>
             </a:r>
             <a:r>
-              <a:rPr lang="en-US" dirty="0" err="1">
+              <a:rPr lang="en-US" sz="1200" dirty="0" err="1">
                 <a:solidFill>
                   <a:schemeClr val="tx1"/>
                 </a:solidFill>
@@ -14580,7 +14908,7 @@
               <a:t>peristiwa</a:t>
             </a:r>
             <a:r>
-              <a:rPr lang="en-US" dirty="0">
+              <a:rPr lang="en-US" sz="1200" dirty="0">
                 <a:solidFill>
                   <a:schemeClr val="tx1"/>
                 </a:solidFill>
@@ -14589,7 +14917,7 @@
               <a:t> dan </a:t>
             </a:r>
             <a:r>
-              <a:rPr lang="en-US" dirty="0" err="1">
+              <a:rPr lang="en-US" sz="1200" dirty="0" err="1">
                 <a:solidFill>
                   <a:schemeClr val="tx1"/>
                 </a:solidFill>
@@ -14598,7 +14926,7 @@
               <a:t>tokoh</a:t>
             </a:r>
             <a:r>
-              <a:rPr lang="en-US" dirty="0">
+              <a:rPr lang="en-US" sz="1200" dirty="0">
                 <a:solidFill>
                   <a:schemeClr val="tx1"/>
                 </a:solidFill>
@@ -14607,7 +14935,7 @@
               <a:t> </a:t>
             </a:r>
             <a:r>
-              <a:rPr lang="en-US" dirty="0" err="1">
+              <a:rPr lang="en-US" sz="1200" dirty="0" err="1">
                 <a:solidFill>
                   <a:schemeClr val="tx1"/>
                 </a:solidFill>
@@ -14616,7 +14944,7 @@
               <a:t>sejarah</a:t>
             </a:r>
             <a:r>
-              <a:rPr lang="en-US" dirty="0">
+              <a:rPr lang="en-US" sz="1200" dirty="0">
                 <a:solidFill>
                   <a:schemeClr val="tx1"/>
                 </a:solidFill>
@@ -14625,7 +14953,7 @@
               <a:t> Indonesia </a:t>
             </a:r>
             <a:r>
-              <a:rPr lang="en-US" dirty="0" err="1">
+              <a:rPr lang="en-US" sz="1200" dirty="0" err="1">
                 <a:solidFill>
                   <a:schemeClr val="tx1"/>
                 </a:solidFill>
@@ -14634,7 +14962,7 @@
               <a:t>selama</a:t>
             </a:r>
             <a:r>
-              <a:rPr lang="en-US" dirty="0">
+              <a:rPr lang="en-US" sz="1200" dirty="0">
                 <a:solidFill>
                   <a:schemeClr val="tx1"/>
                 </a:solidFill>
@@ -14643,7 +14971,7 @@
               <a:t> </a:t>
             </a:r>
             <a:r>
-              <a:rPr lang="en-US" dirty="0" err="1">
+              <a:rPr lang="en-US" sz="1200" dirty="0" err="1">
                 <a:solidFill>
                   <a:schemeClr val="tx1"/>
                 </a:solidFill>
@@ -14652,7 +14980,7 @@
               <a:t>periode</a:t>
             </a:r>
             <a:r>
-              <a:rPr lang="en-US" dirty="0">
+              <a:rPr lang="en-US" sz="1200" dirty="0">
                 <a:solidFill>
                   <a:schemeClr val="tx1"/>
                 </a:solidFill>
@@ -14664,11 +14992,12 @@
           <a:p>
             <a:pPr marL="342900">
               <a:buClrTx/>
+              <a:buSzPct val="100000"/>
               <a:buFont typeface="+mj-lt"/>
               <a:buAutoNum type="arabicPeriod"/>
             </a:pPr>
             <a:r>
-              <a:rPr lang="en-US" dirty="0" err="1">
+              <a:rPr lang="en-US" sz="1200" dirty="0" err="1">
                 <a:solidFill>
                   <a:schemeClr val="tx1"/>
                 </a:solidFill>
@@ -14677,7 +15006,7 @@
               <a:t>Mengubah</a:t>
             </a:r>
             <a:r>
-              <a:rPr lang="en-US" dirty="0">
+              <a:rPr lang="en-US" sz="1200" dirty="0">
                 <a:solidFill>
                   <a:schemeClr val="tx1"/>
                 </a:solidFill>
@@ -14686,7 +15015,7 @@
               <a:t> data </a:t>
             </a:r>
             <a:r>
-              <a:rPr lang="en-US" dirty="0" err="1">
+              <a:rPr lang="en-US" sz="1200" dirty="0" err="1">
                 <a:solidFill>
                   <a:schemeClr val="tx1"/>
                 </a:solidFill>
@@ -14695,7 +15024,7 @@
               <a:t>dari</a:t>
             </a:r>
             <a:r>
-              <a:rPr lang="en-US" dirty="0">
+              <a:rPr lang="en-US" sz="1200" dirty="0">
                 <a:solidFill>
                   <a:schemeClr val="tx1"/>
                 </a:solidFill>
@@ -14704,7 +15033,7 @@
               <a:t> </a:t>
             </a:r>
             <a:r>
-              <a:rPr lang="en-US" dirty="0" err="1">
+              <a:rPr lang="en-US" sz="1200" dirty="0" err="1">
                 <a:solidFill>
                   <a:schemeClr val="tx1"/>
                 </a:solidFill>
@@ -14713,7 +15042,7 @@
               <a:t>berbagai</a:t>
             </a:r>
             <a:r>
-              <a:rPr lang="en-US" dirty="0">
+              <a:rPr lang="en-US" sz="1200" dirty="0">
                 <a:solidFill>
                   <a:schemeClr val="tx1"/>
                 </a:solidFill>
@@ -14722,7 +15051,7 @@
               <a:t> </a:t>
             </a:r>
             <a:r>
-              <a:rPr lang="en-US" dirty="0" err="1">
+              <a:rPr lang="en-US" sz="1200" dirty="0" err="1">
                 <a:solidFill>
                   <a:schemeClr val="tx1"/>
                 </a:solidFill>
@@ -14731,151 +15060,205 @@
               <a:t>sumber</a:t>
             </a:r>
             <a:r>
-              <a:rPr lang="en-US" dirty="0">
+              <a:rPr lang="en-US" sz="1200" dirty="0">
                 <a:solidFill>
                   <a:schemeClr val="tx1"/>
                 </a:solidFill>
                 <a:latin typeface="+mn-lt"/>
               </a:rPr>
-              <a:t> data, </a:t>
-            </a:r>
-            <a:r>
-              <a:rPr lang="en-US" b="1" dirty="0">
+              <a:t> data </a:t>
+            </a:r>
+            <a:r>
+              <a:rPr lang="en-US" sz="1200" dirty="0" err="1">
                 <a:solidFill>
                   <a:schemeClr val="tx1"/>
                 </a:solidFill>
                 <a:latin typeface="+mn-lt"/>
               </a:rPr>
-              <a:t>baik yang </a:t>
-            </a:r>
-            <a:r>
-              <a:rPr lang="en-US" b="1" dirty="0" err="1">
+              <a:t>terstruktur</a:t>
+            </a:r>
+            <a:r>
+              <a:rPr lang="en-US" sz="1200" dirty="0">
                 <a:solidFill>
                   <a:schemeClr val="tx1"/>
                 </a:solidFill>
                 <a:latin typeface="+mn-lt"/>
               </a:rPr>
-              <a:t>terstruktur</a:t>
-            </a:r>
-            <a:r>
-              <a:rPr lang="en-US" b="1" dirty="0">
+              <a:t> ke dalam </a:t>
+            </a:r>
+            <a:r>
+              <a:rPr lang="en-US" sz="1200" dirty="0" err="1">
                 <a:solidFill>
                   <a:schemeClr val="tx1"/>
                 </a:solidFill>
                 <a:latin typeface="+mn-lt"/>
               </a:rPr>
+              <a:t>bentuk</a:t>
+            </a:r>
+            <a:r>
+              <a:rPr lang="en-US" sz="1200" dirty="0">
+                <a:solidFill>
+                  <a:schemeClr val="tx1"/>
+                </a:solidFill>
+                <a:latin typeface="+mn-lt"/>
+              </a:rPr>
               <a:t> </a:t>
             </a:r>
             <a:r>
-              <a:rPr lang="en-US" b="1" dirty="0" err="1">
+              <a:rPr lang="en-US" sz="1200" i="1" dirty="0">
                 <a:solidFill>
                   <a:schemeClr val="tx1"/>
                 </a:solidFill>
                 <a:latin typeface="+mn-lt"/>
               </a:rPr>
-              <a:t>maupun</a:t>
-            </a:r>
-            <a:r>
-              <a:rPr lang="en-US" b="1" dirty="0">
+              <a:t>knowledge graph </a:t>
+            </a:r>
+            <a:r>
+              <a:rPr lang="en-US" sz="1200" dirty="0">
                 <a:solidFill>
                   <a:schemeClr val="tx1"/>
                 </a:solidFill>
                 <a:latin typeface="+mn-lt"/>
               </a:rPr>
-              <a:t> tidak</a:t>
-            </a:r>
-            <a:r>
-              <a:rPr lang="en-US" dirty="0">
+              <a:t>untuk </a:t>
+            </a:r>
+            <a:r>
+              <a:rPr lang="en-US" sz="1200" dirty="0" err="1">
                 <a:solidFill>
                   <a:schemeClr val="tx1"/>
                 </a:solidFill>
                 <a:latin typeface="+mn-lt"/>
               </a:rPr>
-              <a:t>, ke dalam </a:t>
-            </a:r>
-            <a:r>
-              <a:rPr lang="en-US" dirty="0" err="1">
+              <a:t>mempopulasikan</a:t>
+            </a:r>
+            <a:r>
+              <a:rPr lang="en-US" sz="1200" dirty="0">
                 <a:solidFill>
                   <a:schemeClr val="tx1"/>
                 </a:solidFill>
                 <a:latin typeface="+mn-lt"/>
               </a:rPr>
-              <a:t>bentuk</a:t>
-            </a:r>
-            <a:r>
-              <a:rPr lang="en-US" dirty="0">
+              <a:t> </a:t>
+            </a:r>
+            <a:r>
+              <a:rPr lang="en-US" sz="1200" dirty="0" err="1">
                 <a:solidFill>
                   <a:schemeClr val="tx1"/>
                 </a:solidFill>
                 <a:latin typeface="+mn-lt"/>
               </a:rPr>
+              <a:t>ontologi</a:t>
+            </a:r>
+            <a:r>
+              <a:rPr lang="en-US" sz="1200" dirty="0">
+                <a:solidFill>
+                  <a:schemeClr val="tx1"/>
+                </a:solidFill>
+                <a:latin typeface="+mn-lt"/>
+              </a:rPr>
+              <a:t> yang </a:t>
+            </a:r>
+            <a:r>
+              <a:rPr lang="en-US" sz="1200" dirty="0" err="1">
+                <a:solidFill>
+                  <a:schemeClr val="tx1"/>
+                </a:solidFill>
+                <a:latin typeface="+mn-lt"/>
+              </a:rPr>
+              <a:t>telah</a:t>
+            </a:r>
+            <a:r>
+              <a:rPr lang="en-US" sz="1200" dirty="0">
+                <a:solidFill>
+                  <a:schemeClr val="tx1"/>
+                </a:solidFill>
+                <a:latin typeface="+mn-lt"/>
+              </a:rPr>
               <a:t> </a:t>
             </a:r>
             <a:r>
-              <a:rPr lang="en-US" i="1" dirty="0">
+              <a:rPr lang="en-US" sz="1200" dirty="0" err="1">
                 <a:solidFill>
                   <a:schemeClr val="tx1"/>
                 </a:solidFill>
                 <a:latin typeface="+mn-lt"/>
               </a:rPr>
-              <a:t>knowledge graph </a:t>
-            </a:r>
-            <a:r>
-              <a:rPr lang="en-US" dirty="0">
+              <a:t>dirancang</a:t>
+            </a:r>
+            <a:r>
+              <a:rPr lang="en-US" sz="1200" dirty="0">
                 <a:solidFill>
                   <a:schemeClr val="tx1"/>
                 </a:solidFill>
                 <a:latin typeface="+mn-lt"/>
               </a:rPr>
-              <a:t>untuk </a:t>
-            </a:r>
-            <a:r>
-              <a:rPr lang="en-US" dirty="0" err="1">
+              <a:t> dengan data </a:t>
+            </a:r>
+            <a:r>
+              <a:rPr lang="en-US" sz="1200" dirty="0" err="1">
                 <a:solidFill>
                   <a:schemeClr val="tx1"/>
                 </a:solidFill>
                 <a:latin typeface="+mn-lt"/>
               </a:rPr>
-              <a:t>mempopulasikan</a:t>
-            </a:r>
-            <a:r>
-              <a:rPr lang="en-US" dirty="0">
+              <a:t>peristiwa</a:t>
+            </a:r>
+            <a:r>
+              <a:rPr lang="en-US" sz="1200" dirty="0">
                 <a:solidFill>
                   <a:schemeClr val="tx1"/>
                 </a:solidFill>
                 <a:latin typeface="+mn-lt"/>
               </a:rPr>
+              <a:t> dan </a:t>
+            </a:r>
+            <a:r>
+              <a:rPr lang="en-US" sz="1200" dirty="0" err="1">
+                <a:solidFill>
+                  <a:schemeClr val="tx1"/>
+                </a:solidFill>
+                <a:latin typeface="+mn-lt"/>
+              </a:rPr>
+              <a:t>tokoh</a:t>
+            </a:r>
+            <a:r>
+              <a:rPr lang="en-US" sz="1200" dirty="0">
+                <a:solidFill>
+                  <a:schemeClr val="tx1"/>
+                </a:solidFill>
+                <a:latin typeface="+mn-lt"/>
+              </a:rPr>
               <a:t> </a:t>
             </a:r>
             <a:r>
-              <a:rPr lang="en-US" dirty="0" err="1">
+              <a:rPr lang="en-US" sz="1200" dirty="0" err="1">
                 <a:solidFill>
                   <a:schemeClr val="tx1"/>
                 </a:solidFill>
                 <a:latin typeface="+mn-lt"/>
               </a:rPr>
-              <a:t>ontologi</a:t>
-            </a:r>
-            <a:r>
-              <a:rPr lang="en-US" dirty="0">
+              <a:t>sejarah</a:t>
+            </a:r>
+            <a:r>
+              <a:rPr lang="en-US" sz="1200" dirty="0">
                 <a:solidFill>
                   <a:schemeClr val="tx1"/>
                 </a:solidFill>
                 <a:latin typeface="+mn-lt"/>
               </a:rPr>
-              <a:t> yang </a:t>
-            </a:r>
-            <a:r>
-              <a:rPr lang="en-US" dirty="0" err="1">
+              <a:t> Indonesia </a:t>
+            </a:r>
+            <a:r>
+              <a:rPr lang="en-US" sz="1200" dirty="0" err="1">
                 <a:solidFill>
                   <a:schemeClr val="tx1"/>
                 </a:solidFill>
                 <a:latin typeface="+mn-lt"/>
               </a:rPr>
-              <a:t>telah</a:t>
-            </a:r>
-            <a:r>
-              <a:rPr lang="en-US" dirty="0">
+              <a:t>selama</a:t>
+            </a:r>
+            <a:r>
+              <a:rPr lang="en-US" sz="1200" dirty="0">
                 <a:solidFill>
                   <a:schemeClr val="tx1"/>
                 </a:solidFill>
@@ -14884,106 +15267,16 @@
               <a:t> </a:t>
             </a:r>
             <a:r>
-              <a:rPr lang="en-US" dirty="0" err="1">
+              <a:rPr lang="en-US" sz="1200" dirty="0" err="1">
                 <a:solidFill>
                   <a:schemeClr val="tx1"/>
                 </a:solidFill>
                 <a:latin typeface="+mn-lt"/>
               </a:rPr>
-              <a:t>dirancang</a:t>
-            </a:r>
-            <a:r>
-              <a:rPr lang="en-US" dirty="0">
-                <a:solidFill>
-                  <a:schemeClr val="tx1"/>
-                </a:solidFill>
-                <a:latin typeface="+mn-lt"/>
-              </a:rPr>
-              <a:t> dengan data </a:t>
-            </a:r>
-            <a:r>
-              <a:rPr lang="en-US" dirty="0" err="1">
-                <a:solidFill>
-                  <a:schemeClr val="tx1"/>
-                </a:solidFill>
-                <a:latin typeface="+mn-lt"/>
-              </a:rPr>
-              <a:t>peristiwa</a:t>
-            </a:r>
-            <a:r>
-              <a:rPr lang="en-US" dirty="0">
-                <a:solidFill>
-                  <a:schemeClr val="tx1"/>
-                </a:solidFill>
-                <a:latin typeface="+mn-lt"/>
-              </a:rPr>
-              <a:t> dan </a:t>
-            </a:r>
-            <a:r>
-              <a:rPr lang="en-US" dirty="0" err="1">
-                <a:solidFill>
-                  <a:schemeClr val="tx1"/>
-                </a:solidFill>
-                <a:latin typeface="+mn-lt"/>
-              </a:rPr>
-              <a:t>tokoh</a:t>
-            </a:r>
-            <a:r>
-              <a:rPr lang="en-US" dirty="0">
-                <a:solidFill>
-                  <a:schemeClr val="tx1"/>
-                </a:solidFill>
-                <a:latin typeface="+mn-lt"/>
-              </a:rPr>
-              <a:t> </a:t>
-            </a:r>
-            <a:r>
-              <a:rPr lang="en-US" dirty="0" err="1">
-                <a:solidFill>
-                  <a:schemeClr val="tx1"/>
-                </a:solidFill>
-                <a:latin typeface="+mn-lt"/>
-              </a:rPr>
-              <a:t>sejarah</a:t>
-            </a:r>
-            <a:r>
-              <a:rPr lang="en-US" dirty="0">
-                <a:solidFill>
-                  <a:schemeClr val="tx1"/>
-                </a:solidFill>
-                <a:latin typeface="+mn-lt"/>
-              </a:rPr>
-              <a:t> Indonesia </a:t>
-            </a:r>
-            <a:r>
-              <a:rPr lang="en-US" dirty="0" err="1">
-                <a:solidFill>
-                  <a:schemeClr val="tx1"/>
-                </a:solidFill>
-                <a:latin typeface="+mn-lt"/>
-              </a:rPr>
-              <a:t>selama</a:t>
-            </a:r>
-            <a:r>
-              <a:rPr lang="en-US" dirty="0">
-                <a:solidFill>
-                  <a:schemeClr val="tx1"/>
-                </a:solidFill>
-                <a:latin typeface="+mn-lt"/>
-              </a:rPr>
-              <a:t> </a:t>
-            </a:r>
-            <a:r>
-              <a:rPr lang="en-US" dirty="0" err="1">
-                <a:solidFill>
-                  <a:schemeClr val="tx1"/>
-                </a:solidFill>
-                <a:latin typeface="+mn-lt"/>
-              </a:rPr>
               <a:t>periode</a:t>
             </a:r>
             <a:r>
-              <a:rPr lang="en-US" dirty="0">
+              <a:rPr lang="en-US" sz="1200" dirty="0">
                 <a:solidFill>
                   <a:schemeClr val="tx1"/>
                 </a:solidFill>
@@ -14995,11 +15288,12 @@
           <a:p>
             <a:pPr marL="342900">
               <a:buClrTx/>
+              <a:buSzPct val="100000"/>
               <a:buFont typeface="+mj-lt"/>
               <a:buAutoNum type="arabicPeriod"/>
             </a:pPr>
             <a:r>
-              <a:rPr lang="en-US" sz="1800" dirty="0" err="1">
+              <a:rPr lang="en-US" sz="1200" dirty="0" err="1">
                 <a:solidFill>
                   <a:schemeClr val="tx1"/>
                 </a:solidFill>
@@ -15011,7 +15305,7 @@
               <a:t>Menyajikan</a:t>
             </a:r>
             <a:r>
-              <a:rPr lang="en-US" sz="1800" dirty="0">
+              <a:rPr lang="en-US" sz="1200" dirty="0">
                 <a:solidFill>
                   <a:schemeClr val="tx1"/>
                 </a:solidFill>
@@ -15023,7 +15317,7 @@
               <a:t> data </a:t>
             </a:r>
             <a:r>
-              <a:rPr lang="en-US" sz="1800" dirty="0" err="1">
+              <a:rPr lang="en-US" sz="1200" dirty="0" err="1">
                 <a:solidFill>
                   <a:schemeClr val="tx1"/>
                 </a:solidFill>
@@ -15035,7 +15329,7 @@
               <a:t>peristiwa</a:t>
             </a:r>
             <a:r>
-              <a:rPr lang="en-US" sz="1800" dirty="0">
+              <a:rPr lang="en-US" sz="1200" dirty="0">
                 <a:solidFill>
                   <a:schemeClr val="tx1"/>
                 </a:solidFill>
@@ -15047,7 +15341,7 @@
               <a:t> dan </a:t>
             </a:r>
             <a:r>
-              <a:rPr lang="en-US" sz="1800" dirty="0" err="1">
+              <a:rPr lang="en-US" sz="1200" dirty="0" err="1">
                 <a:solidFill>
                   <a:schemeClr val="tx1"/>
                 </a:solidFill>
@@ -15059,7 +15353,7 @@
               <a:t>tokoh</a:t>
             </a:r>
             <a:r>
-              <a:rPr lang="en-US" sz="1800" dirty="0">
+              <a:rPr lang="en-US" sz="1200" dirty="0">
                 <a:solidFill>
                   <a:schemeClr val="tx1"/>
                 </a:solidFill>
@@ -15071,7 +15365,7 @@
               <a:t> </a:t>
             </a:r>
             <a:r>
-              <a:rPr lang="en-US" sz="1800" dirty="0" err="1">
+              <a:rPr lang="en-US" sz="1200" dirty="0" err="1">
                 <a:solidFill>
                   <a:schemeClr val="tx1"/>
                 </a:solidFill>
@@ -15080,10 +15374,10 @@
                 <a:cs typeface="Times New Roman"/>
                 <a:sym typeface="Times New Roman"/>
               </a:rPr>
-              <a:t>se</a:t>
-            </a:r>
-            <a:r>
-              <a:rPr lang="en-US" dirty="0" err="1">
+              <a:t>sejarah</a:t>
+            </a:r>
+            <a:r>
+              <a:rPr lang="en-US" sz="1200" dirty="0">
                 <a:solidFill>
                   <a:schemeClr val="tx1"/>
                 </a:solidFill>
@@ -15092,10 +15386,10 @@
                 <a:cs typeface="Times New Roman"/>
                 <a:sym typeface="Times New Roman"/>
               </a:rPr>
-              <a:t>jarah</a:t>
-            </a:r>
-            <a:r>
-              <a:rPr lang="en-US" dirty="0">
+              <a:t> Indonesia </a:t>
+            </a:r>
+            <a:r>
+              <a:rPr lang="en-US" sz="1200" dirty="0" err="1">
                 <a:solidFill>
                   <a:schemeClr val="tx1"/>
                 </a:solidFill>
@@ -15104,10 +15398,10 @@
                 <a:cs typeface="Times New Roman"/>
                 <a:sym typeface="Times New Roman"/>
               </a:rPr>
-              <a:t> Indonesia </a:t>
-            </a:r>
-            <a:r>
-              <a:rPr lang="en-US" dirty="0" err="1">
+              <a:t>selama</a:t>
+            </a:r>
+            <a:r>
+              <a:rPr lang="en-US" sz="1200" dirty="0">
                 <a:solidFill>
                   <a:schemeClr val="tx1"/>
                 </a:solidFill>
@@ -15116,10 +15410,10 @@
                 <a:cs typeface="Times New Roman"/>
                 <a:sym typeface="Times New Roman"/>
               </a:rPr>
-              <a:t>selama</a:t>
-            </a:r>
-            <a:r>
-              <a:rPr lang="en-US" dirty="0">
+              <a:t> </a:t>
+            </a:r>
+            <a:r>
+              <a:rPr lang="en-US" sz="1200" dirty="0" err="1">
                 <a:solidFill>
                   <a:schemeClr val="tx1"/>
                 </a:solidFill>
@@ -15128,10 +15422,10 @@
                 <a:cs typeface="Times New Roman"/>
                 <a:sym typeface="Times New Roman"/>
               </a:rPr>
-              <a:t> </a:t>
-            </a:r>
-            <a:r>
-              <a:rPr lang="en-US" dirty="0" err="1">
+              <a:t>periode</a:t>
+            </a:r>
+            <a:r>
+              <a:rPr lang="en-US" sz="1200" dirty="0">
                 <a:solidFill>
                   <a:schemeClr val="tx1"/>
                 </a:solidFill>
@@ -15140,10 +15434,10 @@
                 <a:cs typeface="Times New Roman"/>
                 <a:sym typeface="Times New Roman"/>
               </a:rPr>
-              <a:t>periode</a:t>
-            </a:r>
-            <a:r>
-              <a:rPr lang="en-US" dirty="0">
+              <a:t> Orde Baru </a:t>
+            </a:r>
+            <a:r>
+              <a:rPr lang="en-US" sz="1200" dirty="0" err="1">
                 <a:solidFill>
                   <a:schemeClr val="tx1"/>
                 </a:solidFill>
@@ -15152,10 +15446,10 @@
                 <a:cs typeface="Times New Roman"/>
                 <a:sym typeface="Times New Roman"/>
               </a:rPr>
-              <a:t> Orde Baru </a:t>
-            </a:r>
-            <a:r>
-              <a:rPr lang="en-US" dirty="0" err="1">
+              <a:t>sesuai</a:t>
+            </a:r>
+            <a:r>
+              <a:rPr lang="en-US" sz="1200" dirty="0">
                 <a:solidFill>
                   <a:schemeClr val="tx1"/>
                 </a:solidFill>
@@ -15164,10 +15458,10 @@
                 <a:cs typeface="Times New Roman"/>
                 <a:sym typeface="Times New Roman"/>
               </a:rPr>
-              <a:t>sesuai</a:t>
-            </a:r>
-            <a:r>
-              <a:rPr lang="en-US" dirty="0">
+              <a:t> dengan </a:t>
+            </a:r>
+            <a:r>
+              <a:rPr lang="en-US" sz="1200" dirty="0" err="1">
                 <a:solidFill>
                   <a:schemeClr val="tx1"/>
                 </a:solidFill>
@@ -15176,10 +15470,10 @@
                 <a:cs typeface="Times New Roman"/>
                 <a:sym typeface="Times New Roman"/>
               </a:rPr>
-              <a:t> dengan </a:t>
-            </a:r>
-            <a:r>
-              <a:rPr lang="en-US" dirty="0" err="1">
+              <a:t>kebutuhan</a:t>
+            </a:r>
+            <a:r>
+              <a:rPr lang="en-US" sz="1200" dirty="0">
                 <a:solidFill>
                   <a:schemeClr val="tx1"/>
                 </a:solidFill>
@@ -15188,10 +15482,10 @@
                 <a:cs typeface="Times New Roman"/>
                 <a:sym typeface="Times New Roman"/>
               </a:rPr>
-              <a:t>kebutuhan</a:t>
-            </a:r>
-            <a:r>
-              <a:rPr lang="en-US" dirty="0">
+              <a:t> </a:t>
+            </a:r>
+            <a:r>
+              <a:rPr lang="en-US" sz="1200" dirty="0" err="1">
                 <a:solidFill>
                   <a:schemeClr val="tx1"/>
                 </a:solidFill>
@@ -15200,10 +15494,10 @@
                 <a:cs typeface="Times New Roman"/>
                 <a:sym typeface="Times New Roman"/>
               </a:rPr>
-              <a:t> </a:t>
-            </a:r>
-            <a:r>
-              <a:rPr lang="en-US" dirty="0" err="1">
+              <a:t>sejarawan</a:t>
+            </a:r>
+            <a:r>
+              <a:rPr lang="en-US" sz="1200" dirty="0">
                 <a:solidFill>
                   <a:schemeClr val="tx1"/>
                 </a:solidFill>
@@ -15212,29 +15506,8 @@
                 <a:cs typeface="Times New Roman"/>
                 <a:sym typeface="Times New Roman"/>
               </a:rPr>
-              <a:t>sejarawan</a:t>
-            </a:r>
-            <a:r>
-              <a:rPr lang="en-US" dirty="0">
-                <a:solidFill>
-                  <a:schemeClr val="tx1"/>
-                </a:solidFill>
-                <a:latin typeface="+mn-lt"/>
-                <a:ea typeface="Times New Roman"/>
-                <a:cs typeface="Times New Roman"/>
-                <a:sym typeface="Times New Roman"/>
-              </a:rPr>
               <a:t>.</a:t>
             </a:r>
-            <a:endParaRPr lang="en-US" sz="1800" dirty="0">
-              <a:solidFill>
-                <a:schemeClr val="tx1"/>
-              </a:solidFill>
-              <a:latin typeface="+mn-lt"/>
-              <a:ea typeface="Times New Roman"/>
-              <a:cs typeface="Times New Roman"/>
-              <a:sym typeface="Times New Roman"/>
-            </a:endParaRPr>
           </a:p>
         </p:txBody>
       </p:sp>
@@ -15359,7 +15632,7 @@
         </p:spPr>
         <p:txBody>
           <a:bodyPr spcFirstLastPara="1" wrap="square" lIns="91425" tIns="91425" rIns="91425" bIns="91425" anchor="t" anchorCtr="0">
-            <a:normAutofit fontScale="77500" lnSpcReduction="20000"/>
+            <a:noAutofit/>
           </a:bodyPr>
           <a:lstStyle/>
           <a:p>
@@ -15377,7 +15650,7 @@
               <a:buNone/>
             </a:pPr>
             <a:r>
-              <a:rPr lang="en-US" sz="1000" dirty="0">
+              <a:rPr lang="en-US" sz="1200" dirty="0">
                 <a:solidFill>
                   <a:schemeClr val="tx1"/>
                 </a:solidFill>
@@ -15385,7 +15658,7 @@
               <a:t>Berikut </a:t>
             </a:r>
             <a:r>
-              <a:rPr lang="en-US" sz="1000" dirty="0" err="1">
+              <a:rPr lang="en-US" sz="1200" dirty="0" err="1">
                 <a:solidFill>
                   <a:schemeClr val="tx1"/>
                 </a:solidFill>
@@ -15393,7 +15666,7 @@
               <a:t>adalah</a:t>
             </a:r>
             <a:r>
-              <a:rPr lang="en-US" sz="1000" dirty="0">
+              <a:rPr lang="en-US" sz="1200" dirty="0">
                 <a:solidFill>
                   <a:schemeClr val="tx1"/>
                 </a:solidFill>
@@ -15401,7 +15674,7 @@
               <a:t> </a:t>
             </a:r>
             <a:r>
-              <a:rPr lang="en-US" sz="1000" dirty="0" err="1">
+              <a:rPr lang="en-US" sz="1200" dirty="0" err="1">
                 <a:solidFill>
                   <a:schemeClr val="tx1"/>
                 </a:solidFill>
@@ -15409,7 +15682,7 @@
               <a:t>tahapan</a:t>
             </a:r>
             <a:r>
-              <a:rPr lang="en-US" sz="1000" dirty="0">
+              <a:rPr lang="en-US" sz="1200" dirty="0">
                 <a:solidFill>
                   <a:schemeClr val="tx1"/>
                 </a:solidFill>
@@ -15417,7 +15690,7 @@
               <a:t> untuk </a:t>
             </a:r>
             <a:r>
-              <a:rPr lang="en-US" sz="1000" dirty="0" err="1">
+              <a:rPr lang="en-US" sz="1200" dirty="0" err="1">
                 <a:solidFill>
                   <a:schemeClr val="tx1"/>
                 </a:solidFill>
@@ -15425,7 +15698,7 @@
               <a:t>mengembangkan</a:t>
             </a:r>
             <a:r>
-              <a:rPr lang="en-US" sz="1000" dirty="0">
+              <a:rPr lang="en-US" sz="1200" dirty="0">
                 <a:solidFill>
                   <a:schemeClr val="tx1"/>
                 </a:solidFill>
@@ -15433,7 +15706,7 @@
               <a:t> dan </a:t>
             </a:r>
             <a:r>
-              <a:rPr lang="en-US" sz="1000" dirty="0" err="1">
+              <a:rPr lang="en-US" sz="1200" dirty="0" err="1">
                 <a:solidFill>
                   <a:schemeClr val="tx1"/>
                 </a:solidFill>
@@ -15441,7 +15714,7 @@
               <a:t>mempopulasikan</a:t>
             </a:r>
             <a:r>
-              <a:rPr lang="en-US" sz="1000" dirty="0">
+              <a:rPr lang="en-US" sz="1200" dirty="0">
                 <a:solidFill>
                   <a:schemeClr val="tx1"/>
                 </a:solidFill>
@@ -15449,7 +15722,7 @@
               <a:t> </a:t>
             </a:r>
             <a:r>
-              <a:rPr lang="en-US" sz="1000" dirty="0" err="1">
+              <a:rPr lang="en-US" sz="1200" dirty="0" err="1">
                 <a:solidFill>
                   <a:schemeClr val="tx1"/>
                 </a:solidFill>
@@ -15457,7 +15730,7 @@
               <a:t>ontologi</a:t>
             </a:r>
             <a:r>
-              <a:rPr lang="en-US" sz="1000" dirty="0">
+              <a:rPr lang="en-US" sz="1200" dirty="0">
                 <a:solidFill>
                   <a:schemeClr val="tx1"/>
                 </a:solidFill>
@@ -15465,7 +15738,7 @@
               <a:t> </a:t>
             </a:r>
             <a:r>
-              <a:rPr lang="en-US" sz="1000" dirty="0" err="1">
+              <a:rPr lang="en-US" sz="1200" dirty="0" err="1">
                 <a:solidFill>
                   <a:schemeClr val="tx1"/>
                 </a:solidFill>
@@ -15473,7 +15746,7 @@
               <a:t>sejarah</a:t>
             </a:r>
             <a:r>
-              <a:rPr lang="en-US" sz="1000" dirty="0">
+              <a:rPr lang="en-US" sz="1200" dirty="0">
                 <a:solidFill>
                   <a:schemeClr val="tx1"/>
                 </a:solidFill>
@@ -15481,7 +15754,7 @@
               <a:t> Indonesia </a:t>
             </a:r>
             <a:r>
-              <a:rPr lang="en-US" sz="1000" dirty="0" err="1">
+              <a:rPr lang="en-US" sz="1200" dirty="0" err="1">
                 <a:solidFill>
                   <a:schemeClr val="tx1"/>
                 </a:solidFill>
@@ -15489,7 +15762,7 @@
               <a:t>selama</a:t>
             </a:r>
             <a:r>
-              <a:rPr lang="en-US" sz="1000" dirty="0">
+              <a:rPr lang="en-US" sz="1200" dirty="0">
                 <a:solidFill>
                   <a:schemeClr val="tx1"/>
                 </a:solidFill>
@@ -15497,7 +15770,7 @@
               <a:t> </a:t>
             </a:r>
             <a:r>
-              <a:rPr lang="en-US" sz="1000" dirty="0" err="1">
+              <a:rPr lang="en-US" sz="1200" dirty="0" err="1">
                 <a:solidFill>
                   <a:schemeClr val="tx1"/>
                 </a:solidFill>
@@ -15505,7 +15778,7 @@
               <a:t>periode</a:t>
             </a:r>
             <a:r>
-              <a:rPr lang="en-US" sz="1000" dirty="0">
+              <a:rPr lang="en-US" sz="1200" dirty="0">
                 <a:solidFill>
                   <a:schemeClr val="tx1"/>
                 </a:solidFill>
@@ -15529,7 +15802,7 @@
               <a:buAutoNum type="arabicPeriod"/>
             </a:pPr>
             <a:r>
-              <a:rPr lang="en-US" sz="1000" b="1" dirty="0" err="1">
+              <a:rPr lang="en-US" sz="1200" b="1" dirty="0" err="1">
                 <a:solidFill>
                   <a:schemeClr val="tx1"/>
                 </a:solidFill>
@@ -15537,7 +15810,7 @@
               <a:t>Studi</a:t>
             </a:r>
             <a:r>
-              <a:rPr lang="en-US" sz="1000" b="1" dirty="0">
+              <a:rPr lang="en-US" sz="1200" b="1" dirty="0">
                 <a:solidFill>
                   <a:schemeClr val="tx1"/>
                 </a:solidFill>
@@ -15545,7 +15818,7 @@
               <a:t> </a:t>
             </a:r>
             <a:r>
-              <a:rPr lang="en-US" sz="1000" b="1" dirty="0" err="1">
+              <a:rPr lang="en-US" sz="1200" b="1" dirty="0" err="1">
                 <a:solidFill>
                   <a:schemeClr val="tx1"/>
                 </a:solidFill>
@@ -15553,14 +15826,14 @@
               <a:t>literatur</a:t>
             </a:r>
             <a:br>
-              <a:rPr lang="en-US" sz="1000" dirty="0">
+              <a:rPr lang="en-US" sz="1200" dirty="0">
                 <a:solidFill>
                   <a:schemeClr val="tx1"/>
                 </a:solidFill>
               </a:rPr>
             </a:br>
             <a:r>
-              <a:rPr lang="en-US" sz="1000" dirty="0">
+              <a:rPr lang="en-US" sz="1200" dirty="0">
                 <a:solidFill>
                   <a:schemeClr val="tx1"/>
                 </a:solidFill>
@@ -15568,7 +15841,7 @@
               <a:t>Melakukan </a:t>
             </a:r>
             <a:r>
-              <a:rPr lang="en-US" sz="1000" dirty="0" err="1">
+              <a:rPr lang="en-US" sz="1200" dirty="0" err="1">
                 <a:solidFill>
                   <a:schemeClr val="tx1"/>
                 </a:solidFill>
@@ -15576,7 +15849,7 @@
               <a:t>studi</a:t>
             </a:r>
             <a:r>
-              <a:rPr lang="en-US" sz="1000" dirty="0">
+              <a:rPr lang="en-US" sz="1200" dirty="0">
                 <a:solidFill>
                   <a:schemeClr val="tx1"/>
                 </a:solidFill>
@@ -15584,7 +15857,7 @@
               <a:t> </a:t>
             </a:r>
             <a:r>
-              <a:rPr lang="en-US" sz="1000" dirty="0" err="1">
+              <a:rPr lang="en-US" sz="1200" dirty="0" err="1">
                 <a:solidFill>
                   <a:schemeClr val="tx1"/>
                 </a:solidFill>
@@ -15592,7 +15865,7 @@
               <a:t>literatur</a:t>
             </a:r>
             <a:r>
-              <a:rPr lang="en-US" sz="1000" dirty="0">
+              <a:rPr lang="en-US" sz="1200" dirty="0">
                 <a:solidFill>
                   <a:schemeClr val="tx1"/>
                 </a:solidFill>
@@ -15600,7 +15873,7 @@
               <a:t> untuk </a:t>
             </a:r>
             <a:r>
-              <a:rPr lang="en-US" sz="1000" b="1" dirty="0" err="1">
+              <a:rPr lang="en-US" sz="1200" b="1" dirty="0" err="1">
                 <a:solidFill>
                   <a:schemeClr val="tx1"/>
                 </a:solidFill>
@@ -15608,7 +15881,7 @@
               <a:t>mencari</a:t>
             </a:r>
             <a:r>
-              <a:rPr lang="en-US" sz="1000" b="1" dirty="0">
+              <a:rPr lang="en-US" sz="1200" b="1" dirty="0">
                 <a:solidFill>
                   <a:schemeClr val="tx1"/>
                 </a:solidFill>
@@ -15616,7 +15889,7 @@
               <a:t> </a:t>
             </a:r>
             <a:r>
-              <a:rPr lang="en-US" sz="1000" b="1" dirty="0" err="1">
+              <a:rPr lang="en-US" sz="1200" b="1" dirty="0" err="1">
                 <a:solidFill>
                   <a:schemeClr val="tx1"/>
                 </a:solidFill>
@@ -15624,7 +15897,7 @@
               <a:t>ontologi</a:t>
             </a:r>
             <a:r>
-              <a:rPr lang="en-US" sz="1000" b="1" dirty="0">
+              <a:rPr lang="en-US" sz="1200" b="1" dirty="0">
                 <a:solidFill>
                   <a:schemeClr val="tx1"/>
                 </a:solidFill>
@@ -15632,7 +15905,7 @@
               <a:t> atau </a:t>
             </a:r>
             <a:r>
-              <a:rPr lang="en-US" sz="1000" b="1" i="1" dirty="0">
+              <a:rPr lang="en-US" sz="1200" b="1" i="1" dirty="0">
                 <a:solidFill>
                   <a:schemeClr val="tx1"/>
                 </a:solidFill>
@@ -15640,7 +15913,7 @@
               <a:t>vocabulary</a:t>
             </a:r>
             <a:r>
-              <a:rPr lang="en-US" sz="1000" b="1" dirty="0">
+              <a:rPr lang="en-US" sz="1200" b="1" dirty="0">
                 <a:solidFill>
                   <a:schemeClr val="tx1"/>
                 </a:solidFill>
@@ -15648,7 +15921,7 @@
               <a:t> yang </a:t>
             </a:r>
             <a:r>
-              <a:rPr lang="en-US" sz="1000" b="1" dirty="0" err="1">
+              <a:rPr lang="en-US" sz="1200" b="1" dirty="0" err="1">
                 <a:solidFill>
                   <a:schemeClr val="tx1"/>
                 </a:solidFill>
@@ -15656,7 +15929,7 @@
               <a:t>telah</a:t>
             </a:r>
             <a:r>
-              <a:rPr lang="en-US" sz="1000" b="1" dirty="0">
+              <a:rPr lang="en-US" sz="1200" b="1" dirty="0">
                 <a:solidFill>
                   <a:schemeClr val="tx1"/>
                 </a:solidFill>
@@ -15664,7 +15937,7 @@
               <a:t> </a:t>
             </a:r>
             <a:r>
-              <a:rPr lang="en-US" sz="1000" b="1" dirty="0" err="1">
+              <a:rPr lang="en-US" sz="1200" b="1" dirty="0" err="1">
                 <a:solidFill>
                   <a:schemeClr val="tx1"/>
                 </a:solidFill>
@@ -15672,7 +15945,7 @@
               <a:t>ada</a:t>
             </a:r>
             <a:r>
-              <a:rPr lang="en-US" sz="1000" b="1" dirty="0">
+              <a:rPr lang="en-US" sz="1200" b="1" dirty="0">
                 <a:solidFill>
                   <a:schemeClr val="tx1"/>
                 </a:solidFill>
@@ -15680,7 +15953,7 @@
               <a:t> </a:t>
             </a:r>
             <a:r>
-              <a:rPr lang="en-US" sz="1000" dirty="0" err="1">
+              <a:rPr lang="en-US" sz="1200" dirty="0" err="1">
                 <a:solidFill>
                   <a:schemeClr val="tx1"/>
                 </a:solidFill>
@@ -15688,7 +15961,7 @@
               <a:t>sebagai</a:t>
             </a:r>
             <a:r>
-              <a:rPr lang="en-US" sz="1000" dirty="0">
+              <a:rPr lang="en-US" sz="1200" dirty="0">
                 <a:solidFill>
                   <a:schemeClr val="tx1"/>
                 </a:solidFill>
@@ -15696,7 +15969,7 @@
               <a:t> </a:t>
             </a:r>
             <a:r>
-              <a:rPr lang="en-US" sz="1000" dirty="0" err="1">
+              <a:rPr lang="en-US" sz="1200" dirty="0" err="1">
                 <a:solidFill>
                   <a:schemeClr val="tx1"/>
                 </a:solidFill>
@@ -15704,7 +15977,7 @@
               <a:t>referensi</a:t>
             </a:r>
             <a:r>
-              <a:rPr lang="en-US" sz="1000" dirty="0">
+              <a:rPr lang="en-US" sz="1200" dirty="0">
                 <a:solidFill>
                   <a:schemeClr val="tx1"/>
                 </a:solidFill>
@@ -15712,7 +15985,7 @@
               <a:t> atau </a:t>
             </a:r>
             <a:r>
-              <a:rPr lang="en-US" sz="1000" dirty="0" err="1">
+              <a:rPr lang="en-US" sz="1200" dirty="0" err="1">
                 <a:solidFill>
                   <a:schemeClr val="tx1"/>
                 </a:solidFill>
@@ -15720,7 +15993,7 @@
               <a:t>acuan</a:t>
             </a:r>
             <a:r>
-              <a:rPr lang="en-US" sz="1000" dirty="0">
+              <a:rPr lang="en-US" sz="1200" dirty="0">
                 <a:solidFill>
                   <a:schemeClr val="tx1"/>
                 </a:solidFill>
@@ -15728,7 +16001,7 @@
               <a:t> </a:t>
             </a:r>
             <a:r>
-              <a:rPr lang="en-US" sz="1000" dirty="0" err="1">
+              <a:rPr lang="en-US" sz="1200" dirty="0" err="1">
                 <a:solidFill>
                   <a:schemeClr val="tx1"/>
                 </a:solidFill>
@@ -15736,7 +16009,7 @@
               <a:t>awal</a:t>
             </a:r>
             <a:r>
-              <a:rPr lang="en-US" sz="1000" dirty="0">
+              <a:rPr lang="en-US" sz="1200" dirty="0">
                 <a:solidFill>
                   <a:schemeClr val="tx1"/>
                 </a:solidFill>
@@ -15744,7 +16017,7 @@
               <a:t> dalam </a:t>
             </a:r>
             <a:r>
-              <a:rPr lang="en-US" sz="1000" dirty="0" err="1">
+              <a:rPr lang="en-US" sz="1200" dirty="0" err="1">
                 <a:solidFill>
                   <a:schemeClr val="tx1"/>
                 </a:solidFill>
@@ -15752,7 +16025,7 @@
               <a:t>mengembangkan</a:t>
             </a:r>
             <a:r>
-              <a:rPr lang="en-US" sz="1000" dirty="0">
+              <a:rPr lang="en-US" sz="1200" dirty="0">
                 <a:solidFill>
                   <a:schemeClr val="tx1"/>
                 </a:solidFill>
@@ -15760,7 +16033,7 @@
               <a:t> </a:t>
             </a:r>
             <a:r>
-              <a:rPr lang="en-US" sz="1000" dirty="0" err="1">
+              <a:rPr lang="en-US" sz="1200" dirty="0" err="1">
                 <a:solidFill>
                   <a:schemeClr val="tx1"/>
                 </a:solidFill>
@@ -15768,7 +16041,7 @@
               <a:t>ontologi</a:t>
             </a:r>
             <a:r>
-              <a:rPr lang="en-US" sz="1000" dirty="0">
+              <a:rPr lang="en-US" sz="1200" dirty="0">
                 <a:solidFill>
                   <a:schemeClr val="tx1"/>
                 </a:solidFill>
@@ -15776,7 +16049,7 @@
               <a:t> </a:t>
             </a:r>
             <a:r>
-              <a:rPr lang="en-US" sz="1000" dirty="0" err="1">
+              <a:rPr lang="en-US" sz="1200" dirty="0" err="1">
                 <a:solidFill>
                   <a:schemeClr val="tx1"/>
                 </a:solidFill>
@@ -15784,7 +16057,7 @@
               <a:t>peristiwa</a:t>
             </a:r>
             <a:r>
-              <a:rPr lang="en-US" sz="1000" dirty="0">
+              <a:rPr lang="en-US" sz="1200" dirty="0">
                 <a:solidFill>
                   <a:schemeClr val="tx1"/>
                 </a:solidFill>
@@ -15792,7 +16065,7 @@
               <a:t> dan </a:t>
             </a:r>
             <a:r>
-              <a:rPr lang="en-US" sz="1000" dirty="0" err="1">
+              <a:rPr lang="en-US" sz="1200" dirty="0" err="1">
                 <a:solidFill>
                   <a:schemeClr val="tx1"/>
                 </a:solidFill>
@@ -15800,7 +16073,7 @@
               <a:t>tokoh</a:t>
             </a:r>
             <a:r>
-              <a:rPr lang="en-US" sz="1000" dirty="0">
+              <a:rPr lang="en-US" sz="1200" dirty="0">
                 <a:solidFill>
                   <a:schemeClr val="tx1"/>
                 </a:solidFill>
@@ -15808,7 +16081,7 @@
               <a:t> </a:t>
             </a:r>
             <a:r>
-              <a:rPr lang="en-US" sz="1000" dirty="0" err="1">
+              <a:rPr lang="en-US" sz="1200" dirty="0" err="1">
                 <a:solidFill>
                   <a:schemeClr val="tx1"/>
                 </a:solidFill>
@@ -15816,7 +16089,7 @@
               <a:t>sejarah</a:t>
             </a:r>
             <a:r>
-              <a:rPr lang="en-US" sz="1000" dirty="0">
+              <a:rPr lang="en-US" sz="1200" dirty="0">
                 <a:solidFill>
                   <a:schemeClr val="tx1"/>
                 </a:solidFill>
@@ -15824,7 +16097,7 @@
               <a:t> Indonesia dalam </a:t>
             </a:r>
             <a:r>
-              <a:rPr lang="en-US" sz="1000" dirty="0" err="1">
+              <a:rPr lang="en-US" sz="1200" dirty="0" err="1">
                 <a:solidFill>
                   <a:schemeClr val="tx1"/>
                 </a:solidFill>
@@ -15832,7 +16105,7 @@
               <a:t>periode</a:t>
             </a:r>
             <a:r>
-              <a:rPr lang="en-US" sz="1000" dirty="0">
+              <a:rPr lang="en-US" sz="1200" dirty="0">
                 <a:solidFill>
                   <a:schemeClr val="tx1"/>
                 </a:solidFill>
@@ -15856,7 +16129,7 @@
               <a:buAutoNum type="arabicPeriod"/>
             </a:pPr>
             <a:r>
-              <a:rPr lang="en-US" sz="1000" b="1" dirty="0" err="1">
+              <a:rPr lang="en-US" sz="1200" b="1" dirty="0" err="1">
                 <a:solidFill>
                   <a:schemeClr val="tx1"/>
                 </a:solidFill>
@@ -15864,7 +16137,7 @@
               <a:t>Mengembangkan</a:t>
             </a:r>
             <a:r>
-              <a:rPr lang="en-US" sz="1000" b="1" dirty="0">
+              <a:rPr lang="en-US" sz="1200" b="1" dirty="0">
                 <a:solidFill>
                   <a:schemeClr val="tx1"/>
                 </a:solidFill>
@@ -15872,7 +16145,7 @@
               <a:t> </a:t>
             </a:r>
             <a:r>
-              <a:rPr lang="en-US" sz="1000" b="1" dirty="0" err="1">
+              <a:rPr lang="en-US" sz="1200" b="1" dirty="0" err="1">
                 <a:solidFill>
                   <a:schemeClr val="tx1"/>
                 </a:solidFill>
@@ -15880,14 +16153,14 @@
               <a:t>ontologi</a:t>
             </a:r>
             <a:br>
-              <a:rPr lang="en-US" sz="1000" dirty="0">
+              <a:rPr lang="en-US" sz="1200" dirty="0">
                 <a:solidFill>
                   <a:schemeClr val="tx1"/>
                 </a:solidFill>
               </a:rPr>
             </a:br>
             <a:r>
-              <a:rPr lang="en-US" sz="1000" dirty="0" err="1">
+              <a:rPr lang="en-US" sz="1200" dirty="0" err="1">
                 <a:solidFill>
                   <a:schemeClr val="tx1"/>
                 </a:solidFill>
@@ -15895,7 +16168,7 @@
               <a:t>Mengembangkan</a:t>
             </a:r>
             <a:r>
-              <a:rPr lang="en-US" sz="1000" dirty="0">
+              <a:rPr lang="en-US" sz="1200" dirty="0">
                 <a:solidFill>
                   <a:schemeClr val="tx1"/>
                 </a:solidFill>
@@ -15903,7 +16176,7 @@
               <a:t> </a:t>
             </a:r>
             <a:r>
-              <a:rPr lang="en-US" sz="1000" dirty="0" err="1">
+              <a:rPr lang="en-US" sz="1200" dirty="0" err="1">
                 <a:solidFill>
                   <a:schemeClr val="tx1"/>
                 </a:solidFill>
@@ -15911,7 +16184,7 @@
               <a:t>ontologi</a:t>
             </a:r>
             <a:r>
-              <a:rPr lang="en-US" sz="1000" dirty="0">
+              <a:rPr lang="en-US" sz="1200" dirty="0">
                 <a:solidFill>
                   <a:schemeClr val="tx1"/>
                 </a:solidFill>
@@ -15919,7 +16192,7 @@
               <a:t> atau </a:t>
             </a:r>
             <a:r>
-              <a:rPr lang="en-US" sz="1000" i="1" dirty="0">
+              <a:rPr lang="en-US" sz="1200" i="1" dirty="0">
                 <a:solidFill>
                   <a:schemeClr val="tx1"/>
                 </a:solidFill>
@@ -15927,7 +16200,7 @@
               <a:t>vocabulary</a:t>
             </a:r>
             <a:r>
-              <a:rPr lang="en-US" sz="1000" dirty="0">
+              <a:rPr lang="en-US" sz="1200" dirty="0">
                 <a:solidFill>
                   <a:schemeClr val="tx1"/>
                 </a:solidFill>
@@ -15935,7 +16208,7 @@
               <a:t> </a:t>
             </a:r>
             <a:r>
-              <a:rPr lang="en-US" sz="1000" dirty="0" err="1">
+              <a:rPr lang="en-US" sz="1200" dirty="0" err="1">
                 <a:solidFill>
                   <a:schemeClr val="tx1"/>
                 </a:solidFill>
@@ -15943,7 +16216,7 @@
               <a:t>peristiwa</a:t>
             </a:r>
             <a:r>
-              <a:rPr lang="en-US" sz="1000" dirty="0">
+              <a:rPr lang="en-US" sz="1200" dirty="0">
                 <a:solidFill>
                   <a:schemeClr val="tx1"/>
                 </a:solidFill>
@@ -15951,7 +16224,7 @@
               <a:t> dan </a:t>
             </a:r>
             <a:r>
-              <a:rPr lang="en-US" sz="1000" dirty="0" err="1">
+              <a:rPr lang="en-US" sz="1200" dirty="0" err="1">
                 <a:solidFill>
                   <a:schemeClr val="tx1"/>
                 </a:solidFill>
@@ -15959,7 +16232,7 @@
               <a:t>tokoh</a:t>
             </a:r>
             <a:r>
-              <a:rPr lang="en-US" sz="1000" dirty="0">
+              <a:rPr lang="en-US" sz="1200" dirty="0">
                 <a:solidFill>
                   <a:schemeClr val="tx1"/>
                 </a:solidFill>
@@ -15967,7 +16240,7 @@
               <a:t> Sejarah Indonesia </a:t>
             </a:r>
             <a:r>
-              <a:rPr lang="en-US" sz="1000" dirty="0" err="1">
+              <a:rPr lang="en-US" sz="1200" dirty="0" err="1">
                 <a:solidFill>
                   <a:schemeClr val="tx1"/>
                 </a:solidFill>
@@ -15975,7 +16248,7 @@
               <a:t>selama</a:t>
             </a:r>
             <a:r>
-              <a:rPr lang="en-US" sz="1000" dirty="0">
+              <a:rPr lang="en-US" sz="1200" dirty="0">
                 <a:solidFill>
                   <a:schemeClr val="tx1"/>
                 </a:solidFill>
@@ -15983,7 +16256,7 @@
               <a:t> </a:t>
             </a:r>
             <a:r>
-              <a:rPr lang="en-US" sz="1000" dirty="0" err="1">
+              <a:rPr lang="en-US" sz="1200" dirty="0" err="1">
                 <a:solidFill>
                   <a:schemeClr val="tx1"/>
                 </a:solidFill>
@@ -15991,7 +16264,7 @@
               <a:t>periode</a:t>
             </a:r>
             <a:r>
-              <a:rPr lang="en-US" sz="1000" dirty="0">
+              <a:rPr lang="en-US" sz="1200" dirty="0">
                 <a:solidFill>
                   <a:schemeClr val="tx1"/>
                 </a:solidFill>
@@ -15999,7 +16272,7 @@
               <a:t> Orde Baru dengan </a:t>
             </a:r>
             <a:r>
-              <a:rPr lang="en-US" sz="1000" b="1" dirty="0" err="1">
+              <a:rPr lang="en-US" sz="1200" b="1" dirty="0" err="1">
                 <a:solidFill>
                   <a:schemeClr val="tx1"/>
                 </a:solidFill>
@@ -16007,7 +16280,7 @@
               <a:t>menggunakan</a:t>
             </a:r>
             <a:r>
-              <a:rPr lang="en-US" sz="1000" b="1" dirty="0">
+              <a:rPr lang="en-US" sz="1200" b="1" dirty="0">
                 <a:solidFill>
                   <a:schemeClr val="tx1"/>
                 </a:solidFill>
@@ -16015,7 +16288,7 @@
               <a:t> </a:t>
             </a:r>
             <a:r>
-              <a:rPr lang="en-US" sz="1000" b="1" dirty="0" err="1">
+              <a:rPr lang="en-US" sz="1200" b="1" dirty="0" err="1">
                 <a:solidFill>
                   <a:schemeClr val="tx1"/>
                 </a:solidFill>
@@ -16023,7 +16296,7 @@
               <a:t>kembali</a:t>
             </a:r>
             <a:r>
-              <a:rPr lang="en-US" sz="1000" b="1" dirty="0">
+              <a:rPr lang="en-US" sz="1200" b="1" dirty="0">
                 <a:solidFill>
                   <a:schemeClr val="tx1"/>
                 </a:solidFill>
@@ -16031,7 +16304,7 @@
               <a:t> dan </a:t>
             </a:r>
             <a:r>
-              <a:rPr lang="en-US" sz="1000" b="1" dirty="0" err="1">
+              <a:rPr lang="en-US" sz="1200" b="1" dirty="0" err="1">
                 <a:solidFill>
                   <a:schemeClr val="tx1"/>
                 </a:solidFill>
@@ -16039,7 +16312,7 @@
               <a:t>memodifikasi</a:t>
             </a:r>
             <a:r>
-              <a:rPr lang="en-US" sz="1000" b="1" dirty="0">
+              <a:rPr lang="en-US" sz="1200" b="1" dirty="0">
                 <a:solidFill>
                   <a:schemeClr val="tx1"/>
                 </a:solidFill>
@@ -16047,7 +16320,7 @@
               <a:t> </a:t>
             </a:r>
             <a:r>
-              <a:rPr lang="en-US" sz="1000" b="1" dirty="0" err="1">
+              <a:rPr lang="en-US" sz="1200" b="1" dirty="0" err="1">
                 <a:solidFill>
                   <a:schemeClr val="tx1"/>
                 </a:solidFill>
@@ -16055,7 +16328,7 @@
               <a:t>ontologi</a:t>
             </a:r>
             <a:r>
-              <a:rPr lang="en-US" sz="1000" b="1" dirty="0">
+              <a:rPr lang="en-US" sz="1200" b="1" dirty="0">
                 <a:solidFill>
                   <a:schemeClr val="tx1"/>
                 </a:solidFill>
@@ -16063,7 +16336,7 @@
               <a:t> yang </a:t>
             </a:r>
             <a:r>
-              <a:rPr lang="en-US" sz="1000" b="1" dirty="0" err="1">
+              <a:rPr lang="en-US" sz="1200" b="1" dirty="0" err="1">
                 <a:solidFill>
                   <a:schemeClr val="tx1"/>
                 </a:solidFill>
@@ -16071,7 +16344,7 @@
               <a:t>telah</a:t>
             </a:r>
             <a:r>
-              <a:rPr lang="en-US" sz="1000" b="1" dirty="0">
+              <a:rPr lang="en-US" sz="1200" b="1" dirty="0">
                 <a:solidFill>
                   <a:schemeClr val="tx1"/>
                 </a:solidFill>
@@ -16079,7 +16352,7 @@
               <a:t> </a:t>
             </a:r>
             <a:r>
-              <a:rPr lang="en-US" sz="1000" b="1" dirty="0" err="1">
+              <a:rPr lang="en-US" sz="1200" b="1" dirty="0" err="1">
                 <a:solidFill>
                   <a:schemeClr val="tx1"/>
                 </a:solidFill>
@@ -16087,7 +16360,7 @@
               <a:t>ada</a:t>
             </a:r>
             <a:r>
-              <a:rPr lang="en-US" sz="1000" dirty="0">
+              <a:rPr lang="en-US" sz="1200" dirty="0">
                 <a:solidFill>
                   <a:schemeClr val="tx1"/>
                 </a:solidFill>
@@ -16095,7 +16368,7 @@
               <a:t>. Dalam </a:t>
             </a:r>
             <a:r>
-              <a:rPr lang="en-US" sz="1000" dirty="0" err="1">
+              <a:rPr lang="en-US" sz="1200" dirty="0" err="1">
                 <a:solidFill>
                   <a:schemeClr val="tx1"/>
                 </a:solidFill>
@@ -16103,7 +16376,7 @@
               <a:t>tahap</a:t>
             </a:r>
             <a:r>
-              <a:rPr lang="en-US" sz="1000" dirty="0">
+              <a:rPr lang="en-US" sz="1200" dirty="0">
                 <a:solidFill>
                   <a:schemeClr val="tx1"/>
                 </a:solidFill>
@@ -16111,7 +16384,7 @@
               <a:t> ini, </a:t>
             </a:r>
             <a:r>
-              <a:rPr lang="en-US" sz="1000" dirty="0" err="1">
+              <a:rPr lang="en-US" sz="1200" dirty="0" err="1">
                 <a:solidFill>
                   <a:schemeClr val="tx1"/>
                 </a:solidFill>
@@ -16119,7 +16392,7 @@
               <a:t>ontologi</a:t>
             </a:r>
             <a:r>
-              <a:rPr lang="en-US" sz="1000" dirty="0">
+              <a:rPr lang="en-US" sz="1200" dirty="0">
                 <a:solidFill>
                   <a:schemeClr val="tx1"/>
                 </a:solidFill>
@@ -16127,7 +16400,7 @@
               <a:t> </a:t>
             </a:r>
             <a:r>
-              <a:rPr lang="en-US" sz="1000" dirty="0" err="1">
+              <a:rPr lang="en-US" sz="1200" dirty="0" err="1">
                 <a:solidFill>
                   <a:schemeClr val="tx1"/>
                 </a:solidFill>
@@ -16135,7 +16408,7 @@
               <a:t>akan</a:t>
             </a:r>
             <a:r>
-              <a:rPr lang="en-US" sz="1000" dirty="0">
+              <a:rPr lang="en-US" sz="1200" dirty="0">
                 <a:solidFill>
                   <a:schemeClr val="tx1"/>
                 </a:solidFill>
@@ -16143,7 +16416,7 @@
               <a:t> </a:t>
             </a:r>
             <a:r>
-              <a:rPr lang="en-US" sz="1000" dirty="0" err="1">
+              <a:rPr lang="en-US" sz="1200" dirty="0" err="1">
                 <a:solidFill>
                   <a:schemeClr val="tx1"/>
                 </a:solidFill>
@@ -16151,7 +16424,7 @@
               <a:t>diwujudkan</a:t>
             </a:r>
             <a:r>
-              <a:rPr lang="en-US" sz="1000" dirty="0">
+              <a:rPr lang="en-US" sz="1200" dirty="0">
                 <a:solidFill>
                   <a:schemeClr val="tx1"/>
                 </a:solidFill>
@@ -16159,7 +16432,7 @@
               <a:t> dalam </a:t>
             </a:r>
             <a:r>
-              <a:rPr lang="en-US" sz="1000" dirty="0" err="1">
+              <a:rPr lang="en-US" sz="1200" dirty="0" err="1">
                 <a:solidFill>
                   <a:schemeClr val="tx1"/>
                 </a:solidFill>
@@ -16167,7 +16440,7 @@
               <a:t>bentuk</a:t>
             </a:r>
             <a:r>
-              <a:rPr lang="en-US" sz="1000" dirty="0">
+              <a:rPr lang="en-US" sz="1200" dirty="0">
                 <a:solidFill>
                   <a:schemeClr val="tx1"/>
                 </a:solidFill>
@@ -16175,7 +16448,7 @@
               <a:t> KG</a:t>
             </a:r>
             <a:r>
-              <a:rPr lang="en-US" sz="1000" i="1" dirty="0">
+              <a:rPr lang="en-US" sz="1200" i="1" dirty="0">
                 <a:solidFill>
                   <a:schemeClr val="tx1"/>
                 </a:solidFill>
@@ -16183,7 +16456,7 @@
               <a:t> </a:t>
             </a:r>
             <a:r>
-              <a:rPr lang="en-US" sz="1000" dirty="0">
+              <a:rPr lang="en-US" sz="1200" dirty="0">
                 <a:solidFill>
                   <a:schemeClr val="tx1"/>
                 </a:solidFill>
@@ -16191,7 +16464,7 @@
               <a:t>dengan </a:t>
             </a:r>
             <a:r>
-              <a:rPr lang="en-US" sz="1000" dirty="0" err="1">
+              <a:rPr lang="en-US" sz="1200" dirty="0" err="1">
                 <a:solidFill>
                   <a:schemeClr val="tx1"/>
                 </a:solidFill>
@@ -16199,7 +16472,7 @@
               <a:t>menggunakan</a:t>
             </a:r>
             <a:r>
-              <a:rPr lang="en-US" sz="1000" dirty="0">
+              <a:rPr lang="en-US" sz="1200" dirty="0">
                 <a:solidFill>
                   <a:schemeClr val="tx1"/>
                 </a:solidFill>
@@ -16207,7 +16480,7 @@
               <a:t> </a:t>
             </a:r>
             <a:r>
-              <a:rPr lang="en-US" sz="1000" dirty="0" err="1">
+              <a:rPr lang="en-US" sz="1200" dirty="0" err="1">
                 <a:solidFill>
                   <a:schemeClr val="tx1"/>
                 </a:solidFill>
@@ -16215,7 +16488,7 @@
               <a:t>bahasa</a:t>
             </a:r>
             <a:r>
-              <a:rPr lang="en-US" sz="1000" dirty="0">
+              <a:rPr lang="en-US" sz="1200" dirty="0">
                 <a:solidFill>
                   <a:schemeClr val="tx1"/>
                 </a:solidFill>
@@ -16223,7 +16496,7 @@
               <a:t> </a:t>
             </a:r>
             <a:r>
-              <a:rPr lang="en-US" sz="1000" dirty="0" err="1">
+              <a:rPr lang="en-US" sz="1200" dirty="0" err="1">
                 <a:solidFill>
                   <a:schemeClr val="tx1"/>
                 </a:solidFill>
@@ -16231,7 +16504,7 @@
               <a:t>pemodelan</a:t>
             </a:r>
             <a:r>
-              <a:rPr lang="en-US" sz="1000" dirty="0">
+              <a:rPr lang="en-US" sz="1200" dirty="0">
                 <a:solidFill>
                   <a:schemeClr val="tx1"/>
                 </a:solidFill>
@@ -16239,7 +16512,7 @@
               <a:t> </a:t>
             </a:r>
             <a:r>
-              <a:rPr lang="en-US" sz="1000" dirty="0" err="1">
+              <a:rPr lang="en-US" sz="1200" dirty="0" err="1">
                 <a:solidFill>
                   <a:schemeClr val="tx1"/>
                 </a:solidFill>
@@ -16247,7 +16520,7 @@
               <a:t>ontologi</a:t>
             </a:r>
             <a:r>
-              <a:rPr lang="en-US" sz="1000" dirty="0">
+              <a:rPr lang="en-US" sz="1200" dirty="0">
                 <a:solidFill>
                   <a:schemeClr val="tx1"/>
                 </a:solidFill>
@@ -16255,7 +16528,7 @@
               <a:t> </a:t>
             </a:r>
             <a:r>
-              <a:rPr lang="en-US" sz="1000" dirty="0" err="1">
+              <a:rPr lang="en-US" sz="1200" dirty="0" err="1">
                 <a:solidFill>
                   <a:schemeClr val="tx1"/>
                 </a:solidFill>
@@ -16263,7 +16536,7 @@
               <a:t>seperti</a:t>
             </a:r>
             <a:r>
-              <a:rPr lang="en-US" sz="1000" dirty="0">
+              <a:rPr lang="en-US" sz="1200" dirty="0">
                 <a:solidFill>
                   <a:schemeClr val="tx1"/>
                 </a:solidFill>
@@ -16271,7 +16544,7 @@
               <a:t> RDF dan </a:t>
             </a:r>
             <a:r>
-              <a:rPr lang="en-US" sz="1000" dirty="0" err="1">
+              <a:rPr lang="en-US" sz="1200" dirty="0" err="1">
                 <a:solidFill>
                   <a:schemeClr val="tx1"/>
                 </a:solidFill>
@@ -16279,7 +16552,7 @@
               <a:t>aplikasi</a:t>
             </a:r>
             <a:r>
-              <a:rPr lang="en-US" sz="1000" dirty="0">
+              <a:rPr lang="en-US" sz="1200" dirty="0">
                 <a:solidFill>
                   <a:schemeClr val="tx1"/>
                 </a:solidFill>
@@ -16287,7 +16560,7 @@
               <a:t> </a:t>
             </a:r>
             <a:r>
-              <a:rPr lang="en-US" sz="1000" dirty="0" err="1">
+              <a:rPr lang="en-US" sz="1200" dirty="0" err="1">
                 <a:solidFill>
                   <a:schemeClr val="tx1"/>
                 </a:solidFill>
@@ -16295,7 +16568,7 @@
               <a:t>pendukung</a:t>
             </a:r>
             <a:r>
-              <a:rPr lang="en-US" sz="1000" dirty="0">
+              <a:rPr lang="en-US" sz="1200" dirty="0">
                 <a:solidFill>
                   <a:schemeClr val="tx1"/>
                 </a:solidFill>
@@ -16303,7 +16576,7 @@
               <a:t> </a:t>
             </a:r>
             <a:r>
-              <a:rPr lang="en-US" sz="1000" dirty="0" err="1">
+              <a:rPr lang="en-US" sz="1200" dirty="0" err="1">
                 <a:solidFill>
                   <a:schemeClr val="tx1"/>
                 </a:solidFill>
@@ -16311,7 +16584,7 @@
               <a:t>seperti</a:t>
             </a:r>
             <a:r>
-              <a:rPr lang="en-US" sz="1000" dirty="0">
+              <a:rPr lang="en-US" sz="1200" dirty="0">
                 <a:solidFill>
                   <a:schemeClr val="tx1"/>
                 </a:solidFill>
@@ -16319,7 +16592,7 @@
               <a:t> Protégé dan </a:t>
             </a:r>
             <a:r>
-              <a:rPr lang="en-US" sz="1000" dirty="0" err="1">
+              <a:rPr lang="en-US" sz="1200" dirty="0" err="1">
                 <a:solidFill>
                   <a:schemeClr val="tx1"/>
                 </a:solidFill>
@@ -16327,7 +16600,7 @@
               <a:t>sejenisnya</a:t>
             </a:r>
             <a:r>
-              <a:rPr lang="en-US" sz="1000" dirty="0">
+              <a:rPr lang="en-US" sz="1200" dirty="0">
                 <a:solidFill>
                   <a:schemeClr val="tx1"/>
                 </a:solidFill>
@@ -16351,7 +16624,7 @@
               <a:buAutoNum type="arabicPeriod"/>
             </a:pPr>
             <a:r>
-              <a:rPr lang="en-US" sz="1000" b="1" dirty="0" err="1">
+              <a:rPr lang="en-US" sz="1200" b="1" dirty="0" err="1">
                 <a:solidFill>
                   <a:schemeClr val="tx1"/>
                 </a:solidFill>
@@ -16359,7 +16632,7 @@
               <a:t>Populasi</a:t>
             </a:r>
             <a:r>
-              <a:rPr lang="en-US" sz="1000" b="1" dirty="0">
+              <a:rPr lang="en-US" sz="1200" b="1" dirty="0">
                 <a:solidFill>
                   <a:schemeClr val="tx1"/>
                 </a:solidFill>
@@ -16367,14 +16640,14 @@
               <a:t> data</a:t>
             </a:r>
             <a:br>
-              <a:rPr lang="en-US" sz="1000" dirty="0">
+              <a:rPr lang="en-US" sz="1200" dirty="0">
                 <a:solidFill>
                   <a:schemeClr val="tx1"/>
                 </a:solidFill>
               </a:rPr>
             </a:br>
             <a:r>
-              <a:rPr lang="en-US" sz="1000" dirty="0" err="1">
+              <a:rPr lang="en-US" sz="1200" dirty="0" err="1">
                 <a:solidFill>
                   <a:schemeClr val="tx1"/>
                 </a:solidFill>
@@ -16382,7 +16655,7 @@
               <a:t>Mengumpulkan</a:t>
             </a:r>
             <a:r>
-              <a:rPr lang="en-US" sz="1000" dirty="0">
+              <a:rPr lang="en-US" sz="1200" dirty="0">
                 <a:solidFill>
                   <a:schemeClr val="tx1"/>
                 </a:solidFill>
@@ -16390,7 +16663,7 @@
               <a:t> data </a:t>
             </a:r>
             <a:r>
-              <a:rPr lang="en-US" sz="1000" dirty="0" err="1">
+              <a:rPr lang="en-US" sz="1200" dirty="0" err="1">
                 <a:solidFill>
                   <a:schemeClr val="tx1"/>
                 </a:solidFill>
@@ -16398,7 +16671,7 @@
               <a:t>peristiwa</a:t>
             </a:r>
             <a:r>
-              <a:rPr lang="en-US" sz="1000" dirty="0">
+              <a:rPr lang="en-US" sz="1200" dirty="0">
                 <a:solidFill>
                   <a:schemeClr val="tx1"/>
                 </a:solidFill>
@@ -16406,7 +16679,7 @@
               <a:t> dan </a:t>
             </a:r>
             <a:r>
-              <a:rPr lang="en-US" sz="1000" dirty="0" err="1">
+              <a:rPr lang="en-US" sz="1200" dirty="0" err="1">
                 <a:solidFill>
                   <a:schemeClr val="tx1"/>
                 </a:solidFill>
@@ -16414,7 +16687,7 @@
               <a:t>tokoh</a:t>
             </a:r>
             <a:r>
-              <a:rPr lang="en-US" sz="1000" dirty="0">
+              <a:rPr lang="en-US" sz="1200" dirty="0">
                 <a:solidFill>
                   <a:schemeClr val="tx1"/>
                 </a:solidFill>
@@ -16422,7 +16695,7 @@
               <a:t> </a:t>
             </a:r>
             <a:r>
-              <a:rPr lang="en-US" sz="1000" dirty="0" err="1">
+              <a:rPr lang="en-US" sz="1200" dirty="0" err="1">
                 <a:solidFill>
                   <a:schemeClr val="tx1"/>
                 </a:solidFill>
@@ -16430,7 +16703,7 @@
               <a:t>sejarah</a:t>
             </a:r>
             <a:r>
-              <a:rPr lang="en-US" sz="1000" dirty="0">
+              <a:rPr lang="en-US" sz="1200" dirty="0">
                 <a:solidFill>
                   <a:schemeClr val="tx1"/>
                 </a:solidFill>
@@ -16438,7 +16711,7 @@
               <a:t> </a:t>
             </a:r>
             <a:r>
-              <a:rPr lang="en-US" sz="1000" dirty="0" err="1">
+              <a:rPr lang="en-US" sz="1200" dirty="0" err="1">
                 <a:solidFill>
                   <a:schemeClr val="tx1"/>
                 </a:solidFill>
@@ -16446,7 +16719,7 @@
               <a:t>selama</a:t>
             </a:r>
             <a:r>
-              <a:rPr lang="en-US" sz="1000" dirty="0">
+              <a:rPr lang="en-US" sz="1200" dirty="0">
                 <a:solidFill>
                   <a:schemeClr val="tx1"/>
                 </a:solidFill>
@@ -16454,7 +16727,7 @@
               <a:t> </a:t>
             </a:r>
             <a:r>
-              <a:rPr lang="en-US" sz="1000" dirty="0" err="1">
+              <a:rPr lang="en-US" sz="1200" dirty="0" err="1">
                 <a:solidFill>
                   <a:schemeClr val="tx1"/>
                 </a:solidFill>
@@ -16462,7 +16735,7 @@
               <a:t>periode</a:t>
             </a:r>
             <a:r>
-              <a:rPr lang="en-US" sz="1000" dirty="0">
+              <a:rPr lang="en-US" sz="1200" dirty="0">
                 <a:solidFill>
                   <a:schemeClr val="tx1"/>
                 </a:solidFill>
@@ -16470,7 +16743,7 @@
               <a:t> Orde Baru </a:t>
             </a:r>
             <a:r>
-              <a:rPr lang="en-US" sz="1000" dirty="0" err="1">
+              <a:rPr lang="en-US" sz="1200" dirty="0" err="1">
                 <a:solidFill>
                   <a:schemeClr val="tx1"/>
                 </a:solidFill>
@@ -16478,7 +16751,7 @@
               <a:t>dari</a:t>
             </a:r>
             <a:r>
-              <a:rPr lang="en-US" sz="1000" dirty="0">
+              <a:rPr lang="en-US" sz="1200" dirty="0">
                 <a:solidFill>
                   <a:schemeClr val="tx1"/>
                 </a:solidFill>
@@ -16486,7 +16759,7 @@
               <a:t> </a:t>
             </a:r>
             <a:r>
-              <a:rPr lang="en-US" sz="1000" dirty="0" err="1">
+              <a:rPr lang="en-US" sz="1200" dirty="0" err="1">
                 <a:solidFill>
                   <a:schemeClr val="tx1"/>
                 </a:solidFill>
@@ -16494,7 +16767,7 @@
               <a:t>berbagai</a:t>
             </a:r>
             <a:r>
-              <a:rPr lang="en-US" sz="1000" dirty="0">
+              <a:rPr lang="en-US" sz="1200" dirty="0">
                 <a:solidFill>
                   <a:schemeClr val="tx1"/>
                 </a:solidFill>
@@ -16502,7 +16775,7 @@
               <a:t> </a:t>
             </a:r>
             <a:r>
-              <a:rPr lang="en-US" sz="1000" dirty="0" err="1">
+              <a:rPr lang="en-US" sz="1200" dirty="0" err="1">
                 <a:solidFill>
                   <a:schemeClr val="tx1"/>
                 </a:solidFill>
@@ -16510,23 +16783,15 @@
               <a:t>sumber</a:t>
             </a:r>
             <a:r>
-              <a:rPr lang="en-US" sz="1000" dirty="0">
-                <a:solidFill>
-                  <a:schemeClr val="tx1"/>
-                </a:solidFill>
-              </a:rPr>
-              <a:t> data, </a:t>
-            </a:r>
-            <a:r>
-              <a:rPr lang="en-US" sz="1000" b="1" dirty="0">
-                <a:solidFill>
-                  <a:schemeClr val="tx1"/>
-                </a:solidFill>
-              </a:rPr>
-              <a:t>baik yang </a:t>
-            </a:r>
-            <a:r>
-              <a:rPr lang="en-US" sz="1000" b="1" dirty="0" err="1">
+              <a:rPr lang="en-US" sz="1200" dirty="0">
+                <a:solidFill>
+                  <a:schemeClr val="tx1"/>
+                </a:solidFill>
+              </a:rPr>
+              <a:t> data </a:t>
+            </a:r>
+            <a:r>
+              <a:rPr lang="en-US" sz="1200" b="1" dirty="0" err="1">
                 <a:solidFill>
                   <a:schemeClr val="tx1"/>
                 </a:solidFill>
@@ -16534,7 +16799,7 @@
               <a:t>terstruktur</a:t>
             </a:r>
             <a:r>
-              <a:rPr lang="en-US" sz="1000" b="1" dirty="0">
+              <a:rPr lang="en-US" sz="1200" b="1" dirty="0">
                 <a:solidFill>
                   <a:schemeClr val="tx1"/>
                 </a:solidFill>
@@ -16542,39 +16807,7 @@
               <a:t> </a:t>
             </a:r>
             <a:r>
-              <a:rPr lang="en-US" sz="1000" b="1" dirty="0" err="1">
-                <a:solidFill>
-                  <a:schemeClr val="tx1"/>
-                </a:solidFill>
-              </a:rPr>
-              <a:t>maupun</a:t>
-            </a:r>
-            <a:r>
-              <a:rPr lang="en-US" sz="1000" b="1" dirty="0">
-                <a:solidFill>
-                  <a:schemeClr val="tx1"/>
-                </a:solidFill>
-              </a:rPr>
-              <a:t> tidak </a:t>
-            </a:r>
-            <a:r>
-              <a:rPr lang="en-US" sz="1000" b="1" dirty="0" err="1">
-                <a:solidFill>
-                  <a:schemeClr val="tx1"/>
-                </a:solidFill>
-              </a:rPr>
-              <a:t>terstruktur</a:t>
-            </a:r>
-            <a:r>
-              <a:rPr lang="en-US" sz="1000" dirty="0">
-                <a:solidFill>
-                  <a:schemeClr val="tx1"/>
-                </a:solidFill>
-              </a:rPr>
-              <a:t>, </a:t>
-            </a:r>
-            <a:r>
-              <a:rPr lang="en-US" sz="1000" dirty="0" err="1">
+              <a:rPr lang="en-US" sz="1200" dirty="0" err="1">
                 <a:solidFill>
                   <a:schemeClr val="tx1"/>
                 </a:solidFill>
@@ -16582,7 +16815,7 @@
               <a:t>seperti</a:t>
             </a:r>
             <a:r>
-              <a:rPr lang="en-US" sz="1000" dirty="0">
+              <a:rPr lang="en-US" sz="1200" dirty="0">
                 <a:solidFill>
                   <a:schemeClr val="tx1"/>
                 </a:solidFill>
@@ -16590,15 +16823,47 @@
               <a:t> </a:t>
             </a:r>
             <a:r>
-              <a:rPr lang="en-US" sz="1000" b="1" dirty="0" err="1">
-                <a:solidFill>
-                  <a:schemeClr val="tx1"/>
-                </a:solidFill>
-              </a:rPr>
-              <a:t>arsip</a:t>
-            </a:r>
-            <a:r>
-              <a:rPr lang="en-US" sz="1000" b="1" dirty="0">
+              <a:rPr lang="en-US" sz="1200" b="1" dirty="0" err="1">
+                <a:solidFill>
+                  <a:schemeClr val="tx1"/>
+                </a:solidFill>
+              </a:rPr>
+              <a:t>Wikidata</a:t>
+            </a:r>
+            <a:r>
+              <a:rPr lang="en-US" sz="1200" b="1" dirty="0">
+                <a:solidFill>
+                  <a:schemeClr val="tx1"/>
+                </a:solidFill>
+              </a:rPr>
+              <a:t> dan </a:t>
+            </a:r>
+            <a:r>
+              <a:rPr lang="en-US" sz="1200" b="1" dirty="0" err="1">
+                <a:solidFill>
+                  <a:schemeClr val="tx1"/>
+                </a:solidFill>
+              </a:rPr>
+              <a:t>DBPedia</a:t>
+            </a:r>
+            <a:r>
+              <a:rPr lang="en-US" sz="1200" dirty="0">
+                <a:solidFill>
+                  <a:schemeClr val="tx1"/>
+                </a:solidFill>
+              </a:rPr>
+              <a:t>. Data </a:t>
+            </a:r>
+            <a:r>
+              <a:rPr lang="en-US" sz="1200" dirty="0" err="1">
+                <a:solidFill>
+                  <a:schemeClr val="tx1"/>
+                </a:solidFill>
+              </a:rPr>
+              <a:t>tersebut</a:t>
+            </a:r>
+            <a:r>
+              <a:rPr lang="en-US" sz="1200" dirty="0">
                 <a:solidFill>
                   <a:schemeClr val="tx1"/>
                 </a:solidFill>
@@ -16606,63 +16871,111 @@
               <a:t> </a:t>
             </a:r>
             <a:r>
-              <a:rPr lang="en-US" sz="1000" b="1" dirty="0" err="1">
-                <a:solidFill>
-                  <a:schemeClr val="tx1"/>
-                </a:solidFill>
-              </a:rPr>
-              <a:t>nasional</a:t>
-            </a:r>
-            <a:r>
-              <a:rPr lang="en-US" sz="1000" b="1" dirty="0">
-                <a:solidFill>
-                  <a:schemeClr val="tx1"/>
-                </a:solidFill>
-              </a:rPr>
-              <a:t>, </a:t>
-            </a:r>
-            <a:r>
-              <a:rPr lang="en-US" sz="1000" b="1" dirty="0" err="1">
-                <a:solidFill>
-                  <a:schemeClr val="tx1"/>
-                </a:solidFill>
-              </a:rPr>
-              <a:t>artikel</a:t>
-            </a:r>
-            <a:r>
-              <a:rPr lang="en-US" sz="1000" b="1" dirty="0">
-                <a:solidFill>
-                  <a:schemeClr val="tx1"/>
-                </a:solidFill>
-              </a:rPr>
-              <a:t>, Britannica, </a:t>
-            </a:r>
-            <a:r>
-              <a:rPr lang="en-US" sz="1000" b="1" dirty="0" err="1">
-                <a:solidFill>
-                  <a:schemeClr val="tx1"/>
-                </a:solidFill>
-              </a:rPr>
-              <a:t>Wikidata</a:t>
-            </a:r>
-            <a:r>
-              <a:rPr lang="en-US" sz="1000" b="1" dirty="0">
-                <a:solidFill>
-                  <a:schemeClr val="tx1"/>
-                </a:solidFill>
-              </a:rPr>
-              <a:t> dan </a:t>
-            </a:r>
-            <a:r>
-              <a:rPr lang="en-US" sz="1000" b="1" dirty="0" err="1">
-                <a:solidFill>
-                  <a:schemeClr val="tx1"/>
-                </a:solidFill>
-              </a:rPr>
-              <a:t>DBPedia</a:t>
-            </a:r>
-            <a:r>
-              <a:rPr lang="en-US" sz="1000" dirty="0">
+              <a:rPr lang="en-US" sz="1200" dirty="0" err="1">
+                <a:solidFill>
+                  <a:schemeClr val="tx1"/>
+                </a:solidFill>
+              </a:rPr>
+              <a:t>kemudian</a:t>
+            </a:r>
+            <a:r>
+              <a:rPr lang="en-US" sz="1200" dirty="0">
+                <a:solidFill>
+                  <a:schemeClr val="tx1"/>
+                </a:solidFill>
+              </a:rPr>
+              <a:t> </a:t>
+            </a:r>
+            <a:r>
+              <a:rPr lang="en-US" sz="1200" dirty="0" err="1">
+                <a:solidFill>
+                  <a:schemeClr val="tx1"/>
+                </a:solidFill>
+              </a:rPr>
+              <a:t>ditransformasikan</a:t>
+            </a:r>
+            <a:r>
+              <a:rPr lang="en-US" sz="1200" dirty="0">
+                <a:solidFill>
+                  <a:schemeClr val="tx1"/>
+                </a:solidFill>
+              </a:rPr>
+              <a:t> ke dalam KG yang </a:t>
+            </a:r>
+            <a:r>
+              <a:rPr lang="en-US" sz="1200" dirty="0" err="1">
+                <a:solidFill>
+                  <a:schemeClr val="tx1"/>
+                </a:solidFill>
+              </a:rPr>
+              <a:t>telah</a:t>
+            </a:r>
+            <a:r>
+              <a:rPr lang="en-US" sz="1200" dirty="0">
+                <a:solidFill>
+                  <a:schemeClr val="tx1"/>
+                </a:solidFill>
+              </a:rPr>
+              <a:t> </a:t>
+            </a:r>
+            <a:r>
+              <a:rPr lang="en-US" sz="1200" dirty="0" err="1">
+                <a:solidFill>
+                  <a:schemeClr val="tx1"/>
+                </a:solidFill>
+              </a:rPr>
+              <a:t>dirancang</a:t>
+            </a:r>
+            <a:r>
+              <a:rPr lang="en-US" sz="1200" dirty="0">
+                <a:solidFill>
+                  <a:schemeClr val="tx1"/>
+                </a:solidFill>
+              </a:rPr>
+              <a:t> dengan </a:t>
+            </a:r>
+            <a:r>
+              <a:rPr lang="en-US" sz="1200" dirty="0" err="1">
+                <a:solidFill>
+                  <a:schemeClr val="tx1"/>
+                </a:solidFill>
+              </a:rPr>
+              <a:t>menggunakan</a:t>
+            </a:r>
+            <a:r>
+              <a:rPr lang="en-US" sz="1200" dirty="0">
+                <a:solidFill>
+                  <a:schemeClr val="tx1"/>
+                </a:solidFill>
+              </a:rPr>
+              <a:t> </a:t>
+            </a:r>
+            <a:r>
+              <a:rPr lang="en-US" sz="1200" dirty="0" err="1">
+                <a:solidFill>
+                  <a:schemeClr val="tx1"/>
+                </a:solidFill>
+              </a:rPr>
+              <a:t>berbagai</a:t>
+            </a:r>
+            <a:r>
+              <a:rPr lang="en-US" sz="1200" dirty="0">
+                <a:solidFill>
+                  <a:schemeClr val="tx1"/>
+                </a:solidFill>
+              </a:rPr>
+              <a:t> </a:t>
+            </a:r>
+            <a:r>
+              <a:rPr lang="en-US" sz="1200" dirty="0" err="1">
+                <a:solidFill>
+                  <a:schemeClr val="tx1"/>
+                </a:solidFill>
+              </a:rPr>
+              <a:t>metode</a:t>
+            </a:r>
+            <a:r>
+              <a:rPr lang="en-US" sz="1200" dirty="0">
                 <a:solidFill>
                   <a:schemeClr val="tx1"/>
                 </a:solidFill>
@@ -16670,15 +16983,31 @@
               <a:t>. Data </a:t>
             </a:r>
             <a:r>
-              <a:rPr lang="en-US" sz="1000" dirty="0" err="1">
-                <a:solidFill>
-                  <a:schemeClr val="tx1"/>
-                </a:solidFill>
-              </a:rPr>
-              <a:t>tersebut</a:t>
-            </a:r>
-            <a:r>
-              <a:rPr lang="en-US" sz="1000" dirty="0">
+              <a:rPr lang="en-US" sz="1200" dirty="0" err="1">
+                <a:solidFill>
+                  <a:schemeClr val="tx1"/>
+                </a:solidFill>
+              </a:rPr>
+              <a:t>ontologi</a:t>
+            </a:r>
+            <a:r>
+              <a:rPr lang="en-US" sz="1200" dirty="0">
+                <a:solidFill>
+                  <a:schemeClr val="tx1"/>
+                </a:solidFill>
+              </a:rPr>
+              <a:t> yang </a:t>
+            </a:r>
+            <a:r>
+              <a:rPr lang="en-US" sz="1200" dirty="0" err="1">
+                <a:solidFill>
+                  <a:schemeClr val="tx1"/>
+                </a:solidFill>
+              </a:rPr>
+              <a:t>telah</a:t>
+            </a:r>
+            <a:r>
+              <a:rPr lang="en-US" sz="1200" dirty="0">
                 <a:solidFill>
                   <a:schemeClr val="tx1"/>
                 </a:solidFill>
@@ -16686,7 +17015,103 @@
               <a:t> </a:t>
             </a:r>
             <a:r>
-              <a:rPr lang="en-US" sz="1000" dirty="0" err="1">
+              <a:rPr lang="en-US" sz="1200" dirty="0" err="1">
+                <a:solidFill>
+                  <a:schemeClr val="tx1"/>
+                </a:solidFill>
+              </a:rPr>
+              <a:t>dibuat</a:t>
+            </a:r>
+            <a:r>
+              <a:rPr lang="en-US" sz="1200" dirty="0">
+                <a:solidFill>
+                  <a:schemeClr val="tx1"/>
+                </a:solidFill>
+              </a:rPr>
+              <a:t> </a:t>
+            </a:r>
+            <a:r>
+              <a:rPr lang="en-US" sz="1200" dirty="0" err="1">
+                <a:solidFill>
+                  <a:schemeClr val="tx1"/>
+                </a:solidFill>
+              </a:rPr>
+              <a:t>disimpan</a:t>
+            </a:r>
+            <a:r>
+              <a:rPr lang="en-US" sz="1200" dirty="0">
+                <a:solidFill>
+                  <a:schemeClr val="tx1"/>
+                </a:solidFill>
+              </a:rPr>
+              <a:t> </a:t>
+            </a:r>
+            <a:r>
+              <a:rPr lang="en-US" sz="1200" dirty="0" err="1">
+                <a:solidFill>
+                  <a:schemeClr val="tx1"/>
+                </a:solidFill>
+              </a:rPr>
+              <a:t>menggunakan</a:t>
+            </a:r>
+            <a:r>
+              <a:rPr lang="en-US" sz="1200" dirty="0">
+                <a:solidFill>
+                  <a:schemeClr val="tx1"/>
+                </a:solidFill>
+              </a:rPr>
+              <a:t> </a:t>
+            </a:r>
+            <a:r>
+              <a:rPr lang="en-US" sz="1200" b="1" i="1" dirty="0">
+                <a:solidFill>
+                  <a:schemeClr val="tx1"/>
+                </a:solidFill>
+              </a:rPr>
+              <a:t>triple store </a:t>
+            </a:r>
+            <a:r>
+              <a:rPr lang="en-US" sz="1200" b="1" dirty="0">
+                <a:solidFill>
+                  <a:schemeClr val="tx1"/>
+                </a:solidFill>
+              </a:rPr>
+              <a:t>yang </a:t>
+            </a:r>
+            <a:r>
+              <a:rPr lang="en-US" sz="1200" b="1" dirty="0" err="1">
+                <a:solidFill>
+                  <a:schemeClr val="tx1"/>
+                </a:solidFill>
+              </a:rPr>
+              <a:t>akan</a:t>
+            </a:r>
+            <a:r>
+              <a:rPr lang="en-US" sz="1200" b="1" dirty="0">
+                <a:solidFill>
+                  <a:schemeClr val="tx1"/>
+                </a:solidFill>
+              </a:rPr>
+              <a:t> </a:t>
+            </a:r>
+            <a:r>
+              <a:rPr lang="en-US" sz="1200" b="1" dirty="0" err="1">
+                <a:solidFill>
+                  <a:schemeClr val="tx1"/>
+                </a:solidFill>
+              </a:rPr>
+              <a:t>ditentukan</a:t>
+            </a:r>
+            <a:r>
+              <a:rPr lang="en-US" sz="1200" b="1" dirty="0">
+                <a:solidFill>
+                  <a:schemeClr val="tx1"/>
+                </a:solidFill>
+              </a:rPr>
+              <a:t> </a:t>
+            </a:r>
+            <a:r>
+              <a:rPr lang="en-US" sz="1200" b="1" dirty="0" err="1">
                 <a:solidFill>
                   <a:schemeClr val="tx1"/>
                 </a:solidFill>
@@ -16694,1362 +17119,7 @@
               <a:t>kemudian</a:t>
             </a:r>
             <a:r>
-              <a:rPr lang="en-US" sz="1000" dirty="0">
-                <a:solidFill>
-                  <a:schemeClr val="tx1"/>
-                </a:solidFill>
-              </a:rPr>
-              <a:t> </a:t>
-            </a:r>
-            <a:r>
-              <a:rPr lang="en-US" sz="1000" dirty="0" err="1">
-                <a:solidFill>
-                  <a:schemeClr val="tx1"/>
-                </a:solidFill>
-              </a:rPr>
-              <a:t>ditransformasikan</a:t>
-            </a:r>
-            <a:r>
-              <a:rPr lang="en-US" sz="1000" dirty="0">
-                <a:solidFill>
-                  <a:schemeClr val="tx1"/>
-                </a:solidFill>
-              </a:rPr>
-              <a:t> ke dalam KG yang </a:t>
-            </a:r>
-            <a:r>
-              <a:rPr lang="en-US" sz="1000" dirty="0" err="1">
-                <a:solidFill>
-                  <a:schemeClr val="tx1"/>
-                </a:solidFill>
-              </a:rPr>
-              <a:t>telah</a:t>
-            </a:r>
-            <a:r>
-              <a:rPr lang="en-US" sz="1000" dirty="0">
-                <a:solidFill>
-                  <a:schemeClr val="tx1"/>
-                </a:solidFill>
-              </a:rPr>
-              <a:t> </a:t>
-            </a:r>
-            <a:r>
-              <a:rPr lang="en-US" sz="1000" dirty="0" err="1">
-                <a:solidFill>
-                  <a:schemeClr val="tx1"/>
-                </a:solidFill>
-              </a:rPr>
-              <a:t>dirancang</a:t>
-            </a:r>
-            <a:r>
-              <a:rPr lang="en-US" sz="1000" dirty="0">
-                <a:solidFill>
-                  <a:schemeClr val="tx1"/>
-                </a:solidFill>
-              </a:rPr>
-              <a:t> dengan </a:t>
-            </a:r>
-            <a:r>
-              <a:rPr lang="en-US" sz="1000" dirty="0" err="1">
-                <a:solidFill>
-                  <a:schemeClr val="tx1"/>
-                </a:solidFill>
-              </a:rPr>
-              <a:t>menggunakan</a:t>
-            </a:r>
-            <a:r>
-              <a:rPr lang="en-US" sz="1000" dirty="0">
-                <a:solidFill>
-                  <a:schemeClr val="tx1"/>
-                </a:solidFill>
-              </a:rPr>
-              <a:t> </a:t>
-            </a:r>
-            <a:r>
-              <a:rPr lang="en-US" sz="1000" dirty="0" err="1">
-                <a:solidFill>
-                  <a:schemeClr val="tx1"/>
-                </a:solidFill>
-              </a:rPr>
-              <a:t>berbagai</a:t>
-            </a:r>
-            <a:r>
-              <a:rPr lang="en-US" sz="1000" dirty="0">
-                <a:solidFill>
-                  <a:schemeClr val="tx1"/>
-                </a:solidFill>
-              </a:rPr>
-              <a:t> </a:t>
-            </a:r>
-            <a:r>
-              <a:rPr lang="en-US" sz="1000" dirty="0" err="1">
-                <a:solidFill>
-                  <a:schemeClr val="tx1"/>
-                </a:solidFill>
-              </a:rPr>
-              <a:t>metode</a:t>
-            </a:r>
-            <a:r>
-              <a:rPr lang="en-US" sz="1000" dirty="0">
-                <a:solidFill>
-                  <a:schemeClr val="tx1"/>
-                </a:solidFill>
-              </a:rPr>
-              <a:t>. Data </a:t>
-            </a:r>
-            <a:r>
-              <a:rPr lang="en-US" sz="1000" dirty="0" err="1">
-                <a:solidFill>
-                  <a:schemeClr val="tx1"/>
-                </a:solidFill>
-              </a:rPr>
-              <a:t>ontologi</a:t>
-            </a:r>
-            <a:r>
-              <a:rPr lang="en-US" sz="1000" dirty="0">
-                <a:solidFill>
-                  <a:schemeClr val="tx1"/>
-                </a:solidFill>
-              </a:rPr>
-              <a:t> yang </a:t>
-            </a:r>
-            <a:r>
-              <a:rPr lang="en-US" sz="1000" dirty="0" err="1">
-                <a:solidFill>
-                  <a:schemeClr val="tx1"/>
-                </a:solidFill>
-              </a:rPr>
-              <a:t>telah</a:t>
-            </a:r>
-            <a:r>
-              <a:rPr lang="en-US" sz="1000" dirty="0">
-                <a:solidFill>
-                  <a:schemeClr val="tx1"/>
-                </a:solidFill>
-              </a:rPr>
-              <a:t> </a:t>
-            </a:r>
-            <a:r>
-              <a:rPr lang="en-US" sz="1000" dirty="0" err="1">
-                <a:solidFill>
-                  <a:schemeClr val="tx1"/>
-                </a:solidFill>
-              </a:rPr>
-              <a:t>dibuat</a:t>
-            </a:r>
-            <a:r>
-              <a:rPr lang="en-US" sz="1000" dirty="0">
-                <a:solidFill>
-                  <a:schemeClr val="tx1"/>
-                </a:solidFill>
-              </a:rPr>
-              <a:t> </a:t>
-            </a:r>
-            <a:r>
-              <a:rPr lang="en-US" sz="1000" dirty="0" err="1">
-                <a:solidFill>
-                  <a:schemeClr val="tx1"/>
-                </a:solidFill>
-              </a:rPr>
-              <a:t>disimpan</a:t>
-            </a:r>
-            <a:r>
-              <a:rPr lang="en-US" sz="1000" dirty="0">
-                <a:solidFill>
-                  <a:schemeClr val="tx1"/>
-                </a:solidFill>
-              </a:rPr>
-              <a:t> </a:t>
-            </a:r>
-            <a:r>
-              <a:rPr lang="en-US" sz="1000" dirty="0" err="1">
-                <a:solidFill>
-                  <a:schemeClr val="tx1"/>
-                </a:solidFill>
-              </a:rPr>
-              <a:t>menggunakan</a:t>
-            </a:r>
-            <a:r>
-              <a:rPr lang="en-US" sz="1000" dirty="0">
-                <a:solidFill>
-                  <a:schemeClr val="tx1"/>
-                </a:solidFill>
-              </a:rPr>
-              <a:t> </a:t>
-            </a:r>
-            <a:r>
-              <a:rPr lang="en-US" sz="1000" b="1" i="1" dirty="0">
-                <a:solidFill>
-                  <a:schemeClr val="tx1"/>
-                </a:solidFill>
-              </a:rPr>
-              <a:t>triple store </a:t>
-            </a:r>
-            <a:r>
-              <a:rPr lang="en-US" sz="1000" b="1" dirty="0">
-                <a:solidFill>
-                  <a:schemeClr val="tx1"/>
-                </a:solidFill>
-              </a:rPr>
-              <a:t>yang </a:t>
-            </a:r>
-            <a:r>
-              <a:rPr lang="en-US" sz="1000" b="1" dirty="0" err="1">
-                <a:solidFill>
-                  <a:schemeClr val="tx1"/>
-                </a:solidFill>
-              </a:rPr>
-              <a:t>akan</a:t>
-            </a:r>
-            <a:r>
-              <a:rPr lang="en-US" sz="1000" b="1" dirty="0">
-                <a:solidFill>
-                  <a:schemeClr val="tx1"/>
-                </a:solidFill>
-              </a:rPr>
-              <a:t> </a:t>
-            </a:r>
-            <a:r>
-              <a:rPr lang="en-US" sz="1000" b="1" dirty="0" err="1">
-                <a:solidFill>
-                  <a:schemeClr val="tx1"/>
-                </a:solidFill>
-              </a:rPr>
-              <a:t>ditentukan</a:t>
-            </a:r>
-            <a:r>
-              <a:rPr lang="en-US" sz="1000" b="1" dirty="0">
-                <a:solidFill>
-                  <a:schemeClr val="tx1"/>
-                </a:solidFill>
-              </a:rPr>
-              <a:t> </a:t>
-            </a:r>
-            <a:r>
-              <a:rPr lang="en-US" sz="1000" b="1" dirty="0" err="1">
-                <a:solidFill>
-                  <a:schemeClr val="tx1"/>
-                </a:solidFill>
-              </a:rPr>
-              <a:t>kemudian</a:t>
-            </a:r>
-            <a:r>
-              <a:rPr lang="en-US" sz="1000" dirty="0">
-                <a:solidFill>
-                  <a:schemeClr val="tx1"/>
-                </a:solidFill>
-              </a:rPr>
-              <a:t>.</a:t>
-            </a:r>
-          </a:p>
-          <a:p>
-            <a:pPr marL="342900" lvl="0" algn="l" rtl="0">
-              <a:lnSpc>
-                <a:spcPct val="110000"/>
-              </a:lnSpc>
-              <a:spcBef>
-                <a:spcPts val="0"/>
-              </a:spcBef>
-              <a:spcAft>
-                <a:spcPts val="1200"/>
-              </a:spcAft>
-              <a:buClrTx/>
-              <a:buSzPct val="100000"/>
-              <a:buAutoNum type="arabicPeriod"/>
-            </a:pPr>
-            <a:r>
-              <a:rPr lang="en-US" sz="1000" b="1" dirty="0" err="1">
-                <a:solidFill>
-                  <a:schemeClr val="tx1"/>
-                </a:solidFill>
-              </a:rPr>
-              <a:t>Menyajikan</a:t>
-            </a:r>
-            <a:r>
-              <a:rPr lang="en-US" sz="1000" b="1" dirty="0">
-                <a:solidFill>
-                  <a:schemeClr val="tx1"/>
-                </a:solidFill>
-              </a:rPr>
-              <a:t> data </a:t>
-            </a:r>
-            <a:r>
-              <a:rPr lang="en-US" sz="1000" b="1" dirty="0" err="1">
-                <a:solidFill>
-                  <a:schemeClr val="tx1"/>
-                </a:solidFill>
-              </a:rPr>
-              <a:t>sejarah</a:t>
-            </a:r>
-            <a:br>
-              <a:rPr lang="en-US" sz="1000" b="1" dirty="0">
-                <a:solidFill>
-                  <a:schemeClr val="tx1"/>
-                </a:solidFill>
-              </a:rPr>
-            </a:br>
-            <a:r>
-              <a:rPr lang="en-US" sz="1000" dirty="0">
-                <a:solidFill>
-                  <a:schemeClr val="tx1"/>
-                </a:solidFill>
-              </a:rPr>
-              <a:t>Melakukan </a:t>
-            </a:r>
-            <a:r>
-              <a:rPr lang="en-US" sz="1000" b="1" i="1" dirty="0">
-                <a:solidFill>
-                  <a:schemeClr val="tx1"/>
-                </a:solidFill>
-              </a:rPr>
-              <a:t>user research</a:t>
-            </a:r>
-            <a:r>
-              <a:rPr lang="en-US" sz="1000" b="1" dirty="0">
-                <a:solidFill>
-                  <a:schemeClr val="tx1"/>
-                </a:solidFill>
-              </a:rPr>
-              <a:t> dengan </a:t>
-            </a:r>
-            <a:r>
-              <a:rPr lang="en-US" sz="1000" b="1" dirty="0" err="1">
-                <a:solidFill>
-                  <a:schemeClr val="tx1"/>
-                </a:solidFill>
-              </a:rPr>
-              <a:t>sejarawan</a:t>
-            </a:r>
-            <a:r>
-              <a:rPr lang="en-US" sz="1000" b="1" dirty="0">
-                <a:solidFill>
-                  <a:schemeClr val="tx1"/>
-                </a:solidFill>
-              </a:rPr>
-              <a:t> </a:t>
-            </a:r>
-            <a:r>
-              <a:rPr lang="en-US" sz="1000" dirty="0">
-                <a:solidFill>
-                  <a:schemeClr val="tx1"/>
-                </a:solidFill>
-              </a:rPr>
-              <a:t>untuk </a:t>
-            </a:r>
-            <a:r>
-              <a:rPr lang="en-US" sz="1000" dirty="0" err="1">
-                <a:solidFill>
-                  <a:schemeClr val="tx1"/>
-                </a:solidFill>
-              </a:rPr>
-              <a:t>menentukan</a:t>
-            </a:r>
-            <a:r>
-              <a:rPr lang="en-US" sz="1000" dirty="0">
-                <a:solidFill>
-                  <a:schemeClr val="tx1"/>
-                </a:solidFill>
-              </a:rPr>
-              <a:t> </a:t>
-            </a:r>
-            <a:r>
-              <a:rPr lang="en-US" sz="1000" dirty="0" err="1">
-                <a:solidFill>
-                  <a:schemeClr val="tx1"/>
-                </a:solidFill>
-              </a:rPr>
-              <a:t>penyajian</a:t>
-            </a:r>
-            <a:r>
-              <a:rPr lang="en-US" sz="1000" dirty="0">
-                <a:solidFill>
-                  <a:schemeClr val="tx1"/>
-                </a:solidFill>
-              </a:rPr>
-              <a:t> data </a:t>
-            </a:r>
-            <a:r>
-              <a:rPr lang="en-US" sz="1000" dirty="0" err="1">
-                <a:solidFill>
-                  <a:schemeClr val="tx1"/>
-                </a:solidFill>
-              </a:rPr>
-              <a:t>sejarah</a:t>
-            </a:r>
-            <a:r>
-              <a:rPr lang="en-US" sz="1000" dirty="0">
-                <a:solidFill>
-                  <a:schemeClr val="tx1"/>
-                </a:solidFill>
-              </a:rPr>
-              <a:t> yang baik, </a:t>
-            </a:r>
-            <a:r>
-              <a:rPr lang="en-US" sz="1000" dirty="0" err="1">
-                <a:solidFill>
-                  <a:schemeClr val="tx1"/>
-                </a:solidFill>
-              </a:rPr>
-              <a:t>menentukan</a:t>
-            </a:r>
-            <a:r>
-              <a:rPr lang="en-US" sz="1000" dirty="0">
-                <a:solidFill>
-                  <a:schemeClr val="tx1"/>
-                </a:solidFill>
-              </a:rPr>
-              <a:t> </a:t>
-            </a:r>
-            <a:r>
-              <a:rPr lang="en-US" sz="1000" i="1" dirty="0">
-                <a:solidFill>
-                  <a:schemeClr val="tx1"/>
-                </a:solidFill>
-              </a:rPr>
-              <a:t>framework </a:t>
-            </a:r>
-            <a:r>
-              <a:rPr lang="en-US" sz="1000" dirty="0">
-                <a:solidFill>
-                  <a:schemeClr val="tx1"/>
-                </a:solidFill>
-              </a:rPr>
-              <a:t>yang dapat </a:t>
-            </a:r>
-            <a:r>
-              <a:rPr lang="en-US" sz="1000" dirty="0" err="1">
-                <a:solidFill>
-                  <a:schemeClr val="tx1"/>
-                </a:solidFill>
-              </a:rPr>
-              <a:t>mendukung</a:t>
-            </a:r>
-            <a:r>
-              <a:rPr lang="en-US" sz="1000" dirty="0">
-                <a:solidFill>
-                  <a:schemeClr val="tx1"/>
-                </a:solidFill>
-              </a:rPr>
-              <a:t> </a:t>
-            </a:r>
-            <a:r>
-              <a:rPr lang="en-US" sz="1000" dirty="0" err="1">
-                <a:solidFill>
-                  <a:schemeClr val="tx1"/>
-                </a:solidFill>
-              </a:rPr>
-              <a:t>penyajian</a:t>
-            </a:r>
-            <a:r>
-              <a:rPr lang="en-US" sz="1000" dirty="0">
-                <a:solidFill>
-                  <a:schemeClr val="tx1"/>
-                </a:solidFill>
-              </a:rPr>
-              <a:t> </a:t>
-            </a:r>
-            <a:r>
-              <a:rPr lang="en-US" sz="1000" dirty="0" err="1">
-                <a:solidFill>
-                  <a:schemeClr val="tx1"/>
-                </a:solidFill>
-              </a:rPr>
-              <a:t>tersebut</a:t>
-            </a:r>
-            <a:r>
-              <a:rPr lang="en-US" sz="1000" dirty="0">
-                <a:solidFill>
-                  <a:schemeClr val="tx1"/>
-                </a:solidFill>
-              </a:rPr>
-              <a:t>, dan </a:t>
-            </a:r>
-            <a:r>
-              <a:rPr lang="en-US" sz="1000" dirty="0" err="1">
-                <a:solidFill>
-                  <a:schemeClr val="tx1"/>
-                </a:solidFill>
-              </a:rPr>
-              <a:t>mengimplementasikan</a:t>
-            </a:r>
-            <a:r>
-              <a:rPr lang="en-US" sz="1000" dirty="0">
-                <a:solidFill>
-                  <a:schemeClr val="tx1"/>
-                </a:solidFill>
-              </a:rPr>
-              <a:t> </a:t>
-            </a:r>
-            <a:r>
-              <a:rPr lang="en-US" sz="1000" dirty="0" err="1">
-                <a:solidFill>
-                  <a:schemeClr val="tx1"/>
-                </a:solidFill>
-              </a:rPr>
-              <a:t>penyajian</a:t>
-            </a:r>
-            <a:r>
-              <a:rPr lang="en-US" sz="1000" dirty="0">
-                <a:solidFill>
-                  <a:schemeClr val="tx1"/>
-                </a:solidFill>
-              </a:rPr>
-              <a:t> data </a:t>
-            </a:r>
-            <a:r>
-              <a:rPr lang="en-US" sz="1000" dirty="0" err="1">
-                <a:solidFill>
-                  <a:schemeClr val="tx1"/>
-                </a:solidFill>
-              </a:rPr>
-              <a:t>sejarah</a:t>
-            </a:r>
-            <a:r>
-              <a:rPr lang="en-US" sz="1000" dirty="0">
-                <a:solidFill>
-                  <a:schemeClr val="tx1"/>
-                </a:solidFill>
-              </a:rPr>
-              <a:t> </a:t>
-            </a:r>
-            <a:r>
-              <a:rPr lang="en-US" sz="1000" dirty="0" err="1">
-                <a:solidFill>
-                  <a:schemeClr val="tx1"/>
-                </a:solidFill>
-              </a:rPr>
-              <a:t>dari</a:t>
-            </a:r>
-            <a:r>
-              <a:rPr lang="en-US" sz="1000" dirty="0">
-                <a:solidFill>
-                  <a:schemeClr val="tx1"/>
-                </a:solidFill>
-              </a:rPr>
-              <a:t> </a:t>
-            </a:r>
-            <a:r>
-              <a:rPr lang="en-US" sz="1000" dirty="0" err="1">
-                <a:solidFill>
-                  <a:schemeClr val="tx1"/>
-                </a:solidFill>
-              </a:rPr>
-              <a:t>ontologi</a:t>
-            </a:r>
-            <a:r>
-              <a:rPr lang="en-US" sz="1000" dirty="0">
-                <a:solidFill>
-                  <a:schemeClr val="tx1"/>
-                </a:solidFill>
-              </a:rPr>
-              <a:t> yang </a:t>
-            </a:r>
-            <a:r>
-              <a:rPr lang="en-US" sz="1000" dirty="0" err="1">
-                <a:solidFill>
-                  <a:schemeClr val="tx1"/>
-                </a:solidFill>
-              </a:rPr>
-              <a:t>telah</a:t>
-            </a:r>
-            <a:r>
-              <a:rPr lang="en-US" sz="1000" dirty="0">
-                <a:solidFill>
-                  <a:schemeClr val="tx1"/>
-                </a:solidFill>
-              </a:rPr>
-              <a:t> </a:t>
-            </a:r>
-            <a:r>
-              <a:rPr lang="en-US" sz="1000" dirty="0" err="1">
-                <a:solidFill>
-                  <a:schemeClr val="tx1"/>
-                </a:solidFill>
-              </a:rPr>
-              <a:t>dikembangkan</a:t>
-            </a:r>
-            <a:r>
-              <a:rPr lang="en-US" sz="1000" dirty="0">
-                <a:solidFill>
-                  <a:schemeClr val="tx1"/>
-                </a:solidFill>
-              </a:rPr>
-              <a:t>. Dalam </a:t>
-            </a:r>
-            <a:r>
-              <a:rPr lang="en-US" sz="1000" dirty="0" err="1">
-                <a:solidFill>
-                  <a:schemeClr val="tx1"/>
-                </a:solidFill>
-              </a:rPr>
-              <a:t>tahapan</a:t>
-            </a:r>
-            <a:r>
-              <a:rPr lang="en-US" sz="1000" dirty="0">
-                <a:solidFill>
-                  <a:schemeClr val="tx1"/>
-                </a:solidFill>
-              </a:rPr>
-              <a:t> ini, </a:t>
-            </a:r>
-            <a:r>
-              <a:rPr lang="en-US" sz="1000" dirty="0" err="1">
-                <a:solidFill>
-                  <a:schemeClr val="tx1"/>
-                </a:solidFill>
-              </a:rPr>
-              <a:t>luaran</a:t>
-            </a:r>
-            <a:r>
-              <a:rPr lang="en-US" sz="1000" dirty="0">
-                <a:solidFill>
-                  <a:schemeClr val="tx1"/>
-                </a:solidFill>
-              </a:rPr>
-              <a:t> yang </a:t>
-            </a:r>
-            <a:r>
-              <a:rPr lang="en-US" sz="1000" dirty="0" err="1">
-                <a:solidFill>
-                  <a:schemeClr val="tx1"/>
-                </a:solidFill>
-              </a:rPr>
-              <a:t>dihasilkan</a:t>
-            </a:r>
-            <a:r>
-              <a:rPr lang="en-US" sz="1000" dirty="0">
-                <a:solidFill>
-                  <a:schemeClr val="tx1"/>
-                </a:solidFill>
-              </a:rPr>
-              <a:t> </a:t>
-            </a:r>
-            <a:r>
-              <a:rPr lang="en-US" sz="1000" dirty="0" err="1">
-                <a:solidFill>
-                  <a:schemeClr val="tx1"/>
-                </a:solidFill>
-              </a:rPr>
-              <a:t>adalah</a:t>
-            </a:r>
-            <a:r>
-              <a:rPr lang="en-US" sz="1000" dirty="0">
-                <a:solidFill>
-                  <a:schemeClr val="tx1"/>
-                </a:solidFill>
-              </a:rPr>
-              <a:t> </a:t>
-            </a:r>
-            <a:r>
-              <a:rPr lang="en-US" sz="1000" b="1" dirty="0" err="1">
-                <a:solidFill>
-                  <a:schemeClr val="tx1"/>
-                </a:solidFill>
-              </a:rPr>
-              <a:t>aplikasi</a:t>
-            </a:r>
-            <a:r>
-              <a:rPr lang="en-US" sz="1000" b="1" dirty="0">
-                <a:solidFill>
-                  <a:schemeClr val="tx1"/>
-                </a:solidFill>
-              </a:rPr>
-              <a:t> </a:t>
-            </a:r>
-            <a:r>
-              <a:rPr lang="en-US" sz="1000" b="1" dirty="0" err="1">
-                <a:solidFill>
-                  <a:schemeClr val="tx1"/>
-                </a:solidFill>
-              </a:rPr>
-              <a:t>penyajian</a:t>
-            </a:r>
-            <a:r>
-              <a:rPr lang="en-US" sz="1000" b="1" dirty="0">
-                <a:solidFill>
-                  <a:schemeClr val="tx1"/>
-                </a:solidFill>
-              </a:rPr>
-              <a:t> data </a:t>
-            </a:r>
-            <a:r>
-              <a:rPr lang="en-US" sz="1000" dirty="0">
-                <a:solidFill>
-                  <a:schemeClr val="tx1"/>
-                </a:solidFill>
-              </a:rPr>
-              <a:t>yang dapat </a:t>
-            </a:r>
-            <a:r>
-              <a:rPr lang="en-US" sz="1000" dirty="0" err="1">
-                <a:solidFill>
-                  <a:schemeClr val="tx1"/>
-                </a:solidFill>
-              </a:rPr>
-              <a:t>digunakan</a:t>
-            </a:r>
-            <a:r>
-              <a:rPr lang="en-US" sz="1000" dirty="0">
-                <a:solidFill>
-                  <a:schemeClr val="tx1"/>
-                </a:solidFill>
-              </a:rPr>
-              <a:t> untuk </a:t>
-            </a:r>
-            <a:r>
-              <a:rPr lang="en-US" sz="1000" dirty="0" err="1">
-                <a:solidFill>
-                  <a:schemeClr val="tx1"/>
-                </a:solidFill>
-              </a:rPr>
-              <a:t>melihat</a:t>
-            </a:r>
-            <a:r>
-              <a:rPr lang="en-US" sz="1000" dirty="0">
-                <a:solidFill>
-                  <a:schemeClr val="tx1"/>
-                </a:solidFill>
-              </a:rPr>
-              <a:t> dan </a:t>
-            </a:r>
-            <a:r>
-              <a:rPr lang="en-US" sz="1000" dirty="0" err="1">
-                <a:solidFill>
-                  <a:schemeClr val="tx1"/>
-                </a:solidFill>
-              </a:rPr>
-              <a:t>mengakses</a:t>
-            </a:r>
-            <a:r>
-              <a:rPr lang="en-US" sz="1000" dirty="0">
-                <a:solidFill>
-                  <a:schemeClr val="tx1"/>
-                </a:solidFill>
-              </a:rPr>
-              <a:t> data </a:t>
-            </a:r>
-            <a:r>
-              <a:rPr lang="en-US" sz="1000" dirty="0" err="1">
-                <a:solidFill>
-                  <a:schemeClr val="tx1"/>
-                </a:solidFill>
-              </a:rPr>
-              <a:t>sejarah</a:t>
-            </a:r>
-            <a:r>
-              <a:rPr lang="en-US" sz="1000" dirty="0">
-                <a:solidFill>
-                  <a:schemeClr val="tx1"/>
-                </a:solidFill>
-              </a:rPr>
-              <a:t> Indonesia </a:t>
-            </a:r>
-            <a:r>
-              <a:rPr lang="en-US" sz="1000" dirty="0" err="1">
-                <a:solidFill>
-                  <a:schemeClr val="tx1"/>
-                </a:solidFill>
-              </a:rPr>
-              <a:t>selama</a:t>
-            </a:r>
-            <a:r>
-              <a:rPr lang="en-US" sz="1000" dirty="0">
-                <a:solidFill>
-                  <a:schemeClr val="tx1"/>
-                </a:solidFill>
-              </a:rPr>
-              <a:t> </a:t>
-            </a:r>
-            <a:r>
-              <a:rPr lang="en-US" sz="1000" dirty="0" err="1">
-                <a:solidFill>
-                  <a:schemeClr val="tx1"/>
-                </a:solidFill>
-              </a:rPr>
-              <a:t>periode</a:t>
-            </a:r>
-            <a:r>
-              <a:rPr lang="en-US" sz="1000" dirty="0">
-                <a:solidFill>
-                  <a:schemeClr val="tx1"/>
-                </a:solidFill>
-              </a:rPr>
-              <a:t> Orde Baru dalam format </a:t>
-            </a:r>
-            <a:r>
-              <a:rPr lang="en-US" sz="1000" i="1" dirty="0">
-                <a:solidFill>
-                  <a:schemeClr val="tx1"/>
-                </a:solidFill>
-              </a:rPr>
-              <a:t>timeline</a:t>
-            </a:r>
-            <a:r>
-              <a:rPr lang="en-US" sz="1000" dirty="0">
-                <a:solidFill>
-                  <a:schemeClr val="tx1"/>
-                </a:solidFill>
-              </a:rPr>
-              <a:t>, </a:t>
-            </a:r>
-            <a:r>
-              <a:rPr lang="en-US" sz="1000" dirty="0" err="1">
-                <a:solidFill>
-                  <a:schemeClr val="tx1"/>
-                </a:solidFill>
-              </a:rPr>
-              <a:t>tabel</a:t>
-            </a:r>
-            <a:r>
-              <a:rPr lang="en-US" sz="1000" dirty="0">
-                <a:solidFill>
-                  <a:schemeClr val="tx1"/>
-                </a:solidFill>
-              </a:rPr>
-              <a:t>, atau </a:t>
-            </a:r>
-            <a:r>
-              <a:rPr lang="en-US" sz="1000" dirty="0" err="1">
-                <a:solidFill>
-                  <a:schemeClr val="tx1"/>
-                </a:solidFill>
-              </a:rPr>
-              <a:t>sebagainya</a:t>
-            </a:r>
-            <a:r>
-              <a:rPr lang="en-US" sz="1000" dirty="0">
-                <a:solidFill>
-                  <a:schemeClr val="tx1"/>
-                </a:solidFill>
-              </a:rPr>
-              <a:t>.</a:t>
-            </a:r>
-            <a:endParaRPr lang="en-US" sz="1000" b="1" dirty="0">
-              <a:solidFill>
-                <a:schemeClr val="tx1"/>
-              </a:solidFill>
-            </a:endParaRPr>
-          </a:p>
-          <a:p>
-            <a:pPr marL="342900" lvl="0" algn="l" rtl="0">
-              <a:lnSpc>
-                <a:spcPct val="110000"/>
-              </a:lnSpc>
-              <a:spcBef>
-                <a:spcPts val="0"/>
-              </a:spcBef>
-              <a:spcAft>
-                <a:spcPts val="1200"/>
-              </a:spcAft>
-              <a:buClrTx/>
-              <a:buSzPct val="100000"/>
-              <a:buAutoNum type="arabicPeriod"/>
-            </a:pPr>
-            <a:r>
-              <a:rPr lang="en-US" sz="1000" b="1" dirty="0" err="1">
-                <a:solidFill>
-                  <a:schemeClr val="tx1"/>
-                </a:solidFill>
-              </a:rPr>
-              <a:t>Evaluasi</a:t>
-            </a:r>
-            <a:r>
-              <a:rPr lang="en-US" sz="1000" b="1" dirty="0">
-                <a:solidFill>
-                  <a:schemeClr val="tx1"/>
-                </a:solidFill>
-              </a:rPr>
-              <a:t> dan </a:t>
-            </a:r>
-            <a:r>
-              <a:rPr lang="en-US" sz="1000" b="1" dirty="0" err="1">
-                <a:solidFill>
-                  <a:schemeClr val="tx1"/>
-                </a:solidFill>
-              </a:rPr>
-              <a:t>revisi</a:t>
-            </a:r>
-            <a:br>
-              <a:rPr lang="en-US" sz="1000" dirty="0">
-                <a:solidFill>
-                  <a:schemeClr val="tx1"/>
-                </a:solidFill>
-              </a:rPr>
-            </a:br>
-            <a:r>
-              <a:rPr lang="en-US" sz="1000" dirty="0" err="1">
-                <a:solidFill>
-                  <a:schemeClr val="tx1"/>
-                </a:solidFill>
-              </a:rPr>
-              <a:t>Menilai</a:t>
-            </a:r>
-            <a:r>
-              <a:rPr lang="en-US" sz="1000" dirty="0">
-                <a:solidFill>
-                  <a:schemeClr val="tx1"/>
-                </a:solidFill>
-              </a:rPr>
-              <a:t> </a:t>
-            </a:r>
-            <a:r>
-              <a:rPr lang="en-US" sz="1000" dirty="0" err="1">
-                <a:solidFill>
-                  <a:schemeClr val="tx1"/>
-                </a:solidFill>
-              </a:rPr>
-              <a:t>penyajian</a:t>
-            </a:r>
-            <a:r>
-              <a:rPr lang="en-US" sz="1000" dirty="0">
-                <a:solidFill>
-                  <a:schemeClr val="tx1"/>
-                </a:solidFill>
-              </a:rPr>
-              <a:t> data </a:t>
-            </a:r>
-            <a:r>
-              <a:rPr lang="en-US" sz="1000" dirty="0" err="1">
-                <a:solidFill>
-                  <a:schemeClr val="tx1"/>
-                </a:solidFill>
-              </a:rPr>
-              <a:t>sejarah</a:t>
-            </a:r>
-            <a:r>
-              <a:rPr lang="en-US" sz="1000" dirty="0">
-                <a:solidFill>
-                  <a:schemeClr val="tx1"/>
-                </a:solidFill>
-              </a:rPr>
-              <a:t> Indonesia </a:t>
-            </a:r>
-            <a:r>
-              <a:rPr lang="en-US" sz="1000" dirty="0" err="1">
-                <a:solidFill>
-                  <a:schemeClr val="tx1"/>
-                </a:solidFill>
-              </a:rPr>
-              <a:t>selama</a:t>
-            </a:r>
-            <a:r>
-              <a:rPr lang="en-US" sz="1000" dirty="0">
-                <a:solidFill>
-                  <a:schemeClr val="tx1"/>
-                </a:solidFill>
-              </a:rPr>
-              <a:t> </a:t>
-            </a:r>
-            <a:r>
-              <a:rPr lang="en-US" sz="1000" dirty="0" err="1">
-                <a:solidFill>
-                  <a:schemeClr val="tx1"/>
-                </a:solidFill>
-              </a:rPr>
-              <a:t>periode</a:t>
-            </a:r>
-            <a:r>
-              <a:rPr lang="en-US" sz="1000" dirty="0">
-                <a:solidFill>
-                  <a:schemeClr val="tx1"/>
-                </a:solidFill>
-              </a:rPr>
-              <a:t> Orde Baru yang </a:t>
-            </a:r>
-            <a:r>
-              <a:rPr lang="en-US" sz="1000" dirty="0" err="1">
-                <a:solidFill>
-                  <a:schemeClr val="tx1"/>
-                </a:solidFill>
-              </a:rPr>
-              <a:t>telah</a:t>
-            </a:r>
-            <a:r>
-              <a:rPr lang="en-US" sz="1000" dirty="0">
-                <a:solidFill>
-                  <a:schemeClr val="tx1"/>
-                </a:solidFill>
-              </a:rPr>
-              <a:t> </a:t>
-            </a:r>
-            <a:r>
-              <a:rPr lang="en-US" sz="1000" dirty="0" err="1">
-                <a:solidFill>
-                  <a:schemeClr val="tx1"/>
-                </a:solidFill>
-              </a:rPr>
-              <a:t>dibuat</a:t>
-            </a:r>
-            <a:r>
-              <a:rPr lang="en-US" sz="1000" dirty="0">
-                <a:solidFill>
-                  <a:schemeClr val="tx1"/>
-                </a:solidFill>
-              </a:rPr>
-              <a:t> dengan </a:t>
-            </a:r>
-            <a:r>
-              <a:rPr lang="en-US" sz="1000" dirty="0" err="1">
-                <a:solidFill>
-                  <a:schemeClr val="tx1"/>
-                </a:solidFill>
-              </a:rPr>
-              <a:t>melibatkan</a:t>
-            </a:r>
-            <a:r>
-              <a:rPr lang="en-US" sz="1000" dirty="0">
-                <a:solidFill>
-                  <a:schemeClr val="tx1"/>
-                </a:solidFill>
-              </a:rPr>
-              <a:t> </a:t>
-            </a:r>
-            <a:r>
-              <a:rPr lang="en-US" sz="1000" b="1" dirty="0" err="1">
-                <a:solidFill>
-                  <a:schemeClr val="tx1"/>
-                </a:solidFill>
-              </a:rPr>
-              <a:t>sejarawan</a:t>
-            </a:r>
-            <a:r>
-              <a:rPr lang="en-US" sz="1000" b="1" dirty="0">
-                <a:solidFill>
-                  <a:schemeClr val="tx1"/>
-                </a:solidFill>
-              </a:rPr>
-              <a:t> </a:t>
-            </a:r>
-            <a:r>
-              <a:rPr lang="en-US" sz="1000" b="1" dirty="0" err="1">
-                <a:solidFill>
-                  <a:schemeClr val="tx1"/>
-                </a:solidFill>
-              </a:rPr>
-              <a:t>sebagai</a:t>
-            </a:r>
-            <a:r>
-              <a:rPr lang="en-US" sz="1000" b="1" dirty="0">
-                <a:solidFill>
-                  <a:schemeClr val="tx1"/>
-                </a:solidFill>
-              </a:rPr>
-              <a:t> </a:t>
-            </a:r>
-            <a:r>
-              <a:rPr lang="en-US" sz="1000" b="1" dirty="0" err="1">
-                <a:solidFill>
-                  <a:schemeClr val="tx1"/>
-                </a:solidFill>
-              </a:rPr>
-              <a:t>pengguna</a:t>
-            </a:r>
-            <a:r>
-              <a:rPr lang="en-US" sz="1000" dirty="0">
-                <a:solidFill>
-                  <a:schemeClr val="tx1"/>
-                </a:solidFill>
-              </a:rPr>
-              <a:t>. </a:t>
-            </a:r>
-            <a:r>
-              <a:rPr lang="en-US" sz="1000" dirty="0" err="1">
-                <a:solidFill>
-                  <a:schemeClr val="tx1"/>
-                </a:solidFill>
-              </a:rPr>
-              <a:t>Penilaian</a:t>
-            </a:r>
-            <a:r>
-              <a:rPr lang="en-US" sz="1000" dirty="0">
-                <a:solidFill>
-                  <a:schemeClr val="tx1"/>
-                </a:solidFill>
-              </a:rPr>
-              <a:t> ini </a:t>
-            </a:r>
-            <a:r>
-              <a:rPr lang="en-US" sz="1000" dirty="0" err="1">
-                <a:solidFill>
-                  <a:schemeClr val="tx1"/>
-                </a:solidFill>
-              </a:rPr>
-              <a:t>dilakukan</a:t>
-            </a:r>
-            <a:r>
-              <a:rPr lang="en-US" sz="1000" dirty="0">
-                <a:solidFill>
-                  <a:schemeClr val="tx1"/>
-                </a:solidFill>
-              </a:rPr>
-              <a:t> dengan </a:t>
-            </a:r>
-            <a:r>
-              <a:rPr lang="en-US" sz="1000" dirty="0" err="1">
-                <a:solidFill>
-                  <a:schemeClr val="tx1"/>
-                </a:solidFill>
-              </a:rPr>
-              <a:t>menggunakan</a:t>
-            </a:r>
-            <a:r>
-              <a:rPr lang="en-US" sz="1000" dirty="0">
-                <a:solidFill>
-                  <a:schemeClr val="tx1"/>
-                </a:solidFill>
-              </a:rPr>
-              <a:t> </a:t>
-            </a:r>
-            <a:r>
-              <a:rPr lang="en-US" sz="1000" dirty="0" err="1">
-                <a:solidFill>
-                  <a:schemeClr val="tx1"/>
-                </a:solidFill>
-              </a:rPr>
-              <a:t>berbagai</a:t>
-            </a:r>
-            <a:r>
-              <a:rPr lang="en-US" sz="1000" dirty="0">
-                <a:solidFill>
-                  <a:schemeClr val="tx1"/>
-                </a:solidFill>
-              </a:rPr>
-              <a:t> </a:t>
-            </a:r>
-            <a:r>
-              <a:rPr lang="en-US" sz="1000" dirty="0" err="1">
-                <a:solidFill>
-                  <a:schemeClr val="tx1"/>
-                </a:solidFill>
-              </a:rPr>
-              <a:t>metode</a:t>
-            </a:r>
-            <a:r>
-              <a:rPr lang="en-US" sz="1000" dirty="0">
-                <a:solidFill>
-                  <a:schemeClr val="tx1"/>
-                </a:solidFill>
-              </a:rPr>
-              <a:t> </a:t>
-            </a:r>
-            <a:r>
-              <a:rPr lang="en-US" sz="1000" dirty="0" err="1">
-                <a:solidFill>
-                  <a:schemeClr val="tx1"/>
-                </a:solidFill>
-              </a:rPr>
-              <a:t>pengujian</a:t>
-            </a:r>
-            <a:r>
-              <a:rPr lang="en-US" sz="1000" dirty="0">
-                <a:solidFill>
-                  <a:schemeClr val="tx1"/>
-                </a:solidFill>
-              </a:rPr>
-              <a:t>, </a:t>
-            </a:r>
-            <a:r>
-              <a:rPr lang="en-US" sz="1000" dirty="0" err="1">
-                <a:solidFill>
-                  <a:schemeClr val="tx1"/>
-                </a:solidFill>
-              </a:rPr>
-              <a:t>seperti</a:t>
-            </a:r>
-            <a:r>
-              <a:rPr lang="en-US" sz="1000" dirty="0">
-                <a:solidFill>
-                  <a:schemeClr val="tx1"/>
-                </a:solidFill>
-              </a:rPr>
-              <a:t> </a:t>
-            </a:r>
-            <a:r>
-              <a:rPr lang="en-US" sz="1000" i="1" dirty="0">
-                <a:solidFill>
-                  <a:schemeClr val="tx1"/>
-                </a:solidFill>
-              </a:rPr>
-              <a:t>usability testing</a:t>
-            </a:r>
-            <a:r>
-              <a:rPr lang="en-US" sz="1000" dirty="0">
-                <a:solidFill>
-                  <a:schemeClr val="tx1"/>
-                </a:solidFill>
-              </a:rPr>
-              <a:t> dan/atau </a:t>
-            </a:r>
-            <a:r>
-              <a:rPr lang="en-US" sz="1000" i="1" dirty="0">
-                <a:solidFill>
-                  <a:schemeClr val="tx1"/>
-                </a:solidFill>
-              </a:rPr>
-              <a:t>user acceptance testing</a:t>
-            </a:r>
-            <a:r>
-              <a:rPr lang="en-US" sz="1000" dirty="0">
-                <a:solidFill>
-                  <a:schemeClr val="tx1"/>
-                </a:solidFill>
-              </a:rPr>
-              <a:t>. Jika </a:t>
-            </a:r>
-            <a:r>
-              <a:rPr lang="en-US" sz="1000" dirty="0" err="1">
-                <a:solidFill>
-                  <a:schemeClr val="tx1"/>
-                </a:solidFill>
-              </a:rPr>
-              <a:t>terdapat</a:t>
-            </a:r>
-            <a:r>
-              <a:rPr lang="en-US" sz="1000" dirty="0">
-                <a:solidFill>
-                  <a:schemeClr val="tx1"/>
-                </a:solidFill>
-              </a:rPr>
-              <a:t> </a:t>
-            </a:r>
-            <a:r>
-              <a:rPr lang="en-US" sz="1000" dirty="0" err="1">
-                <a:solidFill>
-                  <a:schemeClr val="tx1"/>
-                </a:solidFill>
-              </a:rPr>
-              <a:t>kualitas</a:t>
-            </a:r>
-            <a:r>
-              <a:rPr lang="en-US" sz="1000" dirty="0">
-                <a:solidFill>
-                  <a:schemeClr val="tx1"/>
-                </a:solidFill>
-              </a:rPr>
-              <a:t> atau </a:t>
-            </a:r>
-            <a:r>
-              <a:rPr lang="en-US" sz="1000" dirty="0" err="1">
-                <a:solidFill>
-                  <a:schemeClr val="tx1"/>
-                </a:solidFill>
-              </a:rPr>
-              <a:t>kekurangan</a:t>
-            </a:r>
-            <a:r>
-              <a:rPr lang="en-US" sz="1000" dirty="0">
-                <a:solidFill>
-                  <a:schemeClr val="tx1"/>
-                </a:solidFill>
-              </a:rPr>
-              <a:t> yang perlu </a:t>
-            </a:r>
-            <a:r>
-              <a:rPr lang="en-US" sz="1000" dirty="0" err="1">
-                <a:solidFill>
-                  <a:schemeClr val="tx1"/>
-                </a:solidFill>
-              </a:rPr>
-              <a:t>diperbaiki</a:t>
-            </a:r>
-            <a:r>
-              <a:rPr lang="en-US" sz="1000" dirty="0">
-                <a:solidFill>
-                  <a:schemeClr val="tx1"/>
-                </a:solidFill>
-              </a:rPr>
-              <a:t>, </a:t>
-            </a:r>
-            <a:r>
-              <a:rPr lang="en-US" sz="1000" dirty="0" err="1">
-                <a:solidFill>
-                  <a:schemeClr val="tx1"/>
-                </a:solidFill>
-              </a:rPr>
-              <a:t>akan</a:t>
-            </a:r>
-            <a:r>
-              <a:rPr lang="en-US" sz="1000" dirty="0">
-                <a:solidFill>
-                  <a:schemeClr val="tx1"/>
-                </a:solidFill>
-              </a:rPr>
-              <a:t> </a:t>
-            </a:r>
-            <a:r>
-              <a:rPr lang="en-US" sz="1000" dirty="0" err="1">
-                <a:solidFill>
-                  <a:schemeClr val="tx1"/>
-                </a:solidFill>
-              </a:rPr>
-              <a:t>dilakukan</a:t>
-            </a:r>
-            <a:r>
-              <a:rPr lang="en-US" sz="1000" dirty="0">
-                <a:solidFill>
-                  <a:schemeClr val="tx1"/>
-                </a:solidFill>
-              </a:rPr>
-              <a:t> </a:t>
-            </a:r>
-            <a:r>
-              <a:rPr lang="en-US" sz="1000" dirty="0" err="1">
-                <a:solidFill>
-                  <a:schemeClr val="tx1"/>
-                </a:solidFill>
-              </a:rPr>
-              <a:t>revisi</a:t>
-            </a:r>
-            <a:r>
-              <a:rPr lang="en-US" sz="1000" dirty="0">
-                <a:solidFill>
-                  <a:schemeClr val="tx1"/>
-                </a:solidFill>
-              </a:rPr>
-              <a:t> </a:t>
-            </a:r>
-            <a:r>
-              <a:rPr lang="en-US" sz="1000" dirty="0" err="1">
-                <a:solidFill>
-                  <a:schemeClr val="tx1"/>
-                </a:solidFill>
-              </a:rPr>
-              <a:t>sesuai</a:t>
-            </a:r>
-            <a:r>
-              <a:rPr lang="en-US" sz="1000" dirty="0">
-                <a:solidFill>
-                  <a:schemeClr val="tx1"/>
-                </a:solidFill>
-              </a:rPr>
-              <a:t> dengan </a:t>
-            </a:r>
-            <a:r>
-              <a:rPr lang="en-US" sz="1000" dirty="0" err="1">
-                <a:solidFill>
-                  <a:schemeClr val="tx1"/>
-                </a:solidFill>
-              </a:rPr>
-              <a:t>hasil</a:t>
-            </a:r>
-            <a:r>
-              <a:rPr lang="en-US" sz="1000" dirty="0">
-                <a:solidFill>
-                  <a:schemeClr val="tx1"/>
-                </a:solidFill>
-              </a:rPr>
-              <a:t> </a:t>
-            </a:r>
-            <a:r>
-              <a:rPr lang="en-US" sz="1000" dirty="0" err="1">
-                <a:solidFill>
-                  <a:schemeClr val="tx1"/>
-                </a:solidFill>
-              </a:rPr>
-              <a:t>penilaian</a:t>
-            </a:r>
-            <a:r>
-              <a:rPr lang="en-US" sz="1000" dirty="0">
+              <a:rPr lang="en-US" sz="1200" dirty="0">
                 <a:solidFill>
                   <a:schemeClr val="tx1"/>
                 </a:solidFill>
@@ -18068,6 +17138,1432 @@
 </file>
 
 <file path=ppt/slides/slide7.xml><?xml version="1.0" encoding="utf-8"?>
+<p:sld xmlns:a="http://schemas.openxmlformats.org/drawingml/2006/main" xmlns:r="http://schemas.openxmlformats.org/officeDocument/2006/relationships" xmlns:p="http://schemas.openxmlformats.org/presentationml/2006/main">
+  <p:cSld>
+    <p:spTree>
+      <p:nvGrpSpPr>
+        <p:cNvPr id="1" name="Shape 78"/>
+        <p:cNvGrpSpPr/>
+        <p:nvPr/>
+      </p:nvGrpSpPr>
+      <p:grpSpPr>
+        <a:xfrm>
+          <a:off x="0" y="0"/>
+          <a:ext cx="0" cy="0"/>
+          <a:chOff x="0" y="0"/>
+          <a:chExt cx="0" cy="0"/>
+        </a:xfrm>
+      </p:grpSpPr>
+      <p:sp>
+        <p:nvSpPr>
+          <p:cNvPr id="79" name="Google Shape;79;p5"/>
+          <p:cNvSpPr txBox="1">
+            <a:spLocks noGrp="1"/>
+          </p:cNvSpPr>
+          <p:nvPr>
+            <p:ph type="title"/>
+          </p:nvPr>
+        </p:nvSpPr>
+        <p:spPr>
+          <a:xfrm>
+            <a:off x="311700" y="445025"/>
+            <a:ext cx="8520600" cy="572700"/>
+          </a:xfrm>
+          <a:prstGeom prst="rect">
+            <a:avLst/>
+          </a:prstGeom>
+          <a:noFill/>
+          <a:ln>
+            <a:noFill/>
+          </a:ln>
+        </p:spPr>
+        <p:txBody>
+          <a:bodyPr spcFirstLastPara="1" wrap="square" lIns="91425" tIns="91425" rIns="91425" bIns="91425" anchor="t" anchorCtr="0">
+            <a:normAutofit fontScale="90000"/>
+          </a:bodyPr>
+          <a:lstStyle/>
+          <a:p>
+            <a:pPr marL="0" lvl="0" indent="0" algn="l" rtl="0">
+              <a:lnSpc>
+                <a:spcPct val="100000"/>
+              </a:lnSpc>
+              <a:spcBef>
+                <a:spcPts val="0"/>
+              </a:spcBef>
+              <a:spcAft>
+                <a:spcPts val="0"/>
+              </a:spcAft>
+              <a:buSzPct val="111111"/>
+              <a:buNone/>
+            </a:pPr>
+            <a:r>
+              <a:rPr lang="en-US" dirty="0" err="1"/>
+              <a:t>Metode</a:t>
+            </a:r>
+            <a:r>
+              <a:rPr lang="en-US" dirty="0"/>
+              <a:t> </a:t>
+            </a:r>
+            <a:r>
+              <a:rPr lang="en-US" dirty="0" err="1"/>
+              <a:t>Pemecahan</a:t>
+            </a:r>
+            <a:r>
+              <a:rPr lang="en-US" dirty="0"/>
+              <a:t> </a:t>
+            </a:r>
+            <a:r>
+              <a:rPr lang="en-US" dirty="0" err="1"/>
+              <a:t>Masalah</a:t>
+            </a:r>
+            <a:endParaRPr dirty="0"/>
+          </a:p>
+        </p:txBody>
+      </p:sp>
+      <p:sp>
+        <p:nvSpPr>
+          <p:cNvPr id="80" name="Google Shape;80;p5"/>
+          <p:cNvSpPr txBox="1">
+            <a:spLocks noGrp="1"/>
+          </p:cNvSpPr>
+          <p:nvPr>
+            <p:ph type="body" idx="1"/>
+          </p:nvPr>
+        </p:nvSpPr>
+        <p:spPr>
+          <a:xfrm>
+            <a:off x="311700" y="1152475"/>
+            <a:ext cx="8520600" cy="3416400"/>
+          </a:xfrm>
+          <a:prstGeom prst="rect">
+            <a:avLst/>
+          </a:prstGeom>
+          <a:noFill/>
+          <a:ln>
+            <a:noFill/>
+          </a:ln>
+        </p:spPr>
+        <p:txBody>
+          <a:bodyPr spcFirstLastPara="1" wrap="square" lIns="91425" tIns="91425" rIns="91425" bIns="91425" anchor="t" anchorCtr="0">
+            <a:normAutofit/>
+          </a:bodyPr>
+          <a:lstStyle/>
+          <a:p>
+            <a:pPr marL="342900" lvl="0" algn="l" rtl="0">
+              <a:lnSpc>
+                <a:spcPct val="110000"/>
+              </a:lnSpc>
+              <a:spcBef>
+                <a:spcPts val="0"/>
+              </a:spcBef>
+              <a:spcAft>
+                <a:spcPts val="1200"/>
+              </a:spcAft>
+              <a:buClrTx/>
+              <a:buSzPct val="100000"/>
+              <a:buFont typeface="+mj-lt"/>
+              <a:buAutoNum type="arabicPeriod" startAt="4"/>
+            </a:pPr>
+            <a:r>
+              <a:rPr lang="en-US" sz="1200" b="1" dirty="0" err="1">
+                <a:solidFill>
+                  <a:schemeClr val="tx1"/>
+                </a:solidFill>
+              </a:rPr>
+              <a:t>Menyajikan</a:t>
+            </a:r>
+            <a:r>
+              <a:rPr lang="en-US" sz="1200" b="1" dirty="0">
+                <a:solidFill>
+                  <a:schemeClr val="tx1"/>
+                </a:solidFill>
+              </a:rPr>
+              <a:t> data </a:t>
+            </a:r>
+            <a:r>
+              <a:rPr lang="en-US" sz="1200" b="1" dirty="0" err="1">
+                <a:solidFill>
+                  <a:schemeClr val="tx1"/>
+                </a:solidFill>
+              </a:rPr>
+              <a:t>sejarah</a:t>
+            </a:r>
+            <a:br>
+              <a:rPr lang="en-US" sz="1200" b="1" dirty="0">
+                <a:solidFill>
+                  <a:schemeClr val="tx1"/>
+                </a:solidFill>
+              </a:rPr>
+            </a:br>
+            <a:r>
+              <a:rPr lang="en-US" sz="1200" dirty="0" err="1">
+                <a:solidFill>
+                  <a:schemeClr val="tx1"/>
+                </a:solidFill>
+              </a:rPr>
+              <a:t>Melakukan</a:t>
+            </a:r>
+            <a:r>
+              <a:rPr lang="en-US" sz="1200" dirty="0">
+                <a:solidFill>
+                  <a:schemeClr val="tx1"/>
+                </a:solidFill>
+              </a:rPr>
+              <a:t> </a:t>
+            </a:r>
+            <a:r>
+              <a:rPr lang="en-US" sz="1200" b="1" i="1" dirty="0">
+                <a:solidFill>
+                  <a:schemeClr val="tx1"/>
+                </a:solidFill>
+              </a:rPr>
+              <a:t>user research</a:t>
+            </a:r>
+            <a:r>
+              <a:rPr lang="en-US" sz="1200" b="1" dirty="0">
+                <a:solidFill>
+                  <a:schemeClr val="tx1"/>
+                </a:solidFill>
+              </a:rPr>
+              <a:t> </a:t>
+            </a:r>
+            <a:r>
+              <a:rPr lang="en-US" sz="1200" b="1" dirty="0" err="1">
+                <a:solidFill>
+                  <a:schemeClr val="tx1"/>
+                </a:solidFill>
+              </a:rPr>
+              <a:t>dengan</a:t>
+            </a:r>
+            <a:r>
+              <a:rPr lang="en-US" sz="1200" b="1" dirty="0">
+                <a:solidFill>
+                  <a:schemeClr val="tx1"/>
+                </a:solidFill>
+              </a:rPr>
+              <a:t> </a:t>
+            </a:r>
+            <a:r>
+              <a:rPr lang="en-US" sz="1200" b="1" dirty="0" err="1">
+                <a:solidFill>
+                  <a:schemeClr val="tx1"/>
+                </a:solidFill>
+              </a:rPr>
+              <a:t>sejarawan</a:t>
+            </a:r>
+            <a:r>
+              <a:rPr lang="en-US" sz="1200" b="1" dirty="0">
+                <a:solidFill>
+                  <a:schemeClr val="tx1"/>
+                </a:solidFill>
+              </a:rPr>
+              <a:t> </a:t>
+            </a:r>
+            <a:r>
+              <a:rPr lang="en-US" sz="1200" dirty="0">
+                <a:solidFill>
+                  <a:schemeClr val="tx1"/>
+                </a:solidFill>
+              </a:rPr>
+              <a:t>untuk </a:t>
+            </a:r>
+            <a:r>
+              <a:rPr lang="en-US" sz="1200" dirty="0" err="1">
+                <a:solidFill>
+                  <a:schemeClr val="tx1"/>
+                </a:solidFill>
+              </a:rPr>
+              <a:t>menentukan</a:t>
+            </a:r>
+            <a:r>
+              <a:rPr lang="en-US" sz="1200" dirty="0">
+                <a:solidFill>
+                  <a:schemeClr val="tx1"/>
+                </a:solidFill>
+              </a:rPr>
+              <a:t> </a:t>
+            </a:r>
+            <a:r>
+              <a:rPr lang="en-US" sz="1200" dirty="0" err="1">
+                <a:solidFill>
+                  <a:schemeClr val="tx1"/>
+                </a:solidFill>
+              </a:rPr>
+              <a:t>penyajian</a:t>
+            </a:r>
+            <a:r>
+              <a:rPr lang="en-US" sz="1200" dirty="0">
+                <a:solidFill>
+                  <a:schemeClr val="tx1"/>
+                </a:solidFill>
+              </a:rPr>
+              <a:t> data </a:t>
+            </a:r>
+            <a:r>
+              <a:rPr lang="en-US" sz="1200" dirty="0" err="1">
+                <a:solidFill>
+                  <a:schemeClr val="tx1"/>
+                </a:solidFill>
+              </a:rPr>
+              <a:t>sejarah</a:t>
+            </a:r>
+            <a:r>
+              <a:rPr lang="en-US" sz="1200" dirty="0">
+                <a:solidFill>
+                  <a:schemeClr val="tx1"/>
+                </a:solidFill>
+              </a:rPr>
+              <a:t> yang </a:t>
+            </a:r>
+            <a:r>
+              <a:rPr lang="en-US" sz="1200" dirty="0" err="1">
+                <a:solidFill>
+                  <a:schemeClr val="tx1"/>
+                </a:solidFill>
+              </a:rPr>
+              <a:t>baik</a:t>
+            </a:r>
+            <a:r>
+              <a:rPr lang="en-US" sz="1200" dirty="0">
+                <a:solidFill>
+                  <a:schemeClr val="tx1"/>
+                </a:solidFill>
+              </a:rPr>
+              <a:t>, </a:t>
+            </a:r>
+            <a:r>
+              <a:rPr lang="en-US" sz="1200" dirty="0" err="1">
+                <a:solidFill>
+                  <a:schemeClr val="tx1"/>
+                </a:solidFill>
+              </a:rPr>
+              <a:t>menentukan</a:t>
+            </a:r>
+            <a:r>
+              <a:rPr lang="en-US" sz="1200" dirty="0">
+                <a:solidFill>
+                  <a:schemeClr val="tx1"/>
+                </a:solidFill>
+              </a:rPr>
+              <a:t> </a:t>
+            </a:r>
+            <a:r>
+              <a:rPr lang="en-US" sz="1200" i="1" dirty="0">
+                <a:solidFill>
+                  <a:schemeClr val="tx1"/>
+                </a:solidFill>
+              </a:rPr>
+              <a:t>framework </a:t>
+            </a:r>
+            <a:r>
+              <a:rPr lang="en-US" sz="1200" dirty="0">
+                <a:solidFill>
+                  <a:schemeClr val="tx1"/>
+                </a:solidFill>
+              </a:rPr>
+              <a:t>yang </a:t>
+            </a:r>
+            <a:r>
+              <a:rPr lang="en-US" sz="1200" dirty="0" err="1">
+                <a:solidFill>
+                  <a:schemeClr val="tx1"/>
+                </a:solidFill>
+              </a:rPr>
+              <a:t>dapat</a:t>
+            </a:r>
+            <a:r>
+              <a:rPr lang="en-US" sz="1200" dirty="0">
+                <a:solidFill>
+                  <a:schemeClr val="tx1"/>
+                </a:solidFill>
+              </a:rPr>
+              <a:t> </a:t>
+            </a:r>
+            <a:r>
+              <a:rPr lang="en-US" sz="1200" dirty="0" err="1">
+                <a:solidFill>
+                  <a:schemeClr val="tx1"/>
+                </a:solidFill>
+              </a:rPr>
+              <a:t>mendukung</a:t>
+            </a:r>
+            <a:r>
+              <a:rPr lang="en-US" sz="1200" dirty="0">
+                <a:solidFill>
+                  <a:schemeClr val="tx1"/>
+                </a:solidFill>
+              </a:rPr>
+              <a:t> </a:t>
+            </a:r>
+            <a:r>
+              <a:rPr lang="en-US" sz="1200" dirty="0" err="1">
+                <a:solidFill>
+                  <a:schemeClr val="tx1"/>
+                </a:solidFill>
+              </a:rPr>
+              <a:t>penyajian</a:t>
+            </a:r>
+            <a:r>
+              <a:rPr lang="en-US" sz="1200" dirty="0">
+                <a:solidFill>
+                  <a:schemeClr val="tx1"/>
+                </a:solidFill>
+              </a:rPr>
+              <a:t> </a:t>
+            </a:r>
+            <a:r>
+              <a:rPr lang="en-US" sz="1200" dirty="0" err="1">
+                <a:solidFill>
+                  <a:schemeClr val="tx1"/>
+                </a:solidFill>
+              </a:rPr>
+              <a:t>tersebut</a:t>
+            </a:r>
+            <a:r>
+              <a:rPr lang="en-US" sz="1200" dirty="0">
+                <a:solidFill>
+                  <a:schemeClr val="tx1"/>
+                </a:solidFill>
+              </a:rPr>
+              <a:t>, dan </a:t>
+            </a:r>
+            <a:r>
+              <a:rPr lang="en-US" sz="1200" dirty="0" err="1">
+                <a:solidFill>
+                  <a:schemeClr val="tx1"/>
+                </a:solidFill>
+              </a:rPr>
+              <a:t>mengimplementasikan</a:t>
+            </a:r>
+            <a:r>
+              <a:rPr lang="en-US" sz="1200" dirty="0">
+                <a:solidFill>
+                  <a:schemeClr val="tx1"/>
+                </a:solidFill>
+              </a:rPr>
+              <a:t> </a:t>
+            </a:r>
+            <a:r>
+              <a:rPr lang="en-US" sz="1200" dirty="0" err="1">
+                <a:solidFill>
+                  <a:schemeClr val="tx1"/>
+                </a:solidFill>
+              </a:rPr>
+              <a:t>penyajian</a:t>
+            </a:r>
+            <a:r>
+              <a:rPr lang="en-US" sz="1200" dirty="0">
+                <a:solidFill>
+                  <a:schemeClr val="tx1"/>
+                </a:solidFill>
+              </a:rPr>
+              <a:t> data </a:t>
+            </a:r>
+            <a:r>
+              <a:rPr lang="en-US" sz="1200" dirty="0" err="1">
+                <a:solidFill>
+                  <a:schemeClr val="tx1"/>
+                </a:solidFill>
+              </a:rPr>
+              <a:t>sejarah</a:t>
+            </a:r>
+            <a:r>
+              <a:rPr lang="en-US" sz="1200" dirty="0">
+                <a:solidFill>
+                  <a:schemeClr val="tx1"/>
+                </a:solidFill>
+              </a:rPr>
+              <a:t> </a:t>
+            </a:r>
+            <a:r>
+              <a:rPr lang="en-US" sz="1200" dirty="0" err="1">
+                <a:solidFill>
+                  <a:schemeClr val="tx1"/>
+                </a:solidFill>
+              </a:rPr>
+              <a:t>dari</a:t>
+            </a:r>
+            <a:r>
+              <a:rPr lang="en-US" sz="1200" dirty="0">
+                <a:solidFill>
+                  <a:schemeClr val="tx1"/>
+                </a:solidFill>
+              </a:rPr>
+              <a:t> </a:t>
+            </a:r>
+            <a:r>
+              <a:rPr lang="en-US" sz="1200" dirty="0" err="1">
+                <a:solidFill>
+                  <a:schemeClr val="tx1"/>
+                </a:solidFill>
+              </a:rPr>
+              <a:t>ontologi</a:t>
+            </a:r>
+            <a:r>
+              <a:rPr lang="en-US" sz="1200" dirty="0">
+                <a:solidFill>
+                  <a:schemeClr val="tx1"/>
+                </a:solidFill>
+              </a:rPr>
+              <a:t> yang </a:t>
+            </a:r>
+            <a:r>
+              <a:rPr lang="en-US" sz="1200" dirty="0" err="1">
+                <a:solidFill>
+                  <a:schemeClr val="tx1"/>
+                </a:solidFill>
+              </a:rPr>
+              <a:t>telah</a:t>
+            </a:r>
+            <a:r>
+              <a:rPr lang="en-US" sz="1200" dirty="0">
+                <a:solidFill>
+                  <a:schemeClr val="tx1"/>
+                </a:solidFill>
+              </a:rPr>
+              <a:t> </a:t>
+            </a:r>
+            <a:r>
+              <a:rPr lang="en-US" sz="1200" dirty="0" err="1">
+                <a:solidFill>
+                  <a:schemeClr val="tx1"/>
+                </a:solidFill>
+              </a:rPr>
+              <a:t>dikembangkan</a:t>
+            </a:r>
+            <a:r>
+              <a:rPr lang="en-US" sz="1200" dirty="0">
+                <a:solidFill>
+                  <a:schemeClr val="tx1"/>
+                </a:solidFill>
+              </a:rPr>
+              <a:t>. Dalam </a:t>
+            </a:r>
+            <a:r>
+              <a:rPr lang="en-US" sz="1200" dirty="0" err="1">
+                <a:solidFill>
+                  <a:schemeClr val="tx1"/>
+                </a:solidFill>
+              </a:rPr>
+              <a:t>tahapan</a:t>
+            </a:r>
+            <a:r>
+              <a:rPr lang="en-US" sz="1200" dirty="0">
+                <a:solidFill>
+                  <a:schemeClr val="tx1"/>
+                </a:solidFill>
+              </a:rPr>
+              <a:t> ini, </a:t>
+            </a:r>
+            <a:r>
+              <a:rPr lang="en-US" sz="1200" dirty="0" err="1">
+                <a:solidFill>
+                  <a:schemeClr val="tx1"/>
+                </a:solidFill>
+              </a:rPr>
+              <a:t>luaran</a:t>
+            </a:r>
+            <a:r>
+              <a:rPr lang="en-US" sz="1200" dirty="0">
+                <a:solidFill>
+                  <a:schemeClr val="tx1"/>
+                </a:solidFill>
+              </a:rPr>
+              <a:t> yang </a:t>
+            </a:r>
+            <a:r>
+              <a:rPr lang="en-US" sz="1200" dirty="0" err="1">
+                <a:solidFill>
+                  <a:schemeClr val="tx1"/>
+                </a:solidFill>
+              </a:rPr>
+              <a:t>dihasilkan</a:t>
+            </a:r>
+            <a:r>
+              <a:rPr lang="en-US" sz="1200" dirty="0">
+                <a:solidFill>
+                  <a:schemeClr val="tx1"/>
+                </a:solidFill>
+              </a:rPr>
+              <a:t> </a:t>
+            </a:r>
+            <a:r>
+              <a:rPr lang="en-US" sz="1200" dirty="0" err="1">
+                <a:solidFill>
+                  <a:schemeClr val="tx1"/>
+                </a:solidFill>
+              </a:rPr>
+              <a:t>adalah</a:t>
+            </a:r>
+            <a:r>
+              <a:rPr lang="en-US" sz="1200" dirty="0">
+                <a:solidFill>
+                  <a:schemeClr val="tx1"/>
+                </a:solidFill>
+              </a:rPr>
+              <a:t> </a:t>
+            </a:r>
+            <a:r>
+              <a:rPr lang="en-US" sz="1200" b="1" dirty="0" err="1">
+                <a:solidFill>
+                  <a:schemeClr val="tx1"/>
+                </a:solidFill>
+              </a:rPr>
+              <a:t>aplikasi</a:t>
+            </a:r>
+            <a:r>
+              <a:rPr lang="en-US" sz="1200" b="1" dirty="0">
+                <a:solidFill>
+                  <a:schemeClr val="tx1"/>
+                </a:solidFill>
+              </a:rPr>
+              <a:t> </a:t>
+            </a:r>
+            <a:r>
+              <a:rPr lang="en-US" sz="1200" b="1" dirty="0" err="1">
+                <a:solidFill>
+                  <a:schemeClr val="tx1"/>
+                </a:solidFill>
+              </a:rPr>
+              <a:t>penyajian</a:t>
+            </a:r>
+            <a:r>
+              <a:rPr lang="en-US" sz="1200" b="1" dirty="0">
+                <a:solidFill>
+                  <a:schemeClr val="tx1"/>
+                </a:solidFill>
+              </a:rPr>
+              <a:t> data </a:t>
+            </a:r>
+            <a:r>
+              <a:rPr lang="en-US" sz="1200" dirty="0">
+                <a:solidFill>
+                  <a:schemeClr val="tx1"/>
+                </a:solidFill>
+              </a:rPr>
+              <a:t>yang </a:t>
+            </a:r>
+            <a:r>
+              <a:rPr lang="en-US" sz="1200" dirty="0" err="1">
+                <a:solidFill>
+                  <a:schemeClr val="tx1"/>
+                </a:solidFill>
+              </a:rPr>
+              <a:t>dapat</a:t>
+            </a:r>
+            <a:r>
+              <a:rPr lang="en-US" sz="1200" dirty="0">
+                <a:solidFill>
+                  <a:schemeClr val="tx1"/>
+                </a:solidFill>
+              </a:rPr>
+              <a:t> </a:t>
+            </a:r>
+            <a:r>
+              <a:rPr lang="en-US" sz="1200" dirty="0" err="1">
+                <a:solidFill>
+                  <a:schemeClr val="tx1"/>
+                </a:solidFill>
+              </a:rPr>
+              <a:t>digunakan</a:t>
+            </a:r>
+            <a:r>
+              <a:rPr lang="en-US" sz="1200" dirty="0">
+                <a:solidFill>
+                  <a:schemeClr val="tx1"/>
+                </a:solidFill>
+              </a:rPr>
+              <a:t> untuk </a:t>
+            </a:r>
+            <a:r>
+              <a:rPr lang="en-US" sz="1200" dirty="0" err="1">
+                <a:solidFill>
+                  <a:schemeClr val="tx1"/>
+                </a:solidFill>
+              </a:rPr>
+              <a:t>melihat</a:t>
+            </a:r>
+            <a:r>
+              <a:rPr lang="en-US" sz="1200" dirty="0">
+                <a:solidFill>
+                  <a:schemeClr val="tx1"/>
+                </a:solidFill>
+              </a:rPr>
+              <a:t> dan </a:t>
+            </a:r>
+            <a:r>
+              <a:rPr lang="en-US" sz="1200" dirty="0" err="1">
+                <a:solidFill>
+                  <a:schemeClr val="tx1"/>
+                </a:solidFill>
+              </a:rPr>
+              <a:t>mengakses</a:t>
+            </a:r>
+            <a:r>
+              <a:rPr lang="en-US" sz="1200" dirty="0">
+                <a:solidFill>
+                  <a:schemeClr val="tx1"/>
+                </a:solidFill>
+              </a:rPr>
+              <a:t> data </a:t>
+            </a:r>
+            <a:r>
+              <a:rPr lang="en-US" sz="1200" dirty="0" err="1">
+                <a:solidFill>
+                  <a:schemeClr val="tx1"/>
+                </a:solidFill>
+              </a:rPr>
+              <a:t>sejarah</a:t>
+            </a:r>
+            <a:r>
+              <a:rPr lang="en-US" sz="1200" dirty="0">
+                <a:solidFill>
+                  <a:schemeClr val="tx1"/>
+                </a:solidFill>
+              </a:rPr>
+              <a:t> Indonesia </a:t>
+            </a:r>
+            <a:r>
+              <a:rPr lang="en-US" sz="1200" dirty="0" err="1">
+                <a:solidFill>
+                  <a:schemeClr val="tx1"/>
+                </a:solidFill>
+              </a:rPr>
+              <a:t>selama</a:t>
+            </a:r>
+            <a:r>
+              <a:rPr lang="en-US" sz="1200" dirty="0">
+                <a:solidFill>
+                  <a:schemeClr val="tx1"/>
+                </a:solidFill>
+              </a:rPr>
+              <a:t> </a:t>
+            </a:r>
+            <a:r>
+              <a:rPr lang="en-US" sz="1200" dirty="0" err="1">
+                <a:solidFill>
+                  <a:schemeClr val="tx1"/>
+                </a:solidFill>
+              </a:rPr>
+              <a:t>periode</a:t>
+            </a:r>
+            <a:r>
+              <a:rPr lang="en-US" sz="1200" dirty="0">
+                <a:solidFill>
+                  <a:schemeClr val="tx1"/>
+                </a:solidFill>
+              </a:rPr>
+              <a:t> Orde Baru dalam format </a:t>
+            </a:r>
+            <a:r>
+              <a:rPr lang="en-US" sz="1200" i="1" dirty="0">
+                <a:solidFill>
+                  <a:schemeClr val="tx1"/>
+                </a:solidFill>
+              </a:rPr>
+              <a:t>timeline</a:t>
+            </a:r>
+            <a:r>
+              <a:rPr lang="en-US" sz="1200" dirty="0">
+                <a:solidFill>
+                  <a:schemeClr val="tx1"/>
+                </a:solidFill>
+              </a:rPr>
+              <a:t>, </a:t>
+            </a:r>
+            <a:r>
+              <a:rPr lang="en-US" sz="1200" dirty="0" err="1">
+                <a:solidFill>
+                  <a:schemeClr val="tx1"/>
+                </a:solidFill>
+              </a:rPr>
+              <a:t>tabel</a:t>
+            </a:r>
+            <a:r>
+              <a:rPr lang="en-US" sz="1200" dirty="0">
+                <a:solidFill>
+                  <a:schemeClr val="tx1"/>
+                </a:solidFill>
+              </a:rPr>
+              <a:t>, </a:t>
+            </a:r>
+            <a:r>
+              <a:rPr lang="en-US" sz="1200" dirty="0" err="1">
+                <a:solidFill>
+                  <a:schemeClr val="tx1"/>
+                </a:solidFill>
+              </a:rPr>
+              <a:t>atau</a:t>
+            </a:r>
+            <a:r>
+              <a:rPr lang="en-US" sz="1200" dirty="0">
+                <a:solidFill>
+                  <a:schemeClr val="tx1"/>
+                </a:solidFill>
+              </a:rPr>
+              <a:t> </a:t>
+            </a:r>
+            <a:r>
+              <a:rPr lang="en-US" sz="1200" dirty="0" err="1">
+                <a:solidFill>
+                  <a:schemeClr val="tx1"/>
+                </a:solidFill>
+              </a:rPr>
+              <a:t>sebagainya</a:t>
+            </a:r>
+            <a:r>
+              <a:rPr lang="en-US" sz="1200" dirty="0">
+                <a:solidFill>
+                  <a:schemeClr val="tx1"/>
+                </a:solidFill>
+              </a:rPr>
+              <a:t>.</a:t>
+            </a:r>
+            <a:endParaRPr lang="en-US" sz="1200" b="1" dirty="0">
+              <a:solidFill>
+                <a:schemeClr val="tx1"/>
+              </a:solidFill>
+            </a:endParaRPr>
+          </a:p>
+          <a:p>
+            <a:pPr marL="342900" lvl="0" algn="l" rtl="0">
+              <a:lnSpc>
+                <a:spcPct val="110000"/>
+              </a:lnSpc>
+              <a:spcBef>
+                <a:spcPts val="0"/>
+              </a:spcBef>
+              <a:spcAft>
+                <a:spcPts val="1200"/>
+              </a:spcAft>
+              <a:buClrTx/>
+              <a:buSzPct val="100000"/>
+              <a:buAutoNum type="arabicPeriod" startAt="4"/>
+            </a:pPr>
+            <a:r>
+              <a:rPr lang="en-US" sz="1200" b="1" dirty="0" err="1">
+                <a:solidFill>
+                  <a:schemeClr val="tx1"/>
+                </a:solidFill>
+              </a:rPr>
+              <a:t>Evaluasi</a:t>
+            </a:r>
+            <a:r>
+              <a:rPr lang="en-US" sz="1200" b="1" dirty="0">
+                <a:solidFill>
+                  <a:schemeClr val="tx1"/>
+                </a:solidFill>
+              </a:rPr>
+              <a:t> dan </a:t>
+            </a:r>
+            <a:r>
+              <a:rPr lang="en-US" sz="1200" b="1" dirty="0" err="1">
+                <a:solidFill>
+                  <a:schemeClr val="tx1"/>
+                </a:solidFill>
+              </a:rPr>
+              <a:t>revisi</a:t>
+            </a:r>
+            <a:br>
+              <a:rPr lang="en-US" sz="1200" dirty="0">
+                <a:solidFill>
+                  <a:schemeClr val="tx1"/>
+                </a:solidFill>
+              </a:rPr>
+            </a:br>
+            <a:r>
+              <a:rPr lang="en-US" sz="1200" dirty="0" err="1">
+                <a:solidFill>
+                  <a:schemeClr val="tx1"/>
+                </a:solidFill>
+              </a:rPr>
+              <a:t>Menilai</a:t>
+            </a:r>
+            <a:r>
+              <a:rPr lang="en-US" sz="1200" dirty="0">
+                <a:solidFill>
+                  <a:schemeClr val="tx1"/>
+                </a:solidFill>
+              </a:rPr>
+              <a:t> </a:t>
+            </a:r>
+            <a:r>
+              <a:rPr lang="en-US" sz="1200" dirty="0" err="1">
+                <a:solidFill>
+                  <a:schemeClr val="tx1"/>
+                </a:solidFill>
+              </a:rPr>
+              <a:t>penyajian</a:t>
+            </a:r>
+            <a:r>
+              <a:rPr lang="en-US" sz="1200" dirty="0">
+                <a:solidFill>
+                  <a:schemeClr val="tx1"/>
+                </a:solidFill>
+              </a:rPr>
+              <a:t> data </a:t>
+            </a:r>
+            <a:r>
+              <a:rPr lang="en-US" sz="1200" dirty="0" err="1">
+                <a:solidFill>
+                  <a:schemeClr val="tx1"/>
+                </a:solidFill>
+              </a:rPr>
+              <a:t>sejarah</a:t>
+            </a:r>
+            <a:r>
+              <a:rPr lang="en-US" sz="1200" dirty="0">
+                <a:solidFill>
+                  <a:schemeClr val="tx1"/>
+                </a:solidFill>
+              </a:rPr>
+              <a:t> Indonesia </a:t>
+            </a:r>
+            <a:r>
+              <a:rPr lang="en-US" sz="1200" dirty="0" err="1">
+                <a:solidFill>
+                  <a:schemeClr val="tx1"/>
+                </a:solidFill>
+              </a:rPr>
+              <a:t>selama</a:t>
+            </a:r>
+            <a:r>
+              <a:rPr lang="en-US" sz="1200" dirty="0">
+                <a:solidFill>
+                  <a:schemeClr val="tx1"/>
+                </a:solidFill>
+              </a:rPr>
+              <a:t> </a:t>
+            </a:r>
+            <a:r>
+              <a:rPr lang="en-US" sz="1200" dirty="0" err="1">
+                <a:solidFill>
+                  <a:schemeClr val="tx1"/>
+                </a:solidFill>
+              </a:rPr>
+              <a:t>periode</a:t>
+            </a:r>
+            <a:r>
+              <a:rPr lang="en-US" sz="1200" dirty="0">
+                <a:solidFill>
+                  <a:schemeClr val="tx1"/>
+                </a:solidFill>
+              </a:rPr>
+              <a:t> Orde Baru yang </a:t>
+            </a:r>
+            <a:r>
+              <a:rPr lang="en-US" sz="1200" dirty="0" err="1">
+                <a:solidFill>
+                  <a:schemeClr val="tx1"/>
+                </a:solidFill>
+              </a:rPr>
+              <a:t>telah</a:t>
+            </a:r>
+            <a:r>
+              <a:rPr lang="en-US" sz="1200" dirty="0">
+                <a:solidFill>
+                  <a:schemeClr val="tx1"/>
+                </a:solidFill>
+              </a:rPr>
+              <a:t> </a:t>
+            </a:r>
+            <a:r>
+              <a:rPr lang="en-US" sz="1200" dirty="0" err="1">
+                <a:solidFill>
+                  <a:schemeClr val="tx1"/>
+                </a:solidFill>
+              </a:rPr>
+              <a:t>dibuat</a:t>
+            </a:r>
+            <a:r>
+              <a:rPr lang="en-US" sz="1200" dirty="0">
+                <a:solidFill>
+                  <a:schemeClr val="tx1"/>
+                </a:solidFill>
+              </a:rPr>
+              <a:t> </a:t>
+            </a:r>
+            <a:r>
+              <a:rPr lang="en-US" sz="1200" dirty="0" err="1">
+                <a:solidFill>
+                  <a:schemeClr val="tx1"/>
+                </a:solidFill>
+              </a:rPr>
+              <a:t>dengan</a:t>
+            </a:r>
+            <a:r>
+              <a:rPr lang="en-US" sz="1200" dirty="0">
+                <a:solidFill>
+                  <a:schemeClr val="tx1"/>
+                </a:solidFill>
+              </a:rPr>
+              <a:t> </a:t>
+            </a:r>
+            <a:r>
+              <a:rPr lang="en-US" sz="1200" dirty="0" err="1">
+                <a:solidFill>
+                  <a:schemeClr val="tx1"/>
+                </a:solidFill>
+              </a:rPr>
+              <a:t>melibatkan</a:t>
+            </a:r>
+            <a:r>
+              <a:rPr lang="en-US" sz="1200" dirty="0">
+                <a:solidFill>
+                  <a:schemeClr val="tx1"/>
+                </a:solidFill>
+              </a:rPr>
+              <a:t> </a:t>
+            </a:r>
+            <a:r>
+              <a:rPr lang="en-US" sz="1200" b="1" dirty="0" err="1">
+                <a:solidFill>
+                  <a:schemeClr val="tx1"/>
+                </a:solidFill>
+              </a:rPr>
+              <a:t>sejarawan</a:t>
+            </a:r>
+            <a:r>
+              <a:rPr lang="en-US" sz="1200" b="1" dirty="0">
+                <a:solidFill>
+                  <a:schemeClr val="tx1"/>
+                </a:solidFill>
+              </a:rPr>
+              <a:t> </a:t>
+            </a:r>
+            <a:r>
+              <a:rPr lang="en-US" sz="1200" b="1" dirty="0" err="1">
+                <a:solidFill>
+                  <a:schemeClr val="tx1"/>
+                </a:solidFill>
+              </a:rPr>
+              <a:t>sebagai</a:t>
+            </a:r>
+            <a:r>
+              <a:rPr lang="en-US" sz="1200" b="1" dirty="0">
+                <a:solidFill>
+                  <a:schemeClr val="tx1"/>
+                </a:solidFill>
+              </a:rPr>
+              <a:t> </a:t>
+            </a:r>
+            <a:r>
+              <a:rPr lang="en-US" sz="1200" b="1" dirty="0" err="1">
+                <a:solidFill>
+                  <a:schemeClr val="tx1"/>
+                </a:solidFill>
+              </a:rPr>
+              <a:t>pengguna</a:t>
+            </a:r>
+            <a:r>
+              <a:rPr lang="en-US" sz="1200" dirty="0">
+                <a:solidFill>
+                  <a:schemeClr val="tx1"/>
+                </a:solidFill>
+              </a:rPr>
+              <a:t>. </a:t>
+            </a:r>
+            <a:r>
+              <a:rPr lang="en-US" sz="1200" dirty="0" err="1">
+                <a:solidFill>
+                  <a:schemeClr val="tx1"/>
+                </a:solidFill>
+              </a:rPr>
+              <a:t>Penilaian</a:t>
+            </a:r>
+            <a:r>
+              <a:rPr lang="en-US" sz="1200" dirty="0">
+                <a:solidFill>
+                  <a:schemeClr val="tx1"/>
+                </a:solidFill>
+              </a:rPr>
+              <a:t> ini </a:t>
+            </a:r>
+            <a:r>
+              <a:rPr lang="en-US" sz="1200" dirty="0" err="1">
+                <a:solidFill>
+                  <a:schemeClr val="tx1"/>
+                </a:solidFill>
+              </a:rPr>
+              <a:t>dilakukan</a:t>
+            </a:r>
+            <a:r>
+              <a:rPr lang="en-US" sz="1200" dirty="0">
+                <a:solidFill>
+                  <a:schemeClr val="tx1"/>
+                </a:solidFill>
+              </a:rPr>
+              <a:t> </a:t>
+            </a:r>
+            <a:r>
+              <a:rPr lang="en-US" sz="1200" dirty="0" err="1">
+                <a:solidFill>
+                  <a:schemeClr val="tx1"/>
+                </a:solidFill>
+              </a:rPr>
+              <a:t>dengan</a:t>
+            </a:r>
+            <a:r>
+              <a:rPr lang="en-US" sz="1200" dirty="0">
+                <a:solidFill>
+                  <a:schemeClr val="tx1"/>
+                </a:solidFill>
+              </a:rPr>
+              <a:t> </a:t>
+            </a:r>
+            <a:r>
+              <a:rPr lang="en-US" sz="1200" dirty="0" err="1">
+                <a:solidFill>
+                  <a:schemeClr val="tx1"/>
+                </a:solidFill>
+              </a:rPr>
+              <a:t>menggunakan</a:t>
+            </a:r>
+            <a:r>
+              <a:rPr lang="en-US" sz="1200" dirty="0">
+                <a:solidFill>
+                  <a:schemeClr val="tx1"/>
+                </a:solidFill>
+              </a:rPr>
+              <a:t> </a:t>
+            </a:r>
+            <a:r>
+              <a:rPr lang="en-US" sz="1200" dirty="0" err="1">
+                <a:solidFill>
+                  <a:schemeClr val="tx1"/>
+                </a:solidFill>
+              </a:rPr>
+              <a:t>berbagai</a:t>
+            </a:r>
+            <a:r>
+              <a:rPr lang="en-US" sz="1200" dirty="0">
+                <a:solidFill>
+                  <a:schemeClr val="tx1"/>
+                </a:solidFill>
+              </a:rPr>
+              <a:t> </a:t>
+            </a:r>
+            <a:r>
+              <a:rPr lang="en-US" sz="1200" dirty="0" err="1">
+                <a:solidFill>
+                  <a:schemeClr val="tx1"/>
+                </a:solidFill>
+              </a:rPr>
+              <a:t>metode</a:t>
+            </a:r>
+            <a:r>
+              <a:rPr lang="en-US" sz="1200" dirty="0">
+                <a:solidFill>
+                  <a:schemeClr val="tx1"/>
+                </a:solidFill>
+              </a:rPr>
+              <a:t> </a:t>
+            </a:r>
+            <a:r>
+              <a:rPr lang="en-US" sz="1200" dirty="0" err="1">
+                <a:solidFill>
+                  <a:schemeClr val="tx1"/>
+                </a:solidFill>
+              </a:rPr>
+              <a:t>pengujian</a:t>
+            </a:r>
+            <a:r>
+              <a:rPr lang="en-US" sz="1200" dirty="0">
+                <a:solidFill>
+                  <a:schemeClr val="tx1"/>
+                </a:solidFill>
+              </a:rPr>
+              <a:t>, </a:t>
+            </a:r>
+            <a:r>
+              <a:rPr lang="en-US" sz="1200" dirty="0" err="1">
+                <a:solidFill>
+                  <a:schemeClr val="tx1"/>
+                </a:solidFill>
+              </a:rPr>
+              <a:t>seperti</a:t>
+            </a:r>
+            <a:r>
+              <a:rPr lang="en-US" sz="1200" dirty="0">
+                <a:solidFill>
+                  <a:schemeClr val="tx1"/>
+                </a:solidFill>
+              </a:rPr>
+              <a:t> </a:t>
+            </a:r>
+            <a:r>
+              <a:rPr lang="en-US" sz="1200" i="1" dirty="0">
+                <a:solidFill>
+                  <a:schemeClr val="tx1"/>
+                </a:solidFill>
+              </a:rPr>
+              <a:t>usability testing</a:t>
+            </a:r>
+            <a:r>
+              <a:rPr lang="en-US" sz="1200" dirty="0">
+                <a:solidFill>
+                  <a:schemeClr val="tx1"/>
+                </a:solidFill>
+              </a:rPr>
+              <a:t> dan/</a:t>
+            </a:r>
+            <a:r>
+              <a:rPr lang="en-US" sz="1200" dirty="0" err="1">
+                <a:solidFill>
+                  <a:schemeClr val="tx1"/>
+                </a:solidFill>
+              </a:rPr>
+              <a:t>atau</a:t>
+            </a:r>
+            <a:r>
+              <a:rPr lang="en-US" sz="1200" dirty="0">
+                <a:solidFill>
+                  <a:schemeClr val="tx1"/>
+                </a:solidFill>
+              </a:rPr>
+              <a:t> </a:t>
+            </a:r>
+            <a:r>
+              <a:rPr lang="en-US" sz="1200" i="1" dirty="0">
+                <a:solidFill>
+                  <a:schemeClr val="tx1"/>
+                </a:solidFill>
+              </a:rPr>
+              <a:t>user acceptance testing</a:t>
+            </a:r>
+            <a:r>
+              <a:rPr lang="en-US" sz="1200" dirty="0">
+                <a:solidFill>
+                  <a:schemeClr val="tx1"/>
+                </a:solidFill>
+              </a:rPr>
+              <a:t>. Jika </a:t>
+            </a:r>
+            <a:r>
+              <a:rPr lang="en-US" sz="1200" dirty="0" err="1">
+                <a:solidFill>
+                  <a:schemeClr val="tx1"/>
+                </a:solidFill>
+              </a:rPr>
+              <a:t>terdapat</a:t>
+            </a:r>
+            <a:r>
+              <a:rPr lang="en-US" sz="1200" dirty="0">
+                <a:solidFill>
+                  <a:schemeClr val="tx1"/>
+                </a:solidFill>
+              </a:rPr>
+              <a:t> </a:t>
+            </a:r>
+            <a:r>
+              <a:rPr lang="en-US" sz="1200" dirty="0" err="1">
+                <a:solidFill>
+                  <a:schemeClr val="tx1"/>
+                </a:solidFill>
+              </a:rPr>
+              <a:t>kualitas</a:t>
+            </a:r>
+            <a:r>
+              <a:rPr lang="en-US" sz="1200" dirty="0">
+                <a:solidFill>
+                  <a:schemeClr val="tx1"/>
+                </a:solidFill>
+              </a:rPr>
+              <a:t> </a:t>
+            </a:r>
+            <a:r>
+              <a:rPr lang="en-US" sz="1200" dirty="0" err="1">
+                <a:solidFill>
+                  <a:schemeClr val="tx1"/>
+                </a:solidFill>
+              </a:rPr>
+              <a:t>atau</a:t>
+            </a:r>
+            <a:r>
+              <a:rPr lang="en-US" sz="1200" dirty="0">
+                <a:solidFill>
+                  <a:schemeClr val="tx1"/>
+                </a:solidFill>
+              </a:rPr>
+              <a:t> </a:t>
+            </a:r>
+            <a:r>
+              <a:rPr lang="en-US" sz="1200" dirty="0" err="1">
+                <a:solidFill>
+                  <a:schemeClr val="tx1"/>
+                </a:solidFill>
+              </a:rPr>
+              <a:t>kekurangan</a:t>
+            </a:r>
+            <a:r>
+              <a:rPr lang="en-US" sz="1200" dirty="0">
+                <a:solidFill>
+                  <a:schemeClr val="tx1"/>
+                </a:solidFill>
+              </a:rPr>
+              <a:t> yang </a:t>
+            </a:r>
+            <a:r>
+              <a:rPr lang="en-US" sz="1200" dirty="0" err="1">
+                <a:solidFill>
+                  <a:schemeClr val="tx1"/>
+                </a:solidFill>
+              </a:rPr>
+              <a:t>perlu</a:t>
+            </a:r>
+            <a:r>
+              <a:rPr lang="en-US" sz="1200" dirty="0">
+                <a:solidFill>
+                  <a:schemeClr val="tx1"/>
+                </a:solidFill>
+              </a:rPr>
+              <a:t> </a:t>
+            </a:r>
+            <a:r>
+              <a:rPr lang="en-US" sz="1200" dirty="0" err="1">
+                <a:solidFill>
+                  <a:schemeClr val="tx1"/>
+                </a:solidFill>
+              </a:rPr>
+              <a:t>diperbaiki</a:t>
+            </a:r>
+            <a:r>
+              <a:rPr lang="en-US" sz="1200" dirty="0">
+                <a:solidFill>
+                  <a:schemeClr val="tx1"/>
+                </a:solidFill>
+              </a:rPr>
+              <a:t>, </a:t>
+            </a:r>
+            <a:r>
+              <a:rPr lang="en-US" sz="1200" dirty="0" err="1">
+                <a:solidFill>
+                  <a:schemeClr val="tx1"/>
+                </a:solidFill>
+              </a:rPr>
+              <a:t>akan</a:t>
+            </a:r>
+            <a:r>
+              <a:rPr lang="en-US" sz="1200" dirty="0">
+                <a:solidFill>
+                  <a:schemeClr val="tx1"/>
+                </a:solidFill>
+              </a:rPr>
+              <a:t> </a:t>
+            </a:r>
+            <a:r>
+              <a:rPr lang="en-US" sz="1200" dirty="0" err="1">
+                <a:solidFill>
+                  <a:schemeClr val="tx1"/>
+                </a:solidFill>
+              </a:rPr>
+              <a:t>dilakukan</a:t>
+            </a:r>
+            <a:r>
+              <a:rPr lang="en-US" sz="1200" dirty="0">
+                <a:solidFill>
+                  <a:schemeClr val="tx1"/>
+                </a:solidFill>
+              </a:rPr>
+              <a:t> </a:t>
+            </a:r>
+            <a:r>
+              <a:rPr lang="en-US" sz="1200" dirty="0" err="1">
+                <a:solidFill>
+                  <a:schemeClr val="tx1"/>
+                </a:solidFill>
+              </a:rPr>
+              <a:t>revisi</a:t>
+            </a:r>
+            <a:r>
+              <a:rPr lang="en-US" sz="1200" dirty="0">
+                <a:solidFill>
+                  <a:schemeClr val="tx1"/>
+                </a:solidFill>
+              </a:rPr>
+              <a:t> </a:t>
+            </a:r>
+            <a:r>
+              <a:rPr lang="en-US" sz="1200" dirty="0" err="1">
+                <a:solidFill>
+                  <a:schemeClr val="tx1"/>
+                </a:solidFill>
+              </a:rPr>
+              <a:t>sesuai</a:t>
+            </a:r>
+            <a:r>
+              <a:rPr lang="en-US" sz="1200" dirty="0">
+                <a:solidFill>
+                  <a:schemeClr val="tx1"/>
+                </a:solidFill>
+              </a:rPr>
+              <a:t> </a:t>
+            </a:r>
+            <a:r>
+              <a:rPr lang="en-US" sz="1200" dirty="0" err="1">
+                <a:solidFill>
+                  <a:schemeClr val="tx1"/>
+                </a:solidFill>
+              </a:rPr>
+              <a:t>dengan</a:t>
+            </a:r>
+            <a:r>
+              <a:rPr lang="en-US" sz="1200" dirty="0">
+                <a:solidFill>
+                  <a:schemeClr val="tx1"/>
+                </a:solidFill>
+              </a:rPr>
+              <a:t> </a:t>
+            </a:r>
+            <a:r>
+              <a:rPr lang="en-US" sz="1200" dirty="0" err="1">
+                <a:solidFill>
+                  <a:schemeClr val="tx1"/>
+                </a:solidFill>
+              </a:rPr>
+              <a:t>hasil</a:t>
+            </a:r>
+            <a:r>
+              <a:rPr lang="en-US" sz="1200" dirty="0">
+                <a:solidFill>
+                  <a:schemeClr val="tx1"/>
+                </a:solidFill>
+              </a:rPr>
+              <a:t> </a:t>
+            </a:r>
+            <a:r>
+              <a:rPr lang="en-US" sz="1200" dirty="0" err="1">
+                <a:solidFill>
+                  <a:schemeClr val="tx1"/>
+                </a:solidFill>
+              </a:rPr>
+              <a:t>penilaian</a:t>
+            </a:r>
+            <a:r>
+              <a:rPr lang="en-US" sz="1200" dirty="0">
+                <a:solidFill>
+                  <a:schemeClr val="tx1"/>
+                </a:solidFill>
+              </a:rPr>
+              <a:t>.</a:t>
+            </a:r>
+          </a:p>
+        </p:txBody>
+      </p:sp>
+    </p:spTree>
+    <p:extLst>
+      <p:ext uri="{BB962C8B-B14F-4D97-AF65-F5344CB8AC3E}">
+        <p14:creationId xmlns:p14="http://schemas.microsoft.com/office/powerpoint/2010/main" val="3899201873"/>
+      </p:ext>
+    </p:extLst>
+  </p:cSld>
+  <p:clrMapOvr>
+    <a:masterClrMapping/>
+  </p:clrMapOvr>
+</p:sld>
+</file>
+
+<file path=ppt/slides/slide8.xml><?xml version="1.0" encoding="utf-8"?>
 <p:sld xmlns:a="http://schemas.openxmlformats.org/drawingml/2006/main" xmlns:r="http://schemas.openxmlformats.org/officeDocument/2006/relationships" xmlns:p="http://schemas.openxmlformats.org/presentationml/2006/main">
   <p:cSld>
     <p:spTree>
@@ -20467,7 +20963,7 @@
 </p:sld>
 </file>
 
-<file path=ppt/slides/slide8.xml><?xml version="1.0" encoding="utf-8"?>
+<file path=ppt/slides/slide9.xml><?xml version="1.0" encoding="utf-8"?>
 <p:sld xmlns:a="http://schemas.openxmlformats.org/drawingml/2006/main" xmlns:r="http://schemas.openxmlformats.org/officeDocument/2006/relationships" xmlns:p="http://schemas.openxmlformats.org/presentationml/2006/main">
   <p:cSld>
     <p:spTree>
